--- a/PY/Material.pptx
+++ b/PY/Material.pptx
@@ -5,10 +5,10 @@
     <p:sldMasterId id="2147483912" r:id="rId1"/>
   </p:sldMasterIdLst>
   <p:notesMasterIdLst>
-    <p:notesMasterId r:id="rId21"/>
+    <p:notesMasterId r:id="rId31"/>
   </p:notesMasterIdLst>
   <p:handoutMasterIdLst>
-    <p:handoutMasterId r:id="rId22"/>
+    <p:handoutMasterId r:id="rId32"/>
   </p:handoutMasterIdLst>
   <p:sldIdLst>
     <p:sldId id="260" r:id="rId2"/>
@@ -30,6 +30,16 @@
     <p:sldId id="276" r:id="rId18"/>
     <p:sldId id="277" r:id="rId19"/>
     <p:sldId id="278" r:id="rId20"/>
+    <p:sldId id="279" r:id="rId21"/>
+    <p:sldId id="280" r:id="rId22"/>
+    <p:sldId id="281" r:id="rId23"/>
+    <p:sldId id="282" r:id="rId24"/>
+    <p:sldId id="283" r:id="rId25"/>
+    <p:sldId id="284" r:id="rId26"/>
+    <p:sldId id="285" r:id="rId27"/>
+    <p:sldId id="286" r:id="rId28"/>
+    <p:sldId id="287" r:id="rId29"/>
+    <p:sldId id="288" r:id="rId30"/>
   </p:sldIdLst>
   <p:sldSz cx="16398875" cy="7199313"/>
   <p:notesSz cx="6858000" cy="9144000"/>
@@ -230,7 +240,7 @@
           <a:p>
             <a:fld id="{6A07C04B-C5DA-449E-8677-F8A5862F071B}" type="datetimeFigureOut">
               <a:rPr lang="es-MX" smtClean="0"/>
-              <a:t>08/01/2024</a:t>
+              <a:t>16/01/2024</a:t>
             </a:fld>
             <a:endParaRPr lang="es-MX"/>
           </a:p>
@@ -408,7 +418,7 @@
           <a:p>
             <a:fld id="{294320D2-0DAD-4E3A-A604-76867ABD8AA3}" type="datetimeFigureOut">
               <a:rPr lang="es-MX" smtClean="0"/>
-              <a:t>08/01/2024</a:t>
+              <a:t>16/01/2024</a:t>
             </a:fld>
             <a:endParaRPr lang="es-MX"/>
           </a:p>
@@ -873,7 +883,7 @@
           <a:p>
             <a:fld id="{F4B22C98-7845-4823-9D87-7E7327A7821C}" type="datetime1">
               <a:rPr lang="es-MX" smtClean="0"/>
-              <a:t>08/01/2024</a:t>
+              <a:t>16/01/2024</a:t>
             </a:fld>
             <a:endParaRPr lang="es-MX"/>
           </a:p>
@@ -1154,7 +1164,7 @@
           <a:p>
             <a:fld id="{CC7440CF-2614-4165-9C4C-D1AD9C69E1D8}" type="datetime1">
               <a:rPr lang="es-MX" smtClean="0"/>
-              <a:t>08/01/2024</a:t>
+              <a:t>16/01/2024</a:t>
             </a:fld>
             <a:endParaRPr lang="es-MX"/>
           </a:p>
@@ -1346,7 +1356,7 @@
           <a:p>
             <a:fld id="{B6A8A6CA-423B-43B2-82B6-3F422B77BBB2}" type="datetime1">
               <a:rPr lang="es-MX" smtClean="0"/>
-              <a:t>08/01/2024</a:t>
+              <a:t>16/01/2024</a:t>
             </a:fld>
             <a:endParaRPr lang="es-MX"/>
           </a:p>
@@ -1607,7 +1617,7 @@
           <a:p>
             <a:fld id="{A88B55D2-556F-4171-B51A-7E5B338337B8}" type="datetime1">
               <a:rPr lang="es-MX" smtClean="0"/>
-              <a:t>08/01/2024</a:t>
+              <a:t>16/01/2024</a:t>
             </a:fld>
             <a:endParaRPr lang="es-MX"/>
           </a:p>
@@ -2033,7 +2043,7 @@
           <a:p>
             <a:fld id="{3B449607-ECB9-4F34-9E2C-635904DD299F}" type="datetime1">
               <a:rPr lang="es-MX" smtClean="0"/>
-              <a:t>08/01/2024</a:t>
+              <a:t>16/01/2024</a:t>
             </a:fld>
             <a:endParaRPr lang="es-MX"/>
           </a:p>
@@ -2579,7 +2589,7 @@
           <a:p>
             <a:fld id="{D6CF6CD1-CA9D-48D7-9CD6-3697390ACD67}" type="datetime1">
               <a:rPr lang="es-MX" smtClean="0"/>
-              <a:t>08/01/2024</a:t>
+              <a:t>16/01/2024</a:t>
             </a:fld>
             <a:endParaRPr lang="es-MX"/>
           </a:p>
@@ -3410,7 +3420,7 @@
           <a:p>
             <a:fld id="{4A6AEA93-CDB0-4405-B328-F2306E0D34CA}" type="datetime1">
               <a:rPr lang="es-MX" smtClean="0"/>
-              <a:t>08/01/2024</a:t>
+              <a:t>16/01/2024</a:t>
             </a:fld>
             <a:endParaRPr lang="es-MX"/>
           </a:p>
@@ -3580,7 +3590,7 @@
           <a:p>
             <a:fld id="{F6FB692A-8628-4902-B7B6-599AF04C845D}" type="datetime1">
               <a:rPr lang="es-MX" smtClean="0"/>
-              <a:t>08/01/2024</a:t>
+              <a:t>16/01/2024</a:t>
             </a:fld>
             <a:endParaRPr lang="es-MX"/>
           </a:p>
@@ -3760,7 +3770,7 @@
           <a:p>
             <a:fld id="{CCB2BB11-5FBB-43C1-9F52-16377FF66CD4}" type="datetime1">
               <a:rPr lang="es-MX" smtClean="0"/>
-              <a:t>08/01/2024</a:t>
+              <a:t>16/01/2024</a:t>
             </a:fld>
             <a:endParaRPr lang="es-MX"/>
           </a:p>
@@ -3930,7 +3940,7 @@
           <a:p>
             <a:fld id="{C4DF8A6F-A648-4BD7-A609-14CA288C4B88}" type="datetime1">
               <a:rPr lang="es-MX" smtClean="0"/>
-              <a:t>08/01/2024</a:t>
+              <a:t>16/01/2024</a:t>
             </a:fld>
             <a:endParaRPr lang="es-MX"/>
           </a:p>
@@ -4187,7 +4197,7 @@
           <a:p>
             <a:fld id="{A819A69F-2EC4-4839-A156-4B1B52880F43}" type="datetime1">
               <a:rPr lang="es-MX" smtClean="0"/>
-              <a:t>08/01/2024</a:t>
+              <a:t>16/01/2024</a:t>
             </a:fld>
             <a:endParaRPr lang="es-MX"/>
           </a:p>
@@ -4419,7 +4429,7 @@
           <a:p>
             <a:fld id="{D452671E-9B8F-41CE-AAC5-CC5EC7525C09}" type="datetime1">
               <a:rPr lang="es-MX" smtClean="0"/>
-              <a:t>08/01/2024</a:t>
+              <a:t>16/01/2024</a:t>
             </a:fld>
             <a:endParaRPr lang="es-MX"/>
           </a:p>
@@ -4812,7 +4822,7 @@
           <a:p>
             <a:fld id="{C755EF67-DA34-4E5F-9BED-D459D9B71127}" type="datetime1">
               <a:rPr lang="es-MX" smtClean="0"/>
-              <a:t>08/01/2024</a:t>
+              <a:t>16/01/2024</a:t>
             </a:fld>
             <a:endParaRPr lang="es-MX"/>
           </a:p>
@@ -4930,7 +4940,7 @@
           <a:p>
             <a:fld id="{19CBD242-34E2-4437-85F1-4105D3093524}" type="datetime1">
               <a:rPr lang="es-MX" smtClean="0"/>
-              <a:t>08/01/2024</a:t>
+              <a:t>16/01/2024</a:t>
             </a:fld>
             <a:endParaRPr lang="es-MX"/>
           </a:p>
@@ -5025,7 +5035,7 @@
           <a:p>
             <a:fld id="{F3241979-F49B-4210-95C4-594327ADB3B7}" type="datetime1">
               <a:rPr lang="es-MX" smtClean="0"/>
-              <a:t>08/01/2024</a:t>
+              <a:t>16/01/2024</a:t>
             </a:fld>
             <a:endParaRPr lang="es-MX"/>
           </a:p>
@@ -5298,7 +5308,7 @@
           <a:p>
             <a:fld id="{B874C067-744C-4AF7-9A9C-8F09F11420F7}" type="datetime1">
               <a:rPr lang="es-MX" smtClean="0"/>
-              <a:t>08/01/2024</a:t>
+              <a:t>16/01/2024</a:t>
             </a:fld>
             <a:endParaRPr lang="es-MX"/>
           </a:p>
@@ -5579,7 +5589,7 @@
           <a:p>
             <a:fld id="{B3A477B7-A186-4673-8CAF-D554A22CA708}" type="datetime1">
               <a:rPr lang="es-MX" smtClean="0"/>
-              <a:t>08/01/2024</a:t>
+              <a:t>16/01/2024</a:t>
             </a:fld>
             <a:endParaRPr lang="es-MX"/>
           </a:p>
@@ -5819,7 +5829,7 @@
           <a:p>
             <a:fld id="{FD45460E-56AA-4A36-B582-34711A992FDA}" type="datetime1">
               <a:rPr lang="es-MX" smtClean="0"/>
-              <a:t>08/01/2024</a:t>
+              <a:t>16/01/2024</a:t>
             </a:fld>
             <a:endParaRPr lang="es-MX"/>
           </a:p>
@@ -10219,7 +10229,7 @@
         <p:spPr>
           <a:xfrm>
             <a:off x="1080654" y="477621"/>
-            <a:ext cx="14578445" cy="1384995"/>
+            <a:ext cx="15025254" cy="1384995"/>
           </a:xfrm>
           <a:prstGeom prst="rect">
             <a:avLst/>
@@ -10258,11 +10268,403 @@
             </a:r>
             <a:r>
               <a:rPr lang="es-MX" sz="1400" dirty="0"/>
-              <a:t>. Sin embargo, para entender bien este concepto, es conveniente explicarlo desde el punto de vista de un lenguaje de programación con tipado estático como Java. Vamos a por ello. Polimorfismo en Java Vamos a comenzar definiendo una clase Animal.</a:t>
-            </a:r>
-          </a:p>
-        </p:txBody>
-      </p:sp>
+              <a:t>. Sin embargo, para entender bien este concepto, es conveniente explicarlo desde el punto de vista de un lenguaje de programación con tipado estático como Java. Vamos a por ello. </a:t>
+            </a:r>
+          </a:p>
+          <a:p>
+            <a:r>
+              <a:rPr lang="es-MX" sz="1400" dirty="0"/>
+              <a:t>Polimorfismo en Java Vamos a comenzar definiendo una clase Animal.</a:t>
+            </a:r>
+          </a:p>
+        </p:txBody>
+      </p:sp>
+      <p:pic>
+        <p:nvPicPr>
+          <p:cNvPr id="5" name="Imagen 4">
+            <a:extLst>
+              <a:ext uri="{FF2B5EF4-FFF2-40B4-BE49-F238E27FC236}">
+                <a16:creationId xmlns:a16="http://schemas.microsoft.com/office/drawing/2014/main" id="{0AE1DD88-8E3D-FEAD-3CF2-BED97782F1AA}"/>
+              </a:ext>
+            </a:extLst>
+          </p:cNvPr>
+          <p:cNvPicPr>
+            <a:picLocks noChangeAspect="1"/>
+          </p:cNvPicPr>
+          <p:nvPr/>
+        </p:nvPicPr>
+        <p:blipFill>
+          <a:blip r:embed="rId2"/>
+          <a:stretch>
+            <a:fillRect/>
+          </a:stretch>
+        </p:blipFill>
+        <p:spPr>
+          <a:xfrm>
+            <a:off x="1162627" y="1862615"/>
+            <a:ext cx="3285680" cy="1384995"/>
+          </a:xfrm>
+          <a:prstGeom prst="rect">
+            <a:avLst/>
+          </a:prstGeom>
+        </p:spPr>
+      </p:pic>
+      <p:sp>
+        <p:nvSpPr>
+          <p:cNvPr id="8" name="CuadroTexto 7">
+            <a:extLst>
+              <a:ext uri="{FF2B5EF4-FFF2-40B4-BE49-F238E27FC236}">
+                <a16:creationId xmlns:a16="http://schemas.microsoft.com/office/drawing/2014/main" id="{99B6E904-B9EA-8D7B-4594-47CD5240F6C4}"/>
+              </a:ext>
+            </a:extLst>
+          </p:cNvPr>
+          <p:cNvSpPr txBox="1"/>
+          <p:nvPr/>
+        </p:nvSpPr>
+        <p:spPr>
+          <a:xfrm>
+            <a:off x="1080654" y="3309176"/>
+            <a:ext cx="8229600" cy="307777"/>
+          </a:xfrm>
+          <a:prstGeom prst="rect">
+            <a:avLst/>
+          </a:prstGeom>
+          <a:noFill/>
+        </p:spPr>
+        <p:txBody>
+          <a:bodyPr wrap="square">
+            <a:spAutoFit/>
+          </a:bodyPr>
+          <a:lstStyle/>
+          <a:p>
+            <a:r>
+              <a:rPr lang="es-MX" sz="1400" dirty="0"/>
+              <a:t>Y dos clases Perro y Gato que heredan de la anterior. </a:t>
+            </a:r>
+          </a:p>
+        </p:txBody>
+      </p:sp>
+      <p:pic>
+        <p:nvPicPr>
+          <p:cNvPr id="10" name="Imagen 9">
+            <a:extLst>
+              <a:ext uri="{FF2B5EF4-FFF2-40B4-BE49-F238E27FC236}">
+                <a16:creationId xmlns:a16="http://schemas.microsoft.com/office/drawing/2014/main" id="{F787022A-68ED-CE26-5D62-F159D84F20D8}"/>
+              </a:ext>
+            </a:extLst>
+          </p:cNvPr>
+          <p:cNvPicPr>
+            <a:picLocks noChangeAspect="1"/>
+          </p:cNvPicPr>
+          <p:nvPr/>
+        </p:nvPicPr>
+        <p:blipFill>
+          <a:blip r:embed="rId3"/>
+          <a:stretch>
+            <a:fillRect/>
+          </a:stretch>
+        </p:blipFill>
+        <p:spPr>
+          <a:xfrm>
+            <a:off x="1162627" y="3620438"/>
+            <a:ext cx="3285680" cy="2262104"/>
+          </a:xfrm>
+          <a:prstGeom prst="rect">
+            <a:avLst/>
+          </a:prstGeom>
+        </p:spPr>
+      </p:pic>
+      <p:sp>
+        <p:nvSpPr>
+          <p:cNvPr id="12" name="CuadroTexto 11">
+            <a:extLst>
+              <a:ext uri="{FF2B5EF4-FFF2-40B4-BE49-F238E27FC236}">
+                <a16:creationId xmlns:a16="http://schemas.microsoft.com/office/drawing/2014/main" id="{FA023D32-DEEE-8B01-A9CA-56F50C5D6E40}"/>
+              </a:ext>
+            </a:extLst>
+          </p:cNvPr>
+          <p:cNvSpPr txBox="1"/>
+          <p:nvPr/>
+        </p:nvSpPr>
+        <p:spPr>
+          <a:xfrm>
+            <a:off x="5580940" y="1940235"/>
+            <a:ext cx="5569527" cy="307777"/>
+          </a:xfrm>
+          <a:prstGeom prst="rect">
+            <a:avLst/>
+          </a:prstGeom>
+          <a:noFill/>
+        </p:spPr>
+        <p:txBody>
+          <a:bodyPr wrap="square">
+            <a:spAutoFit/>
+          </a:bodyPr>
+          <a:lstStyle/>
+          <a:p>
+            <a:r>
+              <a:rPr lang="es-MX" sz="1400" dirty="0"/>
+              <a:t>El polimorfismo es precisamente lo que nos permite hacer lo siguiente:</a:t>
+            </a:r>
+          </a:p>
+        </p:txBody>
+      </p:sp>
+      <p:pic>
+        <p:nvPicPr>
+          <p:cNvPr id="14" name="Imagen 13">
+            <a:extLst>
+              <a:ext uri="{FF2B5EF4-FFF2-40B4-BE49-F238E27FC236}">
+                <a16:creationId xmlns:a16="http://schemas.microsoft.com/office/drawing/2014/main" id="{5618ABE2-2976-5CDB-ABDC-77AED762871E}"/>
+              </a:ext>
+            </a:extLst>
+          </p:cNvPr>
+          <p:cNvPicPr>
+            <a:picLocks noChangeAspect="1"/>
+          </p:cNvPicPr>
+          <p:nvPr/>
+        </p:nvPicPr>
+        <p:blipFill>
+          <a:blip r:embed="rId4"/>
+          <a:stretch>
+            <a:fillRect/>
+          </a:stretch>
+        </p:blipFill>
+        <p:spPr>
+          <a:xfrm>
+            <a:off x="5708806" y="2433778"/>
+            <a:ext cx="3171825" cy="733425"/>
+          </a:xfrm>
+          <a:prstGeom prst="rect">
+            <a:avLst/>
+          </a:prstGeom>
+        </p:spPr>
+      </p:pic>
+      <p:sp>
+        <p:nvSpPr>
+          <p:cNvPr id="16" name="CuadroTexto 15">
+            <a:extLst>
+              <a:ext uri="{FF2B5EF4-FFF2-40B4-BE49-F238E27FC236}">
+                <a16:creationId xmlns:a16="http://schemas.microsoft.com/office/drawing/2014/main" id="{05CFE054-40FA-7E02-BACA-560AA820D6B6}"/>
+              </a:ext>
+            </a:extLst>
+          </p:cNvPr>
+          <p:cNvSpPr txBox="1"/>
+          <p:nvPr/>
+        </p:nvSpPr>
+        <p:spPr>
+          <a:xfrm>
+            <a:off x="5708806" y="3401641"/>
+            <a:ext cx="5275407" cy="1815882"/>
+          </a:xfrm>
+          <a:prstGeom prst="rect">
+            <a:avLst/>
+          </a:prstGeom>
+          <a:noFill/>
+        </p:spPr>
+        <p:txBody>
+          <a:bodyPr wrap="square">
+            <a:spAutoFit/>
+          </a:bodyPr>
+          <a:lstStyle/>
+          <a:p>
+            <a:r>
+              <a:rPr lang="es-MX" sz="1400" dirty="0"/>
+              <a:t>Recuerda que Java es un lenguaje con tipado estático, lo que significa que el tipo tiene que ser definido al crear la variable. Sin embargo, estamos asignando a una variable Animal un objeto de la clase Perro. ¿Cómo es esto posible? Pues ahí lo tienes, el polimorfismo es lo que nos permite usar ambas clases de forma indistinta, ya que soportan el mismo interfaz (no confundir con el interface de Java).El siguiente código es también correcto. Tenemos un array de Animal donde cada elemento toma la forma de Perro o de Gato. </a:t>
+            </a:r>
+          </a:p>
+        </p:txBody>
+      </p:sp>
+      <p:cxnSp>
+        <p:nvCxnSpPr>
+          <p:cNvPr id="19" name="Conector recto 18">
+            <a:extLst>
+              <a:ext uri="{FF2B5EF4-FFF2-40B4-BE49-F238E27FC236}">
+                <a16:creationId xmlns:a16="http://schemas.microsoft.com/office/drawing/2014/main" id="{2E7978C2-A45E-FDE9-5BC0-38A3522EFDFB}"/>
+              </a:ext>
+            </a:extLst>
+          </p:cNvPr>
+          <p:cNvCxnSpPr/>
+          <p:nvPr/>
+        </p:nvCxnSpPr>
+        <p:spPr>
+          <a:xfrm>
+            <a:off x="5257800" y="1862615"/>
+            <a:ext cx="0" cy="4371930"/>
+          </a:xfrm>
+          <a:prstGeom prst="line">
+            <a:avLst/>
+          </a:prstGeom>
+        </p:spPr>
+        <p:style>
+          <a:lnRef idx="1">
+            <a:schemeClr val="accent1"/>
+          </a:lnRef>
+          <a:fillRef idx="0">
+            <a:schemeClr val="accent1"/>
+          </a:fillRef>
+          <a:effectRef idx="0">
+            <a:schemeClr val="accent1"/>
+          </a:effectRef>
+          <a:fontRef idx="minor">
+            <a:schemeClr val="tx1"/>
+          </a:fontRef>
+        </p:style>
+      </p:cxnSp>
+      <p:pic>
+        <p:nvPicPr>
+          <p:cNvPr id="21" name="Imagen 20">
+            <a:extLst>
+              <a:ext uri="{FF2B5EF4-FFF2-40B4-BE49-F238E27FC236}">
+                <a16:creationId xmlns:a16="http://schemas.microsoft.com/office/drawing/2014/main" id="{8C4B7273-8540-2888-989F-6BE3F1C3A99C}"/>
+              </a:ext>
+            </a:extLst>
+          </p:cNvPr>
+          <p:cNvPicPr>
+            <a:picLocks noChangeAspect="1"/>
+          </p:cNvPicPr>
+          <p:nvPr/>
+        </p:nvPicPr>
+        <p:blipFill>
+          <a:blip r:embed="rId5"/>
+          <a:stretch>
+            <a:fillRect/>
+          </a:stretch>
+        </p:blipFill>
+        <p:spPr>
+          <a:xfrm>
+            <a:off x="5784284" y="5300805"/>
+            <a:ext cx="3662072" cy="1116319"/>
+          </a:xfrm>
+          <a:prstGeom prst="rect">
+            <a:avLst/>
+          </a:prstGeom>
+        </p:spPr>
+      </p:pic>
+      <p:sp>
+        <p:nvSpPr>
+          <p:cNvPr id="23" name="CuadroTexto 22">
+            <a:extLst>
+              <a:ext uri="{FF2B5EF4-FFF2-40B4-BE49-F238E27FC236}">
+                <a16:creationId xmlns:a16="http://schemas.microsoft.com/office/drawing/2014/main" id="{07E31AA5-E970-1C69-7E32-5D837078594F}"/>
+              </a:ext>
+            </a:extLst>
+          </p:cNvPr>
+          <p:cNvSpPr txBox="1"/>
+          <p:nvPr/>
+        </p:nvSpPr>
+        <p:spPr>
+          <a:xfrm>
+            <a:off x="11564062" y="1820546"/>
+            <a:ext cx="4301834" cy="738664"/>
+          </a:xfrm>
+          <a:prstGeom prst="rect">
+            <a:avLst/>
+          </a:prstGeom>
+          <a:noFill/>
+        </p:spPr>
+        <p:txBody>
+          <a:bodyPr wrap="square">
+            <a:spAutoFit/>
+          </a:bodyPr>
+          <a:lstStyle/>
+          <a:p>
+            <a:r>
+              <a:rPr lang="es-MX" sz="1400" dirty="0"/>
+              <a:t>Sin embargo, no es posible realizar lo siguiente, ya que </a:t>
+            </a:r>
+            <a:r>
+              <a:rPr lang="es-MX" sz="1400" dirty="0" err="1"/>
+              <a:t>OtraClase</a:t>
+            </a:r>
+            <a:r>
+              <a:rPr lang="es-MX" sz="1400" dirty="0"/>
+              <a:t> no comparte interfaz con Animal. Tendremos un error </a:t>
+            </a:r>
+            <a:r>
+              <a:rPr lang="es-MX" sz="1400" dirty="0" err="1"/>
+              <a:t>error</a:t>
+            </a:r>
+            <a:r>
+              <a:rPr lang="es-MX" sz="1400" dirty="0"/>
+              <a:t>: incompatible </a:t>
+            </a:r>
+            <a:r>
+              <a:rPr lang="es-MX" sz="1400" dirty="0" err="1"/>
+              <a:t>types</a:t>
+            </a:r>
+            <a:r>
+              <a:rPr lang="es-MX" sz="1400" dirty="0"/>
+              <a:t>.</a:t>
+            </a:r>
+          </a:p>
+        </p:txBody>
+      </p:sp>
+      <p:cxnSp>
+        <p:nvCxnSpPr>
+          <p:cNvPr id="25" name="Conector recto 24">
+            <a:extLst>
+              <a:ext uri="{FF2B5EF4-FFF2-40B4-BE49-F238E27FC236}">
+                <a16:creationId xmlns:a16="http://schemas.microsoft.com/office/drawing/2014/main" id="{17FD1B16-2C2E-87B3-5E20-36B867442409}"/>
+              </a:ext>
+            </a:extLst>
+          </p:cNvPr>
+          <p:cNvCxnSpPr/>
+          <p:nvPr/>
+        </p:nvCxnSpPr>
+        <p:spPr>
+          <a:xfrm>
+            <a:off x="11357264" y="1862615"/>
+            <a:ext cx="0" cy="4554509"/>
+          </a:xfrm>
+          <a:prstGeom prst="line">
+            <a:avLst/>
+          </a:prstGeom>
+        </p:spPr>
+        <p:style>
+          <a:lnRef idx="1">
+            <a:schemeClr val="accent1"/>
+          </a:lnRef>
+          <a:fillRef idx="0">
+            <a:schemeClr val="accent1"/>
+          </a:fillRef>
+          <a:effectRef idx="0">
+            <a:schemeClr val="accent1"/>
+          </a:effectRef>
+          <a:fontRef idx="minor">
+            <a:schemeClr val="tx1"/>
+          </a:fontRef>
+        </p:style>
+      </p:cxnSp>
+      <p:pic>
+        <p:nvPicPr>
+          <p:cNvPr id="27" name="Imagen 26">
+            <a:extLst>
+              <a:ext uri="{FF2B5EF4-FFF2-40B4-BE49-F238E27FC236}">
+                <a16:creationId xmlns:a16="http://schemas.microsoft.com/office/drawing/2014/main" id="{5659A15C-18A3-FE33-7EF3-C24308ED343F}"/>
+              </a:ext>
+            </a:extLst>
+          </p:cNvPr>
+          <p:cNvPicPr>
+            <a:picLocks noChangeAspect="1"/>
+          </p:cNvPicPr>
+          <p:nvPr/>
+        </p:nvPicPr>
+        <p:blipFill>
+          <a:blip r:embed="rId6"/>
+          <a:stretch>
+            <a:fillRect/>
+          </a:stretch>
+        </p:blipFill>
+        <p:spPr>
+          <a:xfrm>
+            <a:off x="11694971" y="2690051"/>
+            <a:ext cx="2654874" cy="1369578"/>
+          </a:xfrm>
+          <a:prstGeom prst="rect">
+            <a:avLst/>
+          </a:prstGeom>
+        </p:spPr>
+      </p:pic>
     </p:spTree>
     <p:extLst>
       <p:ext uri="{BB962C8B-B14F-4D97-AF65-F5344CB8AC3E}">
@@ -10444,10 +10846,10 @@
       </p:sp>
       <p:sp>
         <p:nvSpPr>
-          <p:cNvPr id="4" name="CuadroTexto 3">
-            <a:extLst>
-              <a:ext uri="{FF2B5EF4-FFF2-40B4-BE49-F238E27FC236}">
-                <a16:creationId xmlns:a16="http://schemas.microsoft.com/office/drawing/2014/main" id="{03B9F7EC-55AB-019D-7E0F-D732348726D2}"/>
+          <p:cNvPr id="5" name="CuadroTexto 4">
+            <a:extLst>
+              <a:ext uri="{FF2B5EF4-FFF2-40B4-BE49-F238E27FC236}">
+                <a16:creationId xmlns:a16="http://schemas.microsoft.com/office/drawing/2014/main" id="{BF8D49BE-1A3B-D78B-E9FE-DCAD27093915}"/>
               </a:ext>
             </a:extLst>
           </p:cNvPr>
@@ -10456,7 +10858,7 @@
         </p:nvSpPr>
         <p:spPr>
           <a:xfrm>
-            <a:off x="1080655" y="108289"/>
+            <a:off x="1132610" y="251593"/>
             <a:ext cx="8229600" cy="369332"/>
           </a:xfrm>
           <a:prstGeom prst="rect">
@@ -10472,11 +10874,309 @@
           <a:p>
             <a:r>
               <a:rPr lang="es-MX" dirty="0"/>
-              <a:t>Polimorfismo</a:t>
-            </a:r>
-          </a:p>
-        </p:txBody>
-      </p:sp>
+              <a:t>Polimorfismo en Python </a:t>
+            </a:r>
+          </a:p>
+        </p:txBody>
+      </p:sp>
+      <p:sp>
+        <p:nvSpPr>
+          <p:cNvPr id="7" name="CuadroTexto 6">
+            <a:extLst>
+              <a:ext uri="{FF2B5EF4-FFF2-40B4-BE49-F238E27FC236}">
+                <a16:creationId xmlns:a16="http://schemas.microsoft.com/office/drawing/2014/main" id="{8B3F630C-9DE4-105E-6261-962710E1A499}"/>
+              </a:ext>
+            </a:extLst>
+          </p:cNvPr>
+          <p:cNvSpPr txBox="1"/>
+          <p:nvPr/>
+        </p:nvSpPr>
+        <p:spPr>
+          <a:xfrm>
+            <a:off x="1132610" y="620925"/>
+            <a:ext cx="14827826" cy="523220"/>
+          </a:xfrm>
+          <a:prstGeom prst="rect">
+            <a:avLst/>
+          </a:prstGeom>
+          <a:noFill/>
+        </p:spPr>
+        <p:txBody>
+          <a:bodyPr wrap="square">
+            <a:spAutoFit/>
+          </a:bodyPr>
+          <a:lstStyle/>
+          <a:p>
+            <a:r>
+              <a:rPr lang="es-MX" sz="1400" dirty="0"/>
+              <a:t>El término polimorfismo visto desde el punto de vista de Python es complicado de explicar sin hablar del </a:t>
+            </a:r>
+            <a:r>
+              <a:rPr lang="es-MX" sz="1400" dirty="0" err="1"/>
+              <a:t>duck</a:t>
+            </a:r>
+            <a:r>
+              <a:rPr lang="es-MX" sz="1400" dirty="0"/>
+              <a:t> </a:t>
+            </a:r>
+            <a:r>
+              <a:rPr lang="es-MX" sz="1400" dirty="0" err="1"/>
+              <a:t>typing</a:t>
+            </a:r>
+            <a:r>
+              <a:rPr lang="es-MX" sz="1400" dirty="0"/>
+              <a:t>, por lo que te recomendamos la lectura. Al ser un lenguaje con tipado dinámico y permitir </a:t>
+            </a:r>
+            <a:r>
+              <a:rPr lang="es-MX" sz="1400" dirty="0" err="1"/>
+              <a:t>duck</a:t>
+            </a:r>
+            <a:r>
+              <a:rPr lang="es-MX" sz="1400" dirty="0"/>
+              <a:t> </a:t>
+            </a:r>
+            <a:r>
+              <a:rPr lang="es-MX" sz="1400" dirty="0" err="1"/>
+              <a:t>typing</a:t>
+            </a:r>
+            <a:r>
+              <a:rPr lang="es-MX" sz="1400" dirty="0"/>
+              <a:t>, en Python no es necesario que los objetos compartan un interfaz, simplemente basta con que tengan los métodos que se quieren llamar. </a:t>
+            </a:r>
+          </a:p>
+        </p:txBody>
+      </p:sp>
+      <p:sp>
+        <p:nvSpPr>
+          <p:cNvPr id="9" name="CuadroTexto 8">
+            <a:extLst>
+              <a:ext uri="{FF2B5EF4-FFF2-40B4-BE49-F238E27FC236}">
+                <a16:creationId xmlns:a16="http://schemas.microsoft.com/office/drawing/2014/main" id="{9E3B9C1A-2D27-E4EF-2EF3-45213FC965A3}"/>
+              </a:ext>
+            </a:extLst>
+          </p:cNvPr>
+          <p:cNvSpPr txBox="1"/>
+          <p:nvPr/>
+        </p:nvSpPr>
+        <p:spPr>
+          <a:xfrm>
+            <a:off x="1132609" y="1190311"/>
+            <a:ext cx="14609617" cy="307777"/>
+          </a:xfrm>
+          <a:prstGeom prst="rect">
+            <a:avLst/>
+          </a:prstGeom>
+          <a:noFill/>
+        </p:spPr>
+        <p:txBody>
+          <a:bodyPr wrap="square">
+            <a:spAutoFit/>
+          </a:bodyPr>
+          <a:lstStyle/>
+          <a:p>
+            <a:r>
+              <a:rPr lang="es-MX" sz="1400" dirty="0"/>
+              <a:t>Podemos recrear el ejemplo de Java de la siguiente manera. Supongamos que tenemos un clase Animal con un método hablar().</a:t>
+            </a:r>
+          </a:p>
+        </p:txBody>
+      </p:sp>
+      <p:pic>
+        <p:nvPicPr>
+          <p:cNvPr id="11" name="Imagen 10">
+            <a:extLst>
+              <a:ext uri="{FF2B5EF4-FFF2-40B4-BE49-F238E27FC236}">
+                <a16:creationId xmlns:a16="http://schemas.microsoft.com/office/drawing/2014/main" id="{2650552A-F57B-7CB5-E881-927A047299E6}"/>
+              </a:ext>
+            </a:extLst>
+          </p:cNvPr>
+          <p:cNvPicPr>
+            <a:picLocks noChangeAspect="1"/>
+          </p:cNvPicPr>
+          <p:nvPr/>
+        </p:nvPicPr>
+        <p:blipFill>
+          <a:blip r:embed="rId2"/>
+          <a:stretch>
+            <a:fillRect/>
+          </a:stretch>
+        </p:blipFill>
+        <p:spPr>
+          <a:xfrm>
+            <a:off x="1219777" y="1544254"/>
+            <a:ext cx="2924175" cy="1143000"/>
+          </a:xfrm>
+          <a:prstGeom prst="rect">
+            <a:avLst/>
+          </a:prstGeom>
+        </p:spPr>
+      </p:pic>
+      <p:sp>
+        <p:nvSpPr>
+          <p:cNvPr id="13" name="CuadroTexto 12">
+            <a:extLst>
+              <a:ext uri="{FF2B5EF4-FFF2-40B4-BE49-F238E27FC236}">
+                <a16:creationId xmlns:a16="http://schemas.microsoft.com/office/drawing/2014/main" id="{D668E82D-40EB-6186-755E-2DDA9BDD415E}"/>
+              </a:ext>
+            </a:extLst>
+          </p:cNvPr>
+          <p:cNvSpPr txBox="1"/>
+          <p:nvPr/>
+        </p:nvSpPr>
+        <p:spPr>
+          <a:xfrm>
+            <a:off x="1132609" y="2865874"/>
+            <a:ext cx="2795155" cy="1169551"/>
+          </a:xfrm>
+          <a:prstGeom prst="rect">
+            <a:avLst/>
+          </a:prstGeom>
+          <a:noFill/>
+        </p:spPr>
+        <p:txBody>
+          <a:bodyPr wrap="square">
+            <a:spAutoFit/>
+          </a:bodyPr>
+          <a:lstStyle/>
+          <a:p>
+            <a:r>
+              <a:rPr lang="es-MX" sz="1400" dirty="0"/>
+              <a:t>Por otro lado tenemos otras dos clases, Perro, Gato que heredan de la anterior. Además, implementan el método hablar() de una forma distinta. </a:t>
+            </a:r>
+          </a:p>
+        </p:txBody>
+      </p:sp>
+      <p:pic>
+        <p:nvPicPr>
+          <p:cNvPr id="15" name="Imagen 14">
+            <a:extLst>
+              <a:ext uri="{FF2B5EF4-FFF2-40B4-BE49-F238E27FC236}">
+                <a16:creationId xmlns:a16="http://schemas.microsoft.com/office/drawing/2014/main" id="{9B585860-3F2E-3B7A-03A0-A869DB0D6066}"/>
+              </a:ext>
+            </a:extLst>
+          </p:cNvPr>
+          <p:cNvPicPr>
+            <a:picLocks noChangeAspect="1"/>
+          </p:cNvPicPr>
+          <p:nvPr/>
+        </p:nvPicPr>
+        <p:blipFill>
+          <a:blip r:embed="rId3"/>
+          <a:stretch>
+            <a:fillRect/>
+          </a:stretch>
+        </p:blipFill>
+        <p:spPr>
+          <a:xfrm>
+            <a:off x="1219777" y="4214045"/>
+            <a:ext cx="2531341" cy="2040185"/>
+          </a:xfrm>
+          <a:prstGeom prst="rect">
+            <a:avLst/>
+          </a:prstGeom>
+        </p:spPr>
+      </p:pic>
+      <p:cxnSp>
+        <p:nvCxnSpPr>
+          <p:cNvPr id="18" name="Conector recto 17">
+            <a:extLst>
+              <a:ext uri="{FF2B5EF4-FFF2-40B4-BE49-F238E27FC236}">
+                <a16:creationId xmlns:a16="http://schemas.microsoft.com/office/drawing/2014/main" id="{2B3B93E9-0704-D402-08D9-B46C7E35B8CD}"/>
+              </a:ext>
+            </a:extLst>
+          </p:cNvPr>
+          <p:cNvCxnSpPr/>
+          <p:nvPr/>
+        </p:nvCxnSpPr>
+        <p:spPr>
+          <a:xfrm>
+            <a:off x="4842164" y="1797627"/>
+            <a:ext cx="0" cy="4800600"/>
+          </a:xfrm>
+          <a:prstGeom prst="line">
+            <a:avLst/>
+          </a:prstGeom>
+        </p:spPr>
+        <p:style>
+          <a:lnRef idx="1">
+            <a:schemeClr val="accent1"/>
+          </a:lnRef>
+          <a:fillRef idx="0">
+            <a:schemeClr val="accent1"/>
+          </a:fillRef>
+          <a:effectRef idx="0">
+            <a:schemeClr val="accent1"/>
+          </a:effectRef>
+          <a:fontRef idx="minor">
+            <a:schemeClr val="tx1"/>
+          </a:fontRef>
+        </p:style>
+      </p:cxnSp>
+      <p:sp>
+        <p:nvSpPr>
+          <p:cNvPr id="20" name="CuadroTexto 19">
+            <a:extLst>
+              <a:ext uri="{FF2B5EF4-FFF2-40B4-BE49-F238E27FC236}">
+                <a16:creationId xmlns:a16="http://schemas.microsoft.com/office/drawing/2014/main" id="{0E7F4832-2D95-D89A-31AB-57C1DE03D947}"/>
+              </a:ext>
+            </a:extLst>
+          </p:cNvPr>
+          <p:cNvSpPr txBox="1"/>
+          <p:nvPr/>
+        </p:nvSpPr>
+        <p:spPr>
+          <a:xfrm>
+            <a:off x="5234997" y="1858815"/>
+            <a:ext cx="7826375" cy="523220"/>
+          </a:xfrm>
+          <a:prstGeom prst="rect">
+            <a:avLst/>
+          </a:prstGeom>
+          <a:noFill/>
+        </p:spPr>
+        <p:txBody>
+          <a:bodyPr wrap="square">
+            <a:spAutoFit/>
+          </a:bodyPr>
+          <a:lstStyle/>
+          <a:p>
+            <a:r>
+              <a:rPr lang="es-MX" sz="1400" dirty="0"/>
+              <a:t>A continuación creamos un objeto de cada clase y llamamos al método hablar(). Podemos observar que cada animal se comporta de manera distinta al usar hablar().</a:t>
+            </a:r>
+          </a:p>
+        </p:txBody>
+      </p:sp>
+      <p:pic>
+        <p:nvPicPr>
+          <p:cNvPr id="22" name="Imagen 21">
+            <a:extLst>
+              <a:ext uri="{FF2B5EF4-FFF2-40B4-BE49-F238E27FC236}">
+                <a16:creationId xmlns:a16="http://schemas.microsoft.com/office/drawing/2014/main" id="{12371CC4-018D-6768-3575-BCF8260C50BE}"/>
+              </a:ext>
+            </a:extLst>
+          </p:cNvPr>
+          <p:cNvPicPr>
+            <a:picLocks noChangeAspect="1"/>
+          </p:cNvPicPr>
+          <p:nvPr/>
+        </p:nvPicPr>
+        <p:blipFill>
+          <a:blip r:embed="rId4"/>
+          <a:stretch>
+            <a:fillRect/>
+          </a:stretch>
+        </p:blipFill>
+        <p:spPr>
+          <a:xfrm>
+            <a:off x="5324691" y="3173649"/>
+            <a:ext cx="3419475" cy="1419225"/>
+          </a:xfrm>
+          <a:prstGeom prst="rect">
+            <a:avLst/>
+          </a:prstGeom>
+        </p:spPr>
+      </p:pic>
     </p:spTree>
     <p:extLst>
       <p:ext uri="{BB962C8B-B14F-4D97-AF65-F5344CB8AC3E}">
@@ -10658,10 +11358,10 @@
       </p:sp>
       <p:sp>
         <p:nvSpPr>
-          <p:cNvPr id="4" name="CuadroTexto 3">
-            <a:extLst>
-              <a:ext uri="{FF2B5EF4-FFF2-40B4-BE49-F238E27FC236}">
-                <a16:creationId xmlns:a16="http://schemas.microsoft.com/office/drawing/2014/main" id="{03B9F7EC-55AB-019D-7E0F-D732348726D2}"/>
+          <p:cNvPr id="5" name="CuadroTexto 4">
+            <a:extLst>
+              <a:ext uri="{FF2B5EF4-FFF2-40B4-BE49-F238E27FC236}">
+                <a16:creationId xmlns:a16="http://schemas.microsoft.com/office/drawing/2014/main" id="{623CB264-0DA3-5DD4-E563-DE5925E168C9}"/>
               </a:ext>
             </a:extLst>
           </p:cNvPr>
@@ -10670,7 +11370,7 @@
         </p:nvSpPr>
         <p:spPr>
           <a:xfrm>
-            <a:off x="1080655" y="108289"/>
+            <a:off x="1350819" y="125796"/>
             <a:ext cx="8229600" cy="369332"/>
           </a:xfrm>
           <a:prstGeom prst="rect">
@@ -10686,11 +11386,432 @@
           <a:p>
             <a:r>
               <a:rPr lang="es-MX" dirty="0"/>
-              <a:t>Polimorfismo</a:t>
-            </a:r>
-          </a:p>
-        </p:txBody>
-      </p:sp>
+              <a:t>Encapsulación</a:t>
+            </a:r>
+          </a:p>
+        </p:txBody>
+      </p:sp>
+      <p:sp>
+        <p:nvSpPr>
+          <p:cNvPr id="7" name="CuadroTexto 6">
+            <a:extLst>
+              <a:ext uri="{FF2B5EF4-FFF2-40B4-BE49-F238E27FC236}">
+                <a16:creationId xmlns:a16="http://schemas.microsoft.com/office/drawing/2014/main" id="{5A1D97AE-947A-2382-A5F8-43022840505D}"/>
+              </a:ext>
+            </a:extLst>
+          </p:cNvPr>
+          <p:cNvSpPr txBox="1"/>
+          <p:nvPr/>
+        </p:nvSpPr>
+        <p:spPr>
+          <a:xfrm>
+            <a:off x="1350819" y="468391"/>
+            <a:ext cx="14110854" cy="2031325"/>
+          </a:xfrm>
+          <a:prstGeom prst="rect">
+            <a:avLst/>
+          </a:prstGeom>
+          <a:noFill/>
+        </p:spPr>
+        <p:txBody>
+          <a:bodyPr wrap="square">
+            <a:spAutoFit/>
+          </a:bodyPr>
+          <a:lstStyle/>
+          <a:p>
+            <a:r>
+              <a:rPr lang="es-MX" sz="1400" dirty="0"/>
+              <a:t>La encapsulación se refiere a impedir el acceso a determinados métodos y atributos de los objetos estableciendo así qué puede utilizarse desde fuera de la clase. Esto se consigue en otros lenguajes de programación como Java utilizando modificadores de acceso que definen si cualquiera puede acceder a esa función o variable (</a:t>
+            </a:r>
+            <a:r>
+              <a:rPr lang="es-MX" sz="1400" dirty="0" err="1"/>
+              <a:t>public</a:t>
+            </a:r>
+            <a:r>
+              <a:rPr lang="es-MX" sz="1400" dirty="0"/>
+              <a:t>) o si está restringido el acceso a la propia clase (</a:t>
+            </a:r>
+            <a:r>
+              <a:rPr lang="es-MX" sz="1400" dirty="0" err="1"/>
+              <a:t>private</a:t>
+            </a:r>
+            <a:r>
+              <a:rPr lang="es-MX" sz="1400" dirty="0"/>
+              <a:t>). En Python no existen los modificadores de acceso, y lo que se suele hacer es que el acceso a una variable o función viene determinado por su nombre: si el nombre comienza con dos guiones bajos (y no termina también con dos guiones bajos) se trata de una variable o función privada, en caso contrario es pública. </a:t>
+            </a:r>
+          </a:p>
+          <a:p>
+            <a:endParaRPr lang="es-MX" sz="1400" dirty="0"/>
+          </a:p>
+          <a:p>
+            <a:r>
+              <a:rPr lang="es-MX" sz="1400" dirty="0"/>
+              <a:t>Los métodos cuyo nombre comienza y termina con dos guiones bajos son métodos especiales que Python llama automáticamente bajo ciertas circunstancias. </a:t>
+            </a:r>
+          </a:p>
+          <a:p>
+            <a:endParaRPr lang="es-MX" sz="1400" dirty="0"/>
+          </a:p>
+          <a:p>
+            <a:r>
+              <a:rPr lang="es-MX" sz="1400" dirty="0"/>
+              <a:t>En el siguiente ejemplo sólo se imprimirá la cadena correspondiente al método público(), mientras que al intentar llamar al método __privado() Python lanzará una excepción quejándose de que no existe (evidentemente existe, pero no lo podemos ver porque es privado).</a:t>
+            </a:r>
+          </a:p>
+        </p:txBody>
+      </p:sp>
+      <p:pic>
+        <p:nvPicPr>
+          <p:cNvPr id="9" name="Imagen 8">
+            <a:extLst>
+              <a:ext uri="{FF2B5EF4-FFF2-40B4-BE49-F238E27FC236}">
+                <a16:creationId xmlns:a16="http://schemas.microsoft.com/office/drawing/2014/main" id="{287C20A9-9681-832B-0F73-9002534E6526}"/>
+              </a:ext>
+            </a:extLst>
+          </p:cNvPr>
+          <p:cNvPicPr>
+            <a:picLocks noChangeAspect="1"/>
+          </p:cNvPicPr>
+          <p:nvPr/>
+        </p:nvPicPr>
+        <p:blipFill>
+          <a:blip r:embed="rId2"/>
+          <a:stretch>
+            <a:fillRect/>
+          </a:stretch>
+        </p:blipFill>
+        <p:spPr>
+          <a:xfrm>
+            <a:off x="1438709" y="2570956"/>
+            <a:ext cx="2552700" cy="2057400"/>
+          </a:xfrm>
+          <a:prstGeom prst="rect">
+            <a:avLst/>
+          </a:prstGeom>
+        </p:spPr>
+      </p:pic>
+      <p:sp>
+        <p:nvSpPr>
+          <p:cNvPr id="11" name="CuadroTexto 10">
+            <a:extLst>
+              <a:ext uri="{FF2B5EF4-FFF2-40B4-BE49-F238E27FC236}">
+                <a16:creationId xmlns:a16="http://schemas.microsoft.com/office/drawing/2014/main" id="{28001265-A374-5A3C-1FA6-54775DB0F8E7}"/>
+              </a:ext>
+            </a:extLst>
+          </p:cNvPr>
+          <p:cNvSpPr txBox="1"/>
+          <p:nvPr/>
+        </p:nvSpPr>
+        <p:spPr>
+          <a:xfrm>
+            <a:off x="1350819" y="4787523"/>
+            <a:ext cx="3605645" cy="1600438"/>
+          </a:xfrm>
+          <a:prstGeom prst="rect">
+            <a:avLst/>
+          </a:prstGeom>
+          <a:noFill/>
+        </p:spPr>
+        <p:txBody>
+          <a:bodyPr wrap="square">
+            <a:spAutoFit/>
+          </a:bodyPr>
+          <a:lstStyle/>
+          <a:p>
+            <a:r>
+              <a:rPr lang="es-MX" sz="1400" dirty="0"/>
+              <a:t>Este mecanismo se basa en que los nombres que comienzan con un doble </a:t>
+            </a:r>
+            <a:r>
+              <a:rPr lang="es-MX" sz="1400" dirty="0" err="1"/>
+              <a:t>guión</a:t>
+            </a:r>
+            <a:r>
+              <a:rPr lang="es-MX" sz="1400" dirty="0"/>
+              <a:t> bajo se renombran para incluir el nombre de la clase (característica que se conoce con el nombre de </a:t>
+            </a:r>
+            <a:r>
+              <a:rPr lang="es-MX" sz="1400" dirty="0" err="1"/>
+              <a:t>name</a:t>
+            </a:r>
+            <a:r>
+              <a:rPr lang="es-MX" sz="1400" dirty="0"/>
+              <a:t> </a:t>
+            </a:r>
+            <a:r>
+              <a:rPr lang="es-MX" sz="1400" dirty="0" err="1"/>
+              <a:t>mangling</a:t>
+            </a:r>
+            <a:r>
+              <a:rPr lang="es-MX" sz="1400" dirty="0"/>
+              <a:t>). Esto implica que el método o atributo no es realmente privado, y podemos acceder a él mediante una pequeña trampa: </a:t>
+            </a:r>
+          </a:p>
+        </p:txBody>
+      </p:sp>
+      <p:cxnSp>
+        <p:nvCxnSpPr>
+          <p:cNvPr id="13" name="Conector recto 12">
+            <a:extLst>
+              <a:ext uri="{FF2B5EF4-FFF2-40B4-BE49-F238E27FC236}">
+                <a16:creationId xmlns:a16="http://schemas.microsoft.com/office/drawing/2014/main" id="{6168FFA5-3D9A-EC81-FD71-212C37859E60}"/>
+              </a:ext>
+            </a:extLst>
+          </p:cNvPr>
+          <p:cNvCxnSpPr/>
+          <p:nvPr/>
+        </p:nvCxnSpPr>
+        <p:spPr>
+          <a:xfrm>
+            <a:off x="5434446" y="2961745"/>
+            <a:ext cx="0" cy="3548318"/>
+          </a:xfrm>
+          <a:prstGeom prst="line">
+            <a:avLst/>
+          </a:prstGeom>
+        </p:spPr>
+        <p:style>
+          <a:lnRef idx="1">
+            <a:schemeClr val="accent1"/>
+          </a:lnRef>
+          <a:fillRef idx="0">
+            <a:schemeClr val="accent1"/>
+          </a:fillRef>
+          <a:effectRef idx="0">
+            <a:schemeClr val="accent1"/>
+          </a:effectRef>
+          <a:fontRef idx="minor">
+            <a:schemeClr val="tx1"/>
+          </a:fontRef>
+        </p:style>
+      </p:cxnSp>
+      <p:pic>
+        <p:nvPicPr>
+          <p:cNvPr id="15" name="Imagen 14">
+            <a:extLst>
+              <a:ext uri="{FF2B5EF4-FFF2-40B4-BE49-F238E27FC236}">
+                <a16:creationId xmlns:a16="http://schemas.microsoft.com/office/drawing/2014/main" id="{657164AE-EEBD-F353-77BD-37CC6B0F6D36}"/>
+              </a:ext>
+            </a:extLst>
+          </p:cNvPr>
+          <p:cNvPicPr>
+            <a:picLocks noChangeAspect="1"/>
+          </p:cNvPicPr>
+          <p:nvPr/>
+        </p:nvPicPr>
+        <p:blipFill>
+          <a:blip r:embed="rId3"/>
+          <a:stretch>
+            <a:fillRect/>
+          </a:stretch>
+        </p:blipFill>
+        <p:spPr>
+          <a:xfrm>
+            <a:off x="1426297" y="6654417"/>
+            <a:ext cx="2828925" cy="419100"/>
+          </a:xfrm>
+          <a:prstGeom prst="rect">
+            <a:avLst/>
+          </a:prstGeom>
+        </p:spPr>
+      </p:pic>
+      <p:sp>
+        <p:nvSpPr>
+          <p:cNvPr id="18" name="CuadroTexto 17">
+            <a:extLst>
+              <a:ext uri="{FF2B5EF4-FFF2-40B4-BE49-F238E27FC236}">
+                <a16:creationId xmlns:a16="http://schemas.microsoft.com/office/drawing/2014/main" id="{C8CD4093-70EB-E449-D326-CC71634D9D83}"/>
+              </a:ext>
+            </a:extLst>
+          </p:cNvPr>
+          <p:cNvSpPr txBox="1"/>
+          <p:nvPr/>
+        </p:nvSpPr>
+        <p:spPr>
+          <a:xfrm>
+            <a:off x="6494318" y="2652250"/>
+            <a:ext cx="4842164" cy="1600438"/>
+          </a:xfrm>
+          <a:prstGeom prst="rect">
+            <a:avLst/>
+          </a:prstGeom>
+          <a:noFill/>
+        </p:spPr>
+        <p:txBody>
+          <a:bodyPr wrap="square">
+            <a:spAutoFit/>
+          </a:bodyPr>
+          <a:lstStyle/>
+          <a:p>
+            <a:r>
+              <a:rPr lang="es-MX" sz="1400" dirty="0"/>
+              <a:t>En ocasiones también puede suceder que queramos permitir el acceso a algún atributo de nuestro objeto, pero que este se produzca de forma controlada. Para esto podemos escribir métodos cuyo único cometido sea este, métodos que normalmente, por convención, tienen nombres como </a:t>
+            </a:r>
+            <a:r>
+              <a:rPr lang="es-MX" sz="1400" dirty="0" err="1"/>
+              <a:t>getVariable</a:t>
+            </a:r>
+            <a:r>
+              <a:rPr lang="es-MX" sz="1400" dirty="0"/>
+              <a:t> y </a:t>
+            </a:r>
+            <a:r>
+              <a:rPr lang="es-MX" sz="1400" dirty="0" err="1"/>
+              <a:t>setVariable</a:t>
+            </a:r>
+            <a:r>
+              <a:rPr lang="es-MX" sz="1400" dirty="0"/>
+              <a:t>; de ahí que se conozcan también con el nombre de </a:t>
+            </a:r>
+            <a:r>
+              <a:rPr lang="es-MX" sz="1400" dirty="0" err="1"/>
+              <a:t>getters</a:t>
+            </a:r>
+            <a:r>
+              <a:rPr lang="es-MX" sz="1400" dirty="0"/>
+              <a:t> y </a:t>
+            </a:r>
+            <a:r>
+              <a:rPr lang="es-MX" sz="1400" dirty="0" err="1"/>
+              <a:t>setters</a:t>
+            </a:r>
+            <a:r>
+              <a:rPr lang="es-MX" sz="1400" dirty="0"/>
+              <a:t>. </a:t>
+            </a:r>
+          </a:p>
+        </p:txBody>
+      </p:sp>
+      <p:pic>
+        <p:nvPicPr>
+          <p:cNvPr id="20" name="Imagen 19">
+            <a:extLst>
+              <a:ext uri="{FF2B5EF4-FFF2-40B4-BE49-F238E27FC236}">
+                <a16:creationId xmlns:a16="http://schemas.microsoft.com/office/drawing/2014/main" id="{CA693526-8268-A4AC-E555-9138FFF14F90}"/>
+              </a:ext>
+            </a:extLst>
+          </p:cNvPr>
+          <p:cNvPicPr>
+            <a:picLocks noChangeAspect="1"/>
+          </p:cNvPicPr>
+          <p:nvPr/>
+        </p:nvPicPr>
+        <p:blipFill rotWithShape="1">
+          <a:blip r:embed="rId4"/>
+          <a:srcRect t="1728"/>
+          <a:stretch/>
+        </p:blipFill>
+        <p:spPr>
+          <a:xfrm>
+            <a:off x="6538700" y="4293956"/>
+            <a:ext cx="3041719" cy="2570011"/>
+          </a:xfrm>
+          <a:prstGeom prst="rect">
+            <a:avLst/>
+          </a:prstGeom>
+        </p:spPr>
+      </p:pic>
+      <p:cxnSp>
+        <p:nvCxnSpPr>
+          <p:cNvPr id="21" name="Conector recto 20">
+            <a:extLst>
+              <a:ext uri="{FF2B5EF4-FFF2-40B4-BE49-F238E27FC236}">
+                <a16:creationId xmlns:a16="http://schemas.microsoft.com/office/drawing/2014/main" id="{807C4066-3E2D-3EAB-1ADE-F92048EBAD23}"/>
+              </a:ext>
+            </a:extLst>
+          </p:cNvPr>
+          <p:cNvCxnSpPr/>
+          <p:nvPr/>
+        </p:nvCxnSpPr>
+        <p:spPr>
+          <a:xfrm>
+            <a:off x="11738263" y="2961745"/>
+            <a:ext cx="0" cy="3548318"/>
+          </a:xfrm>
+          <a:prstGeom prst="line">
+            <a:avLst/>
+          </a:prstGeom>
+        </p:spPr>
+        <p:style>
+          <a:lnRef idx="1">
+            <a:schemeClr val="accent1"/>
+          </a:lnRef>
+          <a:fillRef idx="0">
+            <a:schemeClr val="accent1"/>
+          </a:fillRef>
+          <a:effectRef idx="0">
+            <a:schemeClr val="accent1"/>
+          </a:effectRef>
+          <a:fontRef idx="minor">
+            <a:schemeClr val="tx1"/>
+          </a:fontRef>
+        </p:style>
+      </p:cxnSp>
+      <p:sp>
+        <p:nvSpPr>
+          <p:cNvPr id="23" name="CuadroTexto 22">
+            <a:extLst>
+              <a:ext uri="{FF2B5EF4-FFF2-40B4-BE49-F238E27FC236}">
+                <a16:creationId xmlns:a16="http://schemas.microsoft.com/office/drawing/2014/main" id="{DC2286F7-735D-9BC1-DEDC-2CEAE8BA8A99}"/>
+              </a:ext>
+            </a:extLst>
+          </p:cNvPr>
+          <p:cNvSpPr txBox="1"/>
+          <p:nvPr/>
+        </p:nvSpPr>
+        <p:spPr>
+          <a:xfrm>
+            <a:off x="11989376" y="2778047"/>
+            <a:ext cx="3813463" cy="954107"/>
+          </a:xfrm>
+          <a:prstGeom prst="rect">
+            <a:avLst/>
+          </a:prstGeom>
+          <a:noFill/>
+        </p:spPr>
+        <p:txBody>
+          <a:bodyPr wrap="square">
+            <a:spAutoFit/>
+          </a:bodyPr>
+          <a:lstStyle/>
+          <a:p>
+            <a:r>
+              <a:rPr lang="es-MX" sz="1400" dirty="0"/>
+              <a:t>Esto se podría simplificar mediante propiedades, que abstraen al usuario del hecho de que se está utilizando métodos entre bambalinas para obtener y modificar los valores del atributo: </a:t>
+            </a:r>
+          </a:p>
+        </p:txBody>
+      </p:sp>
+      <p:pic>
+        <p:nvPicPr>
+          <p:cNvPr id="25" name="Imagen 24">
+            <a:extLst>
+              <a:ext uri="{FF2B5EF4-FFF2-40B4-BE49-F238E27FC236}">
+                <a16:creationId xmlns:a16="http://schemas.microsoft.com/office/drawing/2014/main" id="{4DD5D006-430B-EE48-5169-8844DF1D20EF}"/>
+              </a:ext>
+            </a:extLst>
+          </p:cNvPr>
+          <p:cNvPicPr>
+            <a:picLocks noChangeAspect="1"/>
+          </p:cNvPicPr>
+          <p:nvPr/>
+        </p:nvPicPr>
+        <p:blipFill>
+          <a:blip r:embed="rId5"/>
+          <a:stretch>
+            <a:fillRect/>
+          </a:stretch>
+        </p:blipFill>
+        <p:spPr>
+          <a:xfrm>
+            <a:off x="12147838" y="3806747"/>
+            <a:ext cx="3019425" cy="2924175"/>
+          </a:xfrm>
+          <a:prstGeom prst="rect">
+            <a:avLst/>
+          </a:prstGeom>
+        </p:spPr>
+      </p:pic>
     </p:spTree>
     <p:extLst>
       <p:ext uri="{BB962C8B-B14F-4D97-AF65-F5344CB8AC3E}">
@@ -10865,17 +11986,17 @@
             <a:pPr algn="ctr"/>
             <a:r>
               <a:rPr lang="es-MX" sz="3600" dirty="0"/>
-              <a:t>Programación Orientada a objetos </a:t>
-            </a:r>
-          </a:p>
-        </p:txBody>
-      </p:sp>
-      <p:sp>
-        <p:nvSpPr>
-          <p:cNvPr id="4" name="CuadroTexto 3">
-            <a:extLst>
-              <a:ext uri="{FF2B5EF4-FFF2-40B4-BE49-F238E27FC236}">
-                <a16:creationId xmlns:a16="http://schemas.microsoft.com/office/drawing/2014/main" id="{03B9F7EC-55AB-019D-7E0F-D732348726D2}"/>
+              <a:t>Métodos de los Objetos.</a:t>
+            </a:r>
+          </a:p>
+        </p:txBody>
+      </p:sp>
+      <p:sp>
+        <p:nvSpPr>
+          <p:cNvPr id="5" name="CuadroTexto 4">
+            <a:extLst>
+              <a:ext uri="{FF2B5EF4-FFF2-40B4-BE49-F238E27FC236}">
+                <a16:creationId xmlns:a16="http://schemas.microsoft.com/office/drawing/2014/main" id="{E792CF9D-77BB-8439-BE26-F7AD49270B67}"/>
               </a:ext>
             </a:extLst>
           </p:cNvPr>
@@ -10884,7 +12005,7 @@
         </p:nvSpPr>
         <p:spPr>
           <a:xfrm>
-            <a:off x="1080655" y="108289"/>
+            <a:off x="863108" y="251593"/>
             <a:ext cx="8229600" cy="369332"/>
           </a:xfrm>
           <a:prstGeom prst="rect">
@@ -10900,11 +12021,806 @@
           <a:p>
             <a:r>
               <a:rPr lang="es-MX" dirty="0"/>
-              <a:t>Polimorfismo</a:t>
-            </a:r>
-          </a:p>
-        </p:txBody>
-      </p:sp>
+              <a:t>Cadenas</a:t>
+            </a:r>
+          </a:p>
+        </p:txBody>
+      </p:sp>
+      <p:sp>
+        <p:nvSpPr>
+          <p:cNvPr id="7" name="CuadroTexto 6">
+            <a:extLst>
+              <a:ext uri="{FF2B5EF4-FFF2-40B4-BE49-F238E27FC236}">
+                <a16:creationId xmlns:a16="http://schemas.microsoft.com/office/drawing/2014/main" id="{6BEA26BF-3827-0CD7-AE19-61C9A976BD30}"/>
+              </a:ext>
+            </a:extLst>
+          </p:cNvPr>
+          <p:cNvSpPr txBox="1"/>
+          <p:nvPr/>
+        </p:nvSpPr>
+        <p:spPr>
+          <a:xfrm>
+            <a:off x="3171173" y="994702"/>
+            <a:ext cx="2847109" cy="369332"/>
+          </a:xfrm>
+          <a:prstGeom prst="rect">
+            <a:avLst/>
+          </a:prstGeom>
+          <a:noFill/>
+        </p:spPr>
+        <p:txBody>
+          <a:bodyPr wrap="square">
+            <a:spAutoFit/>
+          </a:bodyPr>
+          <a:lstStyle/>
+          <a:p>
+            <a:r>
+              <a:rPr lang="en-US" dirty="0" err="1"/>
+              <a:t>S.count</a:t>
+            </a:r>
+            <a:r>
+              <a:rPr lang="en-US" dirty="0"/>
+              <a:t>(sub[, start[, end]])</a:t>
+            </a:r>
+            <a:endParaRPr lang="es-MX" dirty="0"/>
+          </a:p>
+        </p:txBody>
+      </p:sp>
+      <p:sp>
+        <p:nvSpPr>
+          <p:cNvPr id="9" name="CuadroTexto 8">
+            <a:extLst>
+              <a:ext uri="{FF2B5EF4-FFF2-40B4-BE49-F238E27FC236}">
+                <a16:creationId xmlns:a16="http://schemas.microsoft.com/office/drawing/2014/main" id="{702BAD76-9ECC-E493-9C70-A1A9BD1D7FF9}"/>
+              </a:ext>
+            </a:extLst>
+          </p:cNvPr>
+          <p:cNvSpPr txBox="1"/>
+          <p:nvPr/>
+        </p:nvSpPr>
+        <p:spPr>
+          <a:xfrm>
+            <a:off x="6750435" y="890793"/>
+            <a:ext cx="8229600" cy="523220"/>
+          </a:xfrm>
+          <a:prstGeom prst="rect">
+            <a:avLst/>
+          </a:prstGeom>
+          <a:noFill/>
+        </p:spPr>
+        <p:txBody>
+          <a:bodyPr wrap="square">
+            <a:spAutoFit/>
+          </a:bodyPr>
+          <a:lstStyle/>
+          <a:p>
+            <a:r>
+              <a:rPr lang="es-MX" sz="1400" dirty="0"/>
+              <a:t>Devuelve el número de veces que se encuentra sub en la cadena. Los parámetros opcionales </a:t>
+            </a:r>
+            <a:r>
+              <a:rPr lang="es-MX" sz="1400" dirty="0" err="1"/>
+              <a:t>start</a:t>
+            </a:r>
+            <a:r>
+              <a:rPr lang="es-MX" sz="1400" dirty="0"/>
+              <a:t> y </a:t>
+            </a:r>
+            <a:r>
+              <a:rPr lang="es-MX" sz="1400" dirty="0" err="1"/>
+              <a:t>end</a:t>
+            </a:r>
+            <a:r>
+              <a:rPr lang="es-MX" sz="1400" dirty="0"/>
+              <a:t> definen una </a:t>
+            </a:r>
+            <a:r>
+              <a:rPr lang="es-MX" sz="1400" dirty="0" err="1"/>
+              <a:t>subcadena</a:t>
+            </a:r>
+            <a:r>
+              <a:rPr lang="es-MX" sz="1400" dirty="0"/>
+              <a:t> en la que buscar.</a:t>
+            </a:r>
+          </a:p>
+        </p:txBody>
+      </p:sp>
+      <p:sp>
+        <p:nvSpPr>
+          <p:cNvPr id="11" name="CuadroTexto 10">
+            <a:extLst>
+              <a:ext uri="{FF2B5EF4-FFF2-40B4-BE49-F238E27FC236}">
+                <a16:creationId xmlns:a16="http://schemas.microsoft.com/office/drawing/2014/main" id="{1E181F02-515B-239C-94A5-83D8F463DCE5}"/>
+              </a:ext>
+            </a:extLst>
+          </p:cNvPr>
+          <p:cNvSpPr txBox="1"/>
+          <p:nvPr/>
+        </p:nvSpPr>
+        <p:spPr>
+          <a:xfrm>
+            <a:off x="3171173" y="1810547"/>
+            <a:ext cx="2847109" cy="369332"/>
+          </a:xfrm>
+          <a:prstGeom prst="rect">
+            <a:avLst/>
+          </a:prstGeom>
+          <a:noFill/>
+        </p:spPr>
+        <p:txBody>
+          <a:bodyPr wrap="square">
+            <a:spAutoFit/>
+          </a:bodyPr>
+          <a:lstStyle/>
+          <a:p>
+            <a:r>
+              <a:rPr lang="en-US" dirty="0" err="1"/>
+              <a:t>S.find</a:t>
+            </a:r>
+            <a:r>
+              <a:rPr lang="en-US" dirty="0"/>
+              <a:t>(sub[, start[, end]]) </a:t>
+            </a:r>
+            <a:endParaRPr lang="es-MX" dirty="0"/>
+          </a:p>
+        </p:txBody>
+      </p:sp>
+      <p:sp>
+        <p:nvSpPr>
+          <p:cNvPr id="13" name="CuadroTexto 12">
+            <a:extLst>
+              <a:ext uri="{FF2B5EF4-FFF2-40B4-BE49-F238E27FC236}">
+                <a16:creationId xmlns:a16="http://schemas.microsoft.com/office/drawing/2014/main" id="{6AA2D6DF-BA52-F791-992D-6D7513A4BD87}"/>
+              </a:ext>
+            </a:extLst>
+          </p:cNvPr>
+          <p:cNvSpPr txBox="1"/>
+          <p:nvPr/>
+        </p:nvSpPr>
+        <p:spPr>
+          <a:xfrm>
+            <a:off x="6750435" y="1706638"/>
+            <a:ext cx="8229600" cy="307777"/>
+          </a:xfrm>
+          <a:prstGeom prst="rect">
+            <a:avLst/>
+          </a:prstGeom>
+          <a:noFill/>
+        </p:spPr>
+        <p:txBody>
+          <a:bodyPr wrap="square">
+            <a:spAutoFit/>
+          </a:bodyPr>
+          <a:lstStyle/>
+          <a:p>
+            <a:r>
+              <a:rPr lang="es-MX" sz="1400" dirty="0"/>
+              <a:t>Devuelve la posición en la que se encontró por primera vez sub en la cadena o -1 si no se encontró.</a:t>
+            </a:r>
+          </a:p>
+        </p:txBody>
+      </p:sp>
+      <p:sp>
+        <p:nvSpPr>
+          <p:cNvPr id="15" name="CuadroTexto 14">
+            <a:extLst>
+              <a:ext uri="{FF2B5EF4-FFF2-40B4-BE49-F238E27FC236}">
+                <a16:creationId xmlns:a16="http://schemas.microsoft.com/office/drawing/2014/main" id="{2A187E82-1403-84BD-AF0F-9235ED8FCCD9}"/>
+              </a:ext>
+            </a:extLst>
+          </p:cNvPr>
+          <p:cNvSpPr txBox="1"/>
+          <p:nvPr/>
+        </p:nvSpPr>
+        <p:spPr>
+          <a:xfrm>
+            <a:off x="3171173" y="2719594"/>
+            <a:ext cx="1910602" cy="369332"/>
+          </a:xfrm>
+          <a:prstGeom prst="rect">
+            <a:avLst/>
+          </a:prstGeom>
+          <a:noFill/>
+        </p:spPr>
+        <p:txBody>
+          <a:bodyPr wrap="square">
+            <a:spAutoFit/>
+          </a:bodyPr>
+          <a:lstStyle/>
+          <a:p>
+            <a:r>
+              <a:rPr lang="es-MX" dirty="0" err="1"/>
+              <a:t>S.join</a:t>
+            </a:r>
+            <a:r>
+              <a:rPr lang="es-MX" dirty="0"/>
+              <a:t>(</a:t>
+            </a:r>
+            <a:r>
+              <a:rPr lang="es-MX" dirty="0" err="1"/>
+              <a:t>sequence</a:t>
+            </a:r>
+            <a:r>
+              <a:rPr lang="es-MX" dirty="0"/>
+              <a:t>) </a:t>
+            </a:r>
+          </a:p>
+        </p:txBody>
+      </p:sp>
+      <p:sp>
+        <p:nvSpPr>
+          <p:cNvPr id="18" name="CuadroTexto 17">
+            <a:extLst>
+              <a:ext uri="{FF2B5EF4-FFF2-40B4-BE49-F238E27FC236}">
+                <a16:creationId xmlns:a16="http://schemas.microsoft.com/office/drawing/2014/main" id="{3A0E8A7D-6E36-A186-900E-EE8A23420CD9}"/>
+              </a:ext>
+            </a:extLst>
+          </p:cNvPr>
+          <p:cNvSpPr txBox="1"/>
+          <p:nvPr/>
+        </p:nvSpPr>
+        <p:spPr>
+          <a:xfrm>
+            <a:off x="6750435" y="2486200"/>
+            <a:ext cx="8229600" cy="523220"/>
+          </a:xfrm>
+          <a:prstGeom prst="rect">
+            <a:avLst/>
+          </a:prstGeom>
+          <a:noFill/>
+        </p:spPr>
+        <p:txBody>
+          <a:bodyPr wrap="square">
+            <a:spAutoFit/>
+          </a:bodyPr>
+          <a:lstStyle/>
+          <a:p>
+            <a:r>
+              <a:rPr lang="es-MX" sz="1400" dirty="0"/>
+              <a:t>Devuelve una cadena resultante de concatenar las cadenas de la secuencia se que separadas por la cadena sobre la que se llama el método.</a:t>
+            </a:r>
+          </a:p>
+        </p:txBody>
+      </p:sp>
+      <p:sp>
+        <p:nvSpPr>
+          <p:cNvPr id="20" name="CuadroTexto 19">
+            <a:extLst>
+              <a:ext uri="{FF2B5EF4-FFF2-40B4-BE49-F238E27FC236}">
+                <a16:creationId xmlns:a16="http://schemas.microsoft.com/office/drawing/2014/main" id="{ADE532A7-E9F9-88B2-59A6-A4D463CE2DCD}"/>
+              </a:ext>
+            </a:extLst>
+          </p:cNvPr>
+          <p:cNvSpPr txBox="1"/>
+          <p:nvPr/>
+        </p:nvSpPr>
+        <p:spPr>
+          <a:xfrm>
+            <a:off x="3171173" y="3526920"/>
+            <a:ext cx="2322582" cy="369332"/>
+          </a:xfrm>
+          <a:prstGeom prst="rect">
+            <a:avLst/>
+          </a:prstGeom>
+          <a:noFill/>
+        </p:spPr>
+        <p:txBody>
+          <a:bodyPr wrap="square">
+            <a:spAutoFit/>
+          </a:bodyPr>
+          <a:lstStyle/>
+          <a:p>
+            <a:r>
+              <a:rPr lang="es-MX" dirty="0" err="1"/>
+              <a:t>S.partition</a:t>
+            </a:r>
+            <a:r>
+              <a:rPr lang="es-MX" dirty="0"/>
+              <a:t>(</a:t>
+            </a:r>
+            <a:r>
+              <a:rPr lang="es-MX" dirty="0" err="1"/>
+              <a:t>sep</a:t>
+            </a:r>
+            <a:r>
+              <a:rPr lang="es-MX" dirty="0"/>
+              <a:t>)</a:t>
+            </a:r>
+          </a:p>
+        </p:txBody>
+      </p:sp>
+      <p:sp>
+        <p:nvSpPr>
+          <p:cNvPr id="22" name="CuadroTexto 21">
+            <a:extLst>
+              <a:ext uri="{FF2B5EF4-FFF2-40B4-BE49-F238E27FC236}">
+                <a16:creationId xmlns:a16="http://schemas.microsoft.com/office/drawing/2014/main" id="{C05DC810-D86B-9C6E-116C-A4AB6BA02385}"/>
+              </a:ext>
+            </a:extLst>
+          </p:cNvPr>
+          <p:cNvSpPr txBox="1"/>
+          <p:nvPr/>
+        </p:nvSpPr>
+        <p:spPr>
+          <a:xfrm>
+            <a:off x="6713190" y="3332795"/>
+            <a:ext cx="8229600" cy="738664"/>
+          </a:xfrm>
+          <a:prstGeom prst="rect">
+            <a:avLst/>
+          </a:prstGeom>
+          <a:noFill/>
+        </p:spPr>
+        <p:txBody>
+          <a:bodyPr wrap="square">
+            <a:spAutoFit/>
+          </a:bodyPr>
+          <a:lstStyle/>
+          <a:p>
+            <a:r>
+              <a:rPr lang="es-MX" sz="1400" dirty="0"/>
+              <a:t>Busca el separador </a:t>
+            </a:r>
+            <a:r>
+              <a:rPr lang="es-MX" sz="1400" dirty="0" err="1"/>
+              <a:t>sep</a:t>
+            </a:r>
+            <a:r>
+              <a:rPr lang="es-MX" sz="1400" dirty="0"/>
+              <a:t> en la cadena y devuelve una tupla con la </a:t>
+            </a:r>
+            <a:r>
+              <a:rPr lang="es-MX" sz="1400" dirty="0" err="1"/>
+              <a:t>subcadena</a:t>
+            </a:r>
+            <a:r>
+              <a:rPr lang="es-MX" sz="1400" dirty="0"/>
+              <a:t> hasta dicho separador, el separador en si, y la </a:t>
+            </a:r>
+            <a:r>
+              <a:rPr lang="es-MX" sz="1400" dirty="0" err="1"/>
+              <a:t>subcadena</a:t>
+            </a:r>
+            <a:r>
+              <a:rPr lang="es-MX" sz="1400" dirty="0"/>
+              <a:t> del separador hasta el final de la cadena. Si no se encuentra el separador, la tupla contendrá la cadena en si y dos cadenas vacías. </a:t>
+            </a:r>
+          </a:p>
+        </p:txBody>
+      </p:sp>
+      <p:sp>
+        <p:nvSpPr>
+          <p:cNvPr id="24" name="CuadroTexto 23">
+            <a:extLst>
+              <a:ext uri="{FF2B5EF4-FFF2-40B4-BE49-F238E27FC236}">
+                <a16:creationId xmlns:a16="http://schemas.microsoft.com/office/drawing/2014/main" id="{9DE5FB6D-F0B3-17BE-E47F-DC13B7B52F3D}"/>
+              </a:ext>
+            </a:extLst>
+          </p:cNvPr>
+          <p:cNvSpPr txBox="1"/>
+          <p:nvPr/>
+        </p:nvSpPr>
+        <p:spPr>
+          <a:xfrm>
+            <a:off x="3171173" y="4706486"/>
+            <a:ext cx="2884354" cy="369332"/>
+          </a:xfrm>
+          <a:prstGeom prst="rect">
+            <a:avLst/>
+          </a:prstGeom>
+          <a:noFill/>
+        </p:spPr>
+        <p:txBody>
+          <a:bodyPr wrap="square">
+            <a:spAutoFit/>
+          </a:bodyPr>
+          <a:lstStyle/>
+          <a:p>
+            <a:r>
+              <a:rPr lang="en-US" dirty="0" err="1"/>
+              <a:t>S.replace</a:t>
+            </a:r>
+            <a:r>
+              <a:rPr lang="en-US" dirty="0"/>
+              <a:t>(old, new[, count]</a:t>
+            </a:r>
+            <a:endParaRPr lang="es-MX" dirty="0"/>
+          </a:p>
+        </p:txBody>
+      </p:sp>
+      <p:sp>
+        <p:nvSpPr>
+          <p:cNvPr id="26" name="CuadroTexto 25">
+            <a:extLst>
+              <a:ext uri="{FF2B5EF4-FFF2-40B4-BE49-F238E27FC236}">
+                <a16:creationId xmlns:a16="http://schemas.microsoft.com/office/drawing/2014/main" id="{BBB1676B-2E59-7AF8-14E2-3940CB2F00F8}"/>
+              </a:ext>
+            </a:extLst>
+          </p:cNvPr>
+          <p:cNvSpPr txBox="1"/>
+          <p:nvPr/>
+        </p:nvSpPr>
+        <p:spPr>
+          <a:xfrm>
+            <a:off x="6713190" y="4525633"/>
+            <a:ext cx="8229600" cy="523220"/>
+          </a:xfrm>
+          <a:prstGeom prst="rect">
+            <a:avLst/>
+          </a:prstGeom>
+          <a:noFill/>
+        </p:spPr>
+        <p:txBody>
+          <a:bodyPr wrap="square">
+            <a:spAutoFit/>
+          </a:bodyPr>
+          <a:lstStyle/>
+          <a:p>
+            <a:r>
+              <a:rPr lang="es-MX" sz="1400" dirty="0"/>
+              <a:t>Devuelve una cadena en la que se han reemplazado todas las ocurrencias de la cadena </a:t>
+            </a:r>
+            <a:r>
+              <a:rPr lang="es-MX" sz="1400" dirty="0" err="1"/>
+              <a:t>old</a:t>
+            </a:r>
+            <a:r>
+              <a:rPr lang="es-MX" sz="1400" dirty="0"/>
+              <a:t> por la cadena new. Si se especifica el parámetro </a:t>
+            </a:r>
+            <a:r>
+              <a:rPr lang="es-MX" sz="1400" dirty="0" err="1"/>
+              <a:t>count</a:t>
+            </a:r>
+            <a:r>
+              <a:rPr lang="es-MX" sz="1400" dirty="0"/>
+              <a:t>, este indica el número máximo de ocurrencias a reemplazar.</a:t>
+            </a:r>
+          </a:p>
+        </p:txBody>
+      </p:sp>
+      <p:sp>
+        <p:nvSpPr>
+          <p:cNvPr id="28" name="CuadroTexto 27">
+            <a:extLst>
+              <a:ext uri="{FF2B5EF4-FFF2-40B4-BE49-F238E27FC236}">
+                <a16:creationId xmlns:a16="http://schemas.microsoft.com/office/drawing/2014/main" id="{58352311-AC89-D869-2077-72F6540B4E29}"/>
+              </a:ext>
+            </a:extLst>
+          </p:cNvPr>
+          <p:cNvSpPr txBox="1"/>
+          <p:nvPr/>
+        </p:nvSpPr>
+        <p:spPr>
+          <a:xfrm>
+            <a:off x="3171173" y="5699269"/>
+            <a:ext cx="2707046" cy="369332"/>
+          </a:xfrm>
+          <a:prstGeom prst="rect">
+            <a:avLst/>
+          </a:prstGeom>
+          <a:noFill/>
+        </p:spPr>
+        <p:txBody>
+          <a:bodyPr wrap="square">
+            <a:spAutoFit/>
+          </a:bodyPr>
+          <a:lstStyle/>
+          <a:p>
+            <a:r>
+              <a:rPr lang="es-MX" dirty="0" err="1"/>
+              <a:t>S.split</a:t>
+            </a:r>
+            <a:r>
+              <a:rPr lang="es-MX" dirty="0"/>
+              <a:t>([</a:t>
+            </a:r>
+            <a:r>
+              <a:rPr lang="es-MX" dirty="0" err="1"/>
+              <a:t>sep</a:t>
+            </a:r>
+            <a:r>
+              <a:rPr lang="es-MX" dirty="0"/>
+              <a:t> [,</a:t>
+            </a:r>
+            <a:r>
+              <a:rPr lang="es-MX" dirty="0" err="1"/>
+              <a:t>maxsplit</a:t>
+            </a:r>
+            <a:r>
+              <a:rPr lang="es-MX" dirty="0"/>
+              <a:t>]])</a:t>
+            </a:r>
+          </a:p>
+        </p:txBody>
+      </p:sp>
+      <p:sp>
+        <p:nvSpPr>
+          <p:cNvPr id="30" name="CuadroTexto 29">
+            <a:extLst>
+              <a:ext uri="{FF2B5EF4-FFF2-40B4-BE49-F238E27FC236}">
+                <a16:creationId xmlns:a16="http://schemas.microsoft.com/office/drawing/2014/main" id="{931A9922-6F31-5715-BAC9-E8C9D858FBB0}"/>
+              </a:ext>
+            </a:extLst>
+          </p:cNvPr>
+          <p:cNvSpPr txBox="1"/>
+          <p:nvPr/>
+        </p:nvSpPr>
+        <p:spPr>
+          <a:xfrm>
+            <a:off x="6713190" y="5446114"/>
+            <a:ext cx="8229600" cy="738664"/>
+          </a:xfrm>
+          <a:prstGeom prst="rect">
+            <a:avLst/>
+          </a:prstGeom>
+          <a:noFill/>
+        </p:spPr>
+        <p:txBody>
+          <a:bodyPr wrap="square">
+            <a:spAutoFit/>
+          </a:bodyPr>
+          <a:lstStyle/>
+          <a:p>
+            <a:r>
+              <a:rPr lang="es-MX" sz="1400" dirty="0"/>
+              <a:t>Devuelve una lista conteniendo las </a:t>
+            </a:r>
+            <a:r>
+              <a:rPr lang="es-MX" sz="1400" dirty="0" err="1"/>
+              <a:t>subcadenas</a:t>
+            </a:r>
+            <a:r>
+              <a:rPr lang="es-MX" sz="1400" dirty="0"/>
+              <a:t> en las que se divide nuestra cadena al dividirlas por el delimitador sep. En el caso de que no se especifique </a:t>
+            </a:r>
+            <a:r>
+              <a:rPr lang="es-MX" sz="1400" dirty="0" err="1"/>
+              <a:t>sep</a:t>
+            </a:r>
+            <a:r>
+              <a:rPr lang="es-MX" sz="1400" dirty="0"/>
+              <a:t>, se usan espacios. Si se especifica </a:t>
+            </a:r>
+            <a:r>
+              <a:rPr lang="es-MX" sz="1400" dirty="0" err="1"/>
+              <a:t>maxsplit</a:t>
+            </a:r>
+            <a:r>
+              <a:rPr lang="es-MX" sz="1400" dirty="0"/>
+              <a:t>, este indica el número máximo de particiones a realizar.</a:t>
+            </a:r>
+          </a:p>
+        </p:txBody>
+      </p:sp>
+      <p:cxnSp>
+        <p:nvCxnSpPr>
+          <p:cNvPr id="35" name="Conector recto 34">
+            <a:extLst>
+              <a:ext uri="{FF2B5EF4-FFF2-40B4-BE49-F238E27FC236}">
+                <a16:creationId xmlns:a16="http://schemas.microsoft.com/office/drawing/2014/main" id="{29B4279B-984B-B60A-0969-625A8F1E9D63}"/>
+              </a:ext>
+            </a:extLst>
+          </p:cNvPr>
+          <p:cNvCxnSpPr>
+            <a:cxnSpLocks/>
+          </p:cNvCxnSpPr>
+          <p:nvPr/>
+        </p:nvCxnSpPr>
+        <p:spPr>
+          <a:xfrm flipH="1">
+            <a:off x="6055527" y="1174173"/>
+            <a:ext cx="542700" cy="0"/>
+          </a:xfrm>
+          <a:prstGeom prst="line">
+            <a:avLst/>
+          </a:prstGeom>
+        </p:spPr>
+        <p:style>
+          <a:lnRef idx="1">
+            <a:schemeClr val="accent1"/>
+          </a:lnRef>
+          <a:fillRef idx="0">
+            <a:schemeClr val="accent1"/>
+          </a:fillRef>
+          <a:effectRef idx="0">
+            <a:schemeClr val="accent1"/>
+          </a:effectRef>
+          <a:fontRef idx="minor">
+            <a:schemeClr val="tx1"/>
+          </a:fontRef>
+        </p:style>
+      </p:cxnSp>
+      <p:cxnSp>
+        <p:nvCxnSpPr>
+          <p:cNvPr id="36" name="Conector recto 35">
+            <a:extLst>
+              <a:ext uri="{FF2B5EF4-FFF2-40B4-BE49-F238E27FC236}">
+                <a16:creationId xmlns:a16="http://schemas.microsoft.com/office/drawing/2014/main" id="{052BCDC3-2378-87CC-7393-9F2632728C4F}"/>
+              </a:ext>
+            </a:extLst>
+          </p:cNvPr>
+          <p:cNvCxnSpPr>
+            <a:cxnSpLocks/>
+          </p:cNvCxnSpPr>
+          <p:nvPr/>
+        </p:nvCxnSpPr>
+        <p:spPr>
+          <a:xfrm flipH="1">
+            <a:off x="6055527" y="1948606"/>
+            <a:ext cx="542700" cy="0"/>
+          </a:xfrm>
+          <a:prstGeom prst="line">
+            <a:avLst/>
+          </a:prstGeom>
+        </p:spPr>
+        <p:style>
+          <a:lnRef idx="1">
+            <a:schemeClr val="accent1"/>
+          </a:lnRef>
+          <a:fillRef idx="0">
+            <a:schemeClr val="accent1"/>
+          </a:fillRef>
+          <a:effectRef idx="0">
+            <a:schemeClr val="accent1"/>
+          </a:effectRef>
+          <a:fontRef idx="minor">
+            <a:schemeClr val="tx1"/>
+          </a:fontRef>
+        </p:style>
+      </p:cxnSp>
+      <p:cxnSp>
+        <p:nvCxnSpPr>
+          <p:cNvPr id="37" name="Conector recto 36">
+            <a:extLst>
+              <a:ext uri="{FF2B5EF4-FFF2-40B4-BE49-F238E27FC236}">
+                <a16:creationId xmlns:a16="http://schemas.microsoft.com/office/drawing/2014/main" id="{D8272015-30FD-8196-F64A-6712EAFC1ED3}"/>
+              </a:ext>
+            </a:extLst>
+          </p:cNvPr>
+          <p:cNvCxnSpPr>
+            <a:cxnSpLocks/>
+          </p:cNvCxnSpPr>
+          <p:nvPr/>
+        </p:nvCxnSpPr>
+        <p:spPr>
+          <a:xfrm flipH="1">
+            <a:off x="6055527" y="2812473"/>
+            <a:ext cx="542700" cy="0"/>
+          </a:xfrm>
+          <a:prstGeom prst="line">
+            <a:avLst/>
+          </a:prstGeom>
+        </p:spPr>
+        <p:style>
+          <a:lnRef idx="1">
+            <a:schemeClr val="accent1"/>
+          </a:lnRef>
+          <a:fillRef idx="0">
+            <a:schemeClr val="accent1"/>
+          </a:fillRef>
+          <a:effectRef idx="0">
+            <a:schemeClr val="accent1"/>
+          </a:effectRef>
+          <a:fontRef idx="minor">
+            <a:schemeClr val="tx1"/>
+          </a:fontRef>
+        </p:style>
+      </p:cxnSp>
+      <p:cxnSp>
+        <p:nvCxnSpPr>
+          <p:cNvPr id="38" name="Conector recto 37">
+            <a:extLst>
+              <a:ext uri="{FF2B5EF4-FFF2-40B4-BE49-F238E27FC236}">
+                <a16:creationId xmlns:a16="http://schemas.microsoft.com/office/drawing/2014/main" id="{7FE3774F-E49D-F718-E0B1-EA0C9146C2FC}"/>
+              </a:ext>
+            </a:extLst>
+          </p:cNvPr>
+          <p:cNvCxnSpPr>
+            <a:cxnSpLocks/>
+          </p:cNvCxnSpPr>
+          <p:nvPr/>
+        </p:nvCxnSpPr>
+        <p:spPr>
+          <a:xfrm flipH="1">
+            <a:off x="6055527" y="3695701"/>
+            <a:ext cx="542700" cy="0"/>
+          </a:xfrm>
+          <a:prstGeom prst="line">
+            <a:avLst/>
+          </a:prstGeom>
+        </p:spPr>
+        <p:style>
+          <a:lnRef idx="1">
+            <a:schemeClr val="accent1"/>
+          </a:lnRef>
+          <a:fillRef idx="0">
+            <a:schemeClr val="accent1"/>
+          </a:fillRef>
+          <a:effectRef idx="0">
+            <a:schemeClr val="accent1"/>
+          </a:effectRef>
+          <a:fontRef idx="minor">
+            <a:schemeClr val="tx1"/>
+          </a:fontRef>
+        </p:style>
+      </p:cxnSp>
+      <p:cxnSp>
+        <p:nvCxnSpPr>
+          <p:cNvPr id="39" name="Conector recto 38">
+            <a:extLst>
+              <a:ext uri="{FF2B5EF4-FFF2-40B4-BE49-F238E27FC236}">
+                <a16:creationId xmlns:a16="http://schemas.microsoft.com/office/drawing/2014/main" id="{AF4A5119-FDC5-C0CD-7D23-B7AF12EA7381}"/>
+              </a:ext>
+            </a:extLst>
+          </p:cNvPr>
+          <p:cNvCxnSpPr>
+            <a:cxnSpLocks/>
+          </p:cNvCxnSpPr>
+          <p:nvPr/>
+        </p:nvCxnSpPr>
+        <p:spPr>
+          <a:xfrm flipH="1">
+            <a:off x="6055527" y="4880264"/>
+            <a:ext cx="542700" cy="0"/>
+          </a:xfrm>
+          <a:prstGeom prst="line">
+            <a:avLst/>
+          </a:prstGeom>
+        </p:spPr>
+        <p:style>
+          <a:lnRef idx="1">
+            <a:schemeClr val="accent1"/>
+          </a:lnRef>
+          <a:fillRef idx="0">
+            <a:schemeClr val="accent1"/>
+          </a:fillRef>
+          <a:effectRef idx="0">
+            <a:schemeClr val="accent1"/>
+          </a:effectRef>
+          <a:fontRef idx="minor">
+            <a:schemeClr val="tx1"/>
+          </a:fontRef>
+        </p:style>
+      </p:cxnSp>
+      <p:cxnSp>
+        <p:nvCxnSpPr>
+          <p:cNvPr id="40" name="Conector recto 39">
+            <a:extLst>
+              <a:ext uri="{FF2B5EF4-FFF2-40B4-BE49-F238E27FC236}">
+                <a16:creationId xmlns:a16="http://schemas.microsoft.com/office/drawing/2014/main" id="{7919EFD5-6E40-0728-4F24-B410DDF67E0B}"/>
+              </a:ext>
+            </a:extLst>
+          </p:cNvPr>
+          <p:cNvCxnSpPr>
+            <a:cxnSpLocks/>
+          </p:cNvCxnSpPr>
+          <p:nvPr/>
+        </p:nvCxnSpPr>
+        <p:spPr>
+          <a:xfrm flipH="1">
+            <a:off x="6055527" y="5825837"/>
+            <a:ext cx="542700" cy="0"/>
+          </a:xfrm>
+          <a:prstGeom prst="line">
+            <a:avLst/>
+          </a:prstGeom>
+        </p:spPr>
+        <p:style>
+          <a:lnRef idx="1">
+            <a:schemeClr val="accent1"/>
+          </a:lnRef>
+          <a:fillRef idx="0">
+            <a:schemeClr val="accent1"/>
+          </a:fillRef>
+          <a:effectRef idx="0">
+            <a:schemeClr val="accent1"/>
+          </a:effectRef>
+          <a:fontRef idx="minor">
+            <a:schemeClr val="tx1"/>
+          </a:fontRef>
+        </p:style>
+      </p:cxnSp>
     </p:spTree>
     <p:extLst>
       <p:ext uri="{BB962C8B-B14F-4D97-AF65-F5344CB8AC3E}">
@@ -11079,7 +12995,7 @@
             <a:pPr algn="ctr"/>
             <a:r>
               <a:rPr lang="es-MX" sz="3600" dirty="0"/>
-              <a:t>Programación Orientada a objetos </a:t>
+              <a:t>Métodos de los Objetos.</a:t>
             </a:r>
           </a:p>
         </p:txBody>
@@ -11089,7 +13005,7 @@
           <p:cNvPr id="4" name="CuadroTexto 3">
             <a:extLst>
               <a:ext uri="{FF2B5EF4-FFF2-40B4-BE49-F238E27FC236}">
-                <a16:creationId xmlns:a16="http://schemas.microsoft.com/office/drawing/2014/main" id="{03B9F7EC-55AB-019D-7E0F-D732348726D2}"/>
+                <a16:creationId xmlns:a16="http://schemas.microsoft.com/office/drawing/2014/main" id="{D57AB15A-EC6E-596B-8D03-1563EDF6F80B}"/>
               </a:ext>
             </a:extLst>
           </p:cNvPr>
@@ -11098,7 +13014,7 @@
         </p:nvSpPr>
         <p:spPr>
           <a:xfrm>
-            <a:off x="1080655" y="108289"/>
+            <a:off x="863108" y="149599"/>
             <a:ext cx="8229600" cy="369332"/>
           </a:xfrm>
           <a:prstGeom prst="rect">
@@ -11114,15 +13030,1169 @@
           <a:p>
             <a:r>
               <a:rPr lang="es-MX" dirty="0"/>
-              <a:t>Polimorfismo</a:t>
-            </a:r>
-          </a:p>
-        </p:txBody>
-      </p:sp>
+              <a:t>Listas</a:t>
+            </a:r>
+          </a:p>
+        </p:txBody>
+      </p:sp>
+      <p:sp>
+        <p:nvSpPr>
+          <p:cNvPr id="6" name="CuadroTexto 5">
+            <a:extLst>
+              <a:ext uri="{FF2B5EF4-FFF2-40B4-BE49-F238E27FC236}">
+                <a16:creationId xmlns:a16="http://schemas.microsoft.com/office/drawing/2014/main" id="{EFE88ED6-75AA-EEB5-6E31-7980AA0EE521}"/>
+              </a:ext>
+            </a:extLst>
+          </p:cNvPr>
+          <p:cNvSpPr txBox="1"/>
+          <p:nvPr/>
+        </p:nvSpPr>
+        <p:spPr>
+          <a:xfrm>
+            <a:off x="2385959" y="484072"/>
+            <a:ext cx="2005445" cy="369332"/>
+          </a:xfrm>
+          <a:prstGeom prst="rect">
+            <a:avLst/>
+          </a:prstGeom>
+          <a:noFill/>
+        </p:spPr>
+        <p:txBody>
+          <a:bodyPr wrap="square">
+            <a:spAutoFit/>
+          </a:bodyPr>
+          <a:lstStyle/>
+          <a:p>
+            <a:r>
+              <a:rPr lang="es-MX" dirty="0" err="1"/>
+              <a:t>L.append</a:t>
+            </a:r>
+            <a:r>
+              <a:rPr lang="es-MX" dirty="0"/>
+              <a:t>(</a:t>
+            </a:r>
+            <a:r>
+              <a:rPr lang="es-MX" dirty="0" err="1"/>
+              <a:t>object</a:t>
+            </a:r>
+            <a:r>
+              <a:rPr lang="es-MX" dirty="0"/>
+              <a:t>)</a:t>
+            </a:r>
+          </a:p>
+        </p:txBody>
+      </p:sp>
+      <p:sp>
+        <p:nvSpPr>
+          <p:cNvPr id="8" name="CuadroTexto 7">
+            <a:extLst>
+              <a:ext uri="{FF2B5EF4-FFF2-40B4-BE49-F238E27FC236}">
+                <a16:creationId xmlns:a16="http://schemas.microsoft.com/office/drawing/2014/main" id="{B2292976-118D-C8DD-CA90-5562117A1407}"/>
+              </a:ext>
+            </a:extLst>
+          </p:cNvPr>
+          <p:cNvSpPr txBox="1"/>
+          <p:nvPr/>
+        </p:nvSpPr>
+        <p:spPr>
+          <a:xfrm>
+            <a:off x="7180118" y="518931"/>
+            <a:ext cx="8229600" cy="307777"/>
+          </a:xfrm>
+          <a:prstGeom prst="rect">
+            <a:avLst/>
+          </a:prstGeom>
+          <a:noFill/>
+        </p:spPr>
+        <p:txBody>
+          <a:bodyPr wrap="square">
+            <a:spAutoFit/>
+          </a:bodyPr>
+          <a:lstStyle/>
+          <a:p>
+            <a:r>
+              <a:rPr lang="es-MX" sz="1400" dirty="0"/>
+              <a:t>Añade un objeto al final de la lista.</a:t>
+            </a:r>
+          </a:p>
+        </p:txBody>
+      </p:sp>
+      <p:sp>
+        <p:nvSpPr>
+          <p:cNvPr id="10" name="CuadroTexto 9">
+            <a:extLst>
+              <a:ext uri="{FF2B5EF4-FFF2-40B4-BE49-F238E27FC236}">
+                <a16:creationId xmlns:a16="http://schemas.microsoft.com/office/drawing/2014/main" id="{3497697C-A982-8DD9-4AAA-537AA7E82CB8}"/>
+              </a:ext>
+            </a:extLst>
+          </p:cNvPr>
+          <p:cNvSpPr txBox="1"/>
+          <p:nvPr/>
+        </p:nvSpPr>
+        <p:spPr>
+          <a:xfrm>
+            <a:off x="2385959" y="1238594"/>
+            <a:ext cx="1631372" cy="369332"/>
+          </a:xfrm>
+          <a:prstGeom prst="rect">
+            <a:avLst/>
+          </a:prstGeom>
+          <a:noFill/>
+        </p:spPr>
+        <p:txBody>
+          <a:bodyPr wrap="square">
+            <a:spAutoFit/>
+          </a:bodyPr>
+          <a:lstStyle/>
+          <a:p>
+            <a:r>
+              <a:rPr lang="es-MX" dirty="0" err="1"/>
+              <a:t>L.count</a:t>
+            </a:r>
+            <a:r>
+              <a:rPr lang="es-MX" dirty="0"/>
+              <a:t>(</a:t>
+            </a:r>
+            <a:r>
+              <a:rPr lang="es-MX" dirty="0" err="1"/>
+              <a:t>value</a:t>
+            </a:r>
+            <a:r>
+              <a:rPr lang="es-MX" dirty="0"/>
+              <a:t>) </a:t>
+            </a:r>
+          </a:p>
+        </p:txBody>
+      </p:sp>
+      <p:sp>
+        <p:nvSpPr>
+          <p:cNvPr id="12" name="CuadroTexto 11">
+            <a:extLst>
+              <a:ext uri="{FF2B5EF4-FFF2-40B4-BE49-F238E27FC236}">
+                <a16:creationId xmlns:a16="http://schemas.microsoft.com/office/drawing/2014/main" id="{32468C89-A565-520B-82D0-0E68DE99BB21}"/>
+              </a:ext>
+            </a:extLst>
+          </p:cNvPr>
+          <p:cNvSpPr txBox="1"/>
+          <p:nvPr/>
+        </p:nvSpPr>
+        <p:spPr>
+          <a:xfrm>
+            <a:off x="7180118" y="1194091"/>
+            <a:ext cx="8229600" cy="307777"/>
+          </a:xfrm>
+          <a:prstGeom prst="rect">
+            <a:avLst/>
+          </a:prstGeom>
+          <a:noFill/>
+        </p:spPr>
+        <p:txBody>
+          <a:bodyPr wrap="square">
+            <a:spAutoFit/>
+          </a:bodyPr>
+          <a:lstStyle/>
+          <a:p>
+            <a:r>
+              <a:rPr lang="es-MX" sz="1400" dirty="0"/>
+              <a:t>Devuelve el número de veces que se encontró </a:t>
+            </a:r>
+            <a:r>
+              <a:rPr lang="es-MX" sz="1400" dirty="0" err="1"/>
+              <a:t>value</a:t>
+            </a:r>
+            <a:r>
+              <a:rPr lang="es-MX" sz="1400" dirty="0"/>
+              <a:t> en la lista.</a:t>
+            </a:r>
+          </a:p>
+        </p:txBody>
+      </p:sp>
+      <p:sp>
+        <p:nvSpPr>
+          <p:cNvPr id="14" name="CuadroTexto 13">
+            <a:extLst>
+              <a:ext uri="{FF2B5EF4-FFF2-40B4-BE49-F238E27FC236}">
+                <a16:creationId xmlns:a16="http://schemas.microsoft.com/office/drawing/2014/main" id="{426F9F74-AD4B-0126-D87E-5CA5F5CCC721}"/>
+              </a:ext>
+            </a:extLst>
+          </p:cNvPr>
+          <p:cNvSpPr txBox="1"/>
+          <p:nvPr/>
+        </p:nvSpPr>
+        <p:spPr>
+          <a:xfrm>
+            <a:off x="2385959" y="1993116"/>
+            <a:ext cx="2171699" cy="369332"/>
+          </a:xfrm>
+          <a:prstGeom prst="rect">
+            <a:avLst/>
+          </a:prstGeom>
+          <a:noFill/>
+        </p:spPr>
+        <p:txBody>
+          <a:bodyPr wrap="square">
+            <a:spAutoFit/>
+          </a:bodyPr>
+          <a:lstStyle/>
+          <a:p>
+            <a:r>
+              <a:rPr lang="es-MX" dirty="0" err="1"/>
+              <a:t>L.extend</a:t>
+            </a:r>
+            <a:r>
+              <a:rPr lang="es-MX" dirty="0"/>
+              <a:t>(iterable)</a:t>
+            </a:r>
+          </a:p>
+        </p:txBody>
+      </p:sp>
+      <p:sp>
+        <p:nvSpPr>
+          <p:cNvPr id="16" name="CuadroTexto 15">
+            <a:extLst>
+              <a:ext uri="{FF2B5EF4-FFF2-40B4-BE49-F238E27FC236}">
+                <a16:creationId xmlns:a16="http://schemas.microsoft.com/office/drawing/2014/main" id="{9958CCD0-C1DC-8F76-7EDB-8724D8CE5E90}"/>
+              </a:ext>
+            </a:extLst>
+          </p:cNvPr>
+          <p:cNvSpPr txBox="1"/>
+          <p:nvPr/>
+        </p:nvSpPr>
+        <p:spPr>
+          <a:xfrm>
+            <a:off x="7180118" y="1869251"/>
+            <a:ext cx="8229600" cy="307777"/>
+          </a:xfrm>
+          <a:prstGeom prst="rect">
+            <a:avLst/>
+          </a:prstGeom>
+          <a:noFill/>
+        </p:spPr>
+        <p:txBody>
+          <a:bodyPr wrap="square">
+            <a:spAutoFit/>
+          </a:bodyPr>
+          <a:lstStyle/>
+          <a:p>
+            <a:r>
+              <a:rPr lang="es-MX" sz="1400" dirty="0"/>
+              <a:t>Añade los elementos del iterable a la lista. </a:t>
+            </a:r>
+          </a:p>
+        </p:txBody>
+      </p:sp>
+      <p:sp>
+        <p:nvSpPr>
+          <p:cNvPr id="19" name="CuadroTexto 18">
+            <a:extLst>
+              <a:ext uri="{FF2B5EF4-FFF2-40B4-BE49-F238E27FC236}">
+                <a16:creationId xmlns:a16="http://schemas.microsoft.com/office/drawing/2014/main" id="{6BFE19C2-FE2A-5BD5-0904-953092304642}"/>
+              </a:ext>
+            </a:extLst>
+          </p:cNvPr>
+          <p:cNvSpPr txBox="1"/>
+          <p:nvPr/>
+        </p:nvSpPr>
+        <p:spPr>
+          <a:xfrm>
+            <a:off x="2385959" y="2747638"/>
+            <a:ext cx="3283527" cy="369332"/>
+          </a:xfrm>
+          <a:prstGeom prst="rect">
+            <a:avLst/>
+          </a:prstGeom>
+          <a:noFill/>
+        </p:spPr>
+        <p:txBody>
+          <a:bodyPr wrap="square">
+            <a:spAutoFit/>
+          </a:bodyPr>
+          <a:lstStyle/>
+          <a:p>
+            <a:r>
+              <a:rPr lang="en-US" dirty="0" err="1"/>
+              <a:t>L.index</a:t>
+            </a:r>
+            <a:r>
+              <a:rPr lang="en-US" dirty="0"/>
+              <a:t>(value[, start[, stop]])</a:t>
+            </a:r>
+            <a:endParaRPr lang="es-MX" dirty="0"/>
+          </a:p>
+        </p:txBody>
+      </p:sp>
+      <p:sp>
+        <p:nvSpPr>
+          <p:cNvPr id="21" name="CuadroTexto 20">
+            <a:extLst>
+              <a:ext uri="{FF2B5EF4-FFF2-40B4-BE49-F238E27FC236}">
+                <a16:creationId xmlns:a16="http://schemas.microsoft.com/office/drawing/2014/main" id="{E022FEB4-F067-F309-DD9F-085F2FCA2EBC}"/>
+              </a:ext>
+            </a:extLst>
+          </p:cNvPr>
+          <p:cNvSpPr txBox="1"/>
+          <p:nvPr/>
+        </p:nvSpPr>
+        <p:spPr>
+          <a:xfrm>
+            <a:off x="7180118" y="2585975"/>
+            <a:ext cx="8229600" cy="523220"/>
+          </a:xfrm>
+          <a:prstGeom prst="rect">
+            <a:avLst/>
+          </a:prstGeom>
+          <a:noFill/>
+        </p:spPr>
+        <p:txBody>
+          <a:bodyPr wrap="square">
+            <a:spAutoFit/>
+          </a:bodyPr>
+          <a:lstStyle/>
+          <a:p>
+            <a:r>
+              <a:rPr lang="es-MX" sz="1400" dirty="0"/>
+              <a:t>Devuelve la posición en la que se encontró la primera ocurrencia de </a:t>
+            </a:r>
+            <a:r>
+              <a:rPr lang="es-MX" sz="1400" dirty="0" err="1"/>
+              <a:t>value</a:t>
+            </a:r>
+            <a:r>
+              <a:rPr lang="es-MX" sz="1400" dirty="0"/>
+              <a:t>. Si se especifican, </a:t>
+            </a:r>
+            <a:r>
+              <a:rPr lang="es-MX" sz="1400" dirty="0" err="1"/>
+              <a:t>start</a:t>
+            </a:r>
+            <a:r>
+              <a:rPr lang="es-MX" sz="1400" dirty="0"/>
+              <a:t> y stop definen las posiciones de inicio y fin de una </a:t>
+            </a:r>
+            <a:r>
+              <a:rPr lang="es-MX" sz="1400" dirty="0" err="1"/>
+              <a:t>sublista</a:t>
+            </a:r>
+            <a:r>
+              <a:rPr lang="es-MX" sz="1400" dirty="0"/>
+              <a:t> en la que buscar. </a:t>
+            </a:r>
+          </a:p>
+        </p:txBody>
+      </p:sp>
+      <p:sp>
+        <p:nvSpPr>
+          <p:cNvPr id="23" name="CuadroTexto 22">
+            <a:extLst>
+              <a:ext uri="{FF2B5EF4-FFF2-40B4-BE49-F238E27FC236}">
+                <a16:creationId xmlns:a16="http://schemas.microsoft.com/office/drawing/2014/main" id="{7D27C160-86E4-9F7D-0757-C133C1B04E2E}"/>
+              </a:ext>
+            </a:extLst>
+          </p:cNvPr>
+          <p:cNvSpPr txBox="1"/>
+          <p:nvPr/>
+        </p:nvSpPr>
+        <p:spPr>
+          <a:xfrm>
+            <a:off x="2385959" y="3502160"/>
+            <a:ext cx="2763981" cy="369332"/>
+          </a:xfrm>
+          <a:prstGeom prst="rect">
+            <a:avLst/>
+          </a:prstGeom>
+          <a:noFill/>
+        </p:spPr>
+        <p:txBody>
+          <a:bodyPr wrap="square">
+            <a:spAutoFit/>
+          </a:bodyPr>
+          <a:lstStyle/>
+          <a:p>
+            <a:r>
+              <a:rPr lang="es-MX" dirty="0" err="1"/>
+              <a:t>L.insert</a:t>
+            </a:r>
+            <a:r>
+              <a:rPr lang="es-MX" dirty="0"/>
+              <a:t>(</a:t>
+            </a:r>
+            <a:r>
+              <a:rPr lang="es-MX" dirty="0" err="1"/>
+              <a:t>index</a:t>
+            </a:r>
+            <a:r>
+              <a:rPr lang="es-MX" dirty="0"/>
+              <a:t>, </a:t>
+            </a:r>
+            <a:r>
+              <a:rPr lang="es-MX" dirty="0" err="1"/>
+              <a:t>object</a:t>
+            </a:r>
+            <a:r>
+              <a:rPr lang="es-MX" dirty="0"/>
+              <a:t>) </a:t>
+            </a:r>
+          </a:p>
+        </p:txBody>
+      </p:sp>
+      <p:sp>
+        <p:nvSpPr>
+          <p:cNvPr id="25" name="CuadroTexto 24">
+            <a:extLst>
+              <a:ext uri="{FF2B5EF4-FFF2-40B4-BE49-F238E27FC236}">
+                <a16:creationId xmlns:a16="http://schemas.microsoft.com/office/drawing/2014/main" id="{4CA15DDB-5415-9AFB-C1EF-62571F5FD538}"/>
+              </a:ext>
+            </a:extLst>
+          </p:cNvPr>
+          <p:cNvSpPr txBox="1"/>
+          <p:nvPr/>
+        </p:nvSpPr>
+        <p:spPr>
+          <a:xfrm>
+            <a:off x="7180118" y="3476578"/>
+            <a:ext cx="8229600" cy="307777"/>
+          </a:xfrm>
+          <a:prstGeom prst="rect">
+            <a:avLst/>
+          </a:prstGeom>
+          <a:noFill/>
+        </p:spPr>
+        <p:txBody>
+          <a:bodyPr wrap="square">
+            <a:spAutoFit/>
+          </a:bodyPr>
+          <a:lstStyle/>
+          <a:p>
+            <a:r>
+              <a:rPr lang="es-MX" sz="1400" dirty="0"/>
+              <a:t>Inserta el objeto </a:t>
+            </a:r>
+            <a:r>
+              <a:rPr lang="es-MX" sz="1400" dirty="0" err="1"/>
+              <a:t>object</a:t>
+            </a:r>
+            <a:r>
+              <a:rPr lang="es-MX" sz="1400" dirty="0"/>
+              <a:t> en la posición </a:t>
+            </a:r>
+            <a:r>
+              <a:rPr lang="es-MX" sz="1400" dirty="0" err="1"/>
+              <a:t>index</a:t>
+            </a:r>
+            <a:r>
+              <a:rPr lang="es-MX" sz="1400" dirty="0"/>
+              <a:t>.</a:t>
+            </a:r>
+          </a:p>
+        </p:txBody>
+      </p:sp>
+      <p:sp>
+        <p:nvSpPr>
+          <p:cNvPr id="27" name="CuadroTexto 26">
+            <a:extLst>
+              <a:ext uri="{FF2B5EF4-FFF2-40B4-BE49-F238E27FC236}">
+                <a16:creationId xmlns:a16="http://schemas.microsoft.com/office/drawing/2014/main" id="{EFFE9BBB-2501-2F11-13CD-58903498B5A2}"/>
+              </a:ext>
+            </a:extLst>
+          </p:cNvPr>
+          <p:cNvSpPr txBox="1"/>
+          <p:nvPr/>
+        </p:nvSpPr>
+        <p:spPr>
+          <a:xfrm>
+            <a:off x="2385959" y="4256682"/>
+            <a:ext cx="1558636" cy="369332"/>
+          </a:xfrm>
+          <a:prstGeom prst="rect">
+            <a:avLst/>
+          </a:prstGeom>
+          <a:noFill/>
+        </p:spPr>
+        <p:txBody>
+          <a:bodyPr wrap="square">
+            <a:spAutoFit/>
+          </a:bodyPr>
+          <a:lstStyle/>
+          <a:p>
+            <a:r>
+              <a:rPr lang="es-MX" dirty="0" err="1"/>
+              <a:t>L.pop</a:t>
+            </a:r>
+            <a:r>
+              <a:rPr lang="es-MX" dirty="0"/>
+              <a:t>([</a:t>
+            </a:r>
+            <a:r>
+              <a:rPr lang="es-MX" dirty="0" err="1"/>
+              <a:t>index</a:t>
+            </a:r>
+            <a:r>
+              <a:rPr lang="es-MX" dirty="0"/>
+              <a:t>])</a:t>
+            </a:r>
+          </a:p>
+        </p:txBody>
+      </p:sp>
+      <p:sp>
+        <p:nvSpPr>
+          <p:cNvPr id="29" name="CuadroTexto 28">
+            <a:extLst>
+              <a:ext uri="{FF2B5EF4-FFF2-40B4-BE49-F238E27FC236}">
+                <a16:creationId xmlns:a16="http://schemas.microsoft.com/office/drawing/2014/main" id="{7FC1EDC8-E373-D912-1162-11C7E906DD56}"/>
+              </a:ext>
+            </a:extLst>
+          </p:cNvPr>
+          <p:cNvSpPr txBox="1"/>
+          <p:nvPr/>
+        </p:nvSpPr>
+        <p:spPr>
+          <a:xfrm>
+            <a:off x="7180118" y="4110174"/>
+            <a:ext cx="8229600" cy="523220"/>
+          </a:xfrm>
+          <a:prstGeom prst="rect">
+            <a:avLst/>
+          </a:prstGeom>
+          <a:noFill/>
+        </p:spPr>
+        <p:txBody>
+          <a:bodyPr wrap="square">
+            <a:spAutoFit/>
+          </a:bodyPr>
+          <a:lstStyle/>
+          <a:p>
+            <a:r>
+              <a:rPr lang="es-MX" sz="1400" dirty="0"/>
+              <a:t>Devuelve el valor en la posición </a:t>
+            </a:r>
+            <a:r>
+              <a:rPr lang="es-MX" sz="1400" dirty="0" err="1"/>
+              <a:t>index</a:t>
+            </a:r>
+            <a:r>
+              <a:rPr lang="es-MX" sz="1400" dirty="0"/>
+              <a:t> y lo elimina de la lista. Si no se especifica la posición, se utiliza el último elemento de la lista. </a:t>
+            </a:r>
+          </a:p>
+        </p:txBody>
+      </p:sp>
+      <p:sp>
+        <p:nvSpPr>
+          <p:cNvPr id="31" name="CuadroTexto 30">
+            <a:extLst>
+              <a:ext uri="{FF2B5EF4-FFF2-40B4-BE49-F238E27FC236}">
+                <a16:creationId xmlns:a16="http://schemas.microsoft.com/office/drawing/2014/main" id="{83DB80C2-053F-A35B-36A7-D9CD40EE59DA}"/>
+              </a:ext>
+            </a:extLst>
+          </p:cNvPr>
+          <p:cNvSpPr txBox="1"/>
+          <p:nvPr/>
+        </p:nvSpPr>
+        <p:spPr>
+          <a:xfrm>
+            <a:off x="2336495" y="5011204"/>
+            <a:ext cx="2005445" cy="369332"/>
+          </a:xfrm>
+          <a:prstGeom prst="rect">
+            <a:avLst/>
+          </a:prstGeom>
+          <a:noFill/>
+        </p:spPr>
+        <p:txBody>
+          <a:bodyPr wrap="square">
+            <a:spAutoFit/>
+          </a:bodyPr>
+          <a:lstStyle/>
+          <a:p>
+            <a:r>
+              <a:rPr lang="es-MX" dirty="0" err="1"/>
+              <a:t>L.remove</a:t>
+            </a:r>
+            <a:r>
+              <a:rPr lang="es-MX" dirty="0"/>
+              <a:t>(</a:t>
+            </a:r>
+            <a:r>
+              <a:rPr lang="es-MX" dirty="0" err="1"/>
+              <a:t>value</a:t>
+            </a:r>
+            <a:r>
+              <a:rPr lang="es-MX" dirty="0"/>
+              <a:t>) </a:t>
+            </a:r>
+          </a:p>
+        </p:txBody>
+      </p:sp>
+      <p:sp>
+        <p:nvSpPr>
+          <p:cNvPr id="33" name="CuadroTexto 32">
+            <a:extLst>
+              <a:ext uri="{FF2B5EF4-FFF2-40B4-BE49-F238E27FC236}">
+                <a16:creationId xmlns:a16="http://schemas.microsoft.com/office/drawing/2014/main" id="{5B297A10-F6CC-A86A-9A19-84B9CE9EE111}"/>
+              </a:ext>
+            </a:extLst>
+          </p:cNvPr>
+          <p:cNvSpPr txBox="1"/>
+          <p:nvPr/>
+        </p:nvSpPr>
+        <p:spPr>
+          <a:xfrm>
+            <a:off x="7180118" y="5000777"/>
+            <a:ext cx="8229600" cy="307777"/>
+          </a:xfrm>
+          <a:prstGeom prst="rect">
+            <a:avLst/>
+          </a:prstGeom>
+          <a:noFill/>
+        </p:spPr>
+        <p:txBody>
+          <a:bodyPr wrap="square">
+            <a:spAutoFit/>
+          </a:bodyPr>
+          <a:lstStyle/>
+          <a:p>
+            <a:r>
+              <a:rPr lang="es-MX" sz="1400" dirty="0"/>
+              <a:t>Eliminar la primera ocurrencia de </a:t>
+            </a:r>
+            <a:r>
+              <a:rPr lang="es-MX" sz="1400" dirty="0" err="1"/>
+              <a:t>value</a:t>
+            </a:r>
+            <a:r>
+              <a:rPr lang="es-MX" sz="1400" dirty="0"/>
+              <a:t> en la lista.</a:t>
+            </a:r>
+          </a:p>
+        </p:txBody>
+      </p:sp>
+      <p:sp>
+        <p:nvSpPr>
+          <p:cNvPr id="35" name="CuadroTexto 34">
+            <a:extLst>
+              <a:ext uri="{FF2B5EF4-FFF2-40B4-BE49-F238E27FC236}">
+                <a16:creationId xmlns:a16="http://schemas.microsoft.com/office/drawing/2014/main" id="{F3409CF6-D9E5-B112-3876-8032DEEA4A88}"/>
+              </a:ext>
+            </a:extLst>
+          </p:cNvPr>
+          <p:cNvSpPr txBox="1"/>
+          <p:nvPr/>
+        </p:nvSpPr>
+        <p:spPr>
+          <a:xfrm>
+            <a:off x="2336495" y="5765726"/>
+            <a:ext cx="2221163" cy="369332"/>
+          </a:xfrm>
+          <a:prstGeom prst="rect">
+            <a:avLst/>
+          </a:prstGeom>
+          <a:noFill/>
+        </p:spPr>
+        <p:txBody>
+          <a:bodyPr wrap="square">
+            <a:spAutoFit/>
+          </a:bodyPr>
+          <a:lstStyle/>
+          <a:p>
+            <a:r>
+              <a:rPr lang="es-MX" dirty="0" err="1"/>
+              <a:t>L.reverse</a:t>
+            </a:r>
+            <a:r>
+              <a:rPr lang="es-MX" dirty="0"/>
+              <a:t>()</a:t>
+            </a:r>
+          </a:p>
+        </p:txBody>
+      </p:sp>
+      <p:sp>
+        <p:nvSpPr>
+          <p:cNvPr id="37" name="CuadroTexto 36">
+            <a:extLst>
+              <a:ext uri="{FF2B5EF4-FFF2-40B4-BE49-F238E27FC236}">
+                <a16:creationId xmlns:a16="http://schemas.microsoft.com/office/drawing/2014/main" id="{7F653048-4DA0-C8BA-3CA2-5045D15ED1DC}"/>
+              </a:ext>
+            </a:extLst>
+          </p:cNvPr>
+          <p:cNvSpPr txBox="1"/>
+          <p:nvPr/>
+        </p:nvSpPr>
+        <p:spPr>
+          <a:xfrm>
+            <a:off x="7180118" y="5748674"/>
+            <a:ext cx="8229600" cy="307777"/>
+          </a:xfrm>
+          <a:prstGeom prst="rect">
+            <a:avLst/>
+          </a:prstGeom>
+          <a:noFill/>
+        </p:spPr>
+        <p:txBody>
+          <a:bodyPr wrap="square">
+            <a:spAutoFit/>
+          </a:bodyPr>
+          <a:lstStyle/>
+          <a:p>
+            <a:r>
+              <a:rPr lang="es-MX" sz="1400" dirty="0"/>
+              <a:t>Invierte la lista. Esta función trabaja sobre la propia lista desde la que se invoca el método, no sobre una copia.</a:t>
+            </a:r>
+          </a:p>
+        </p:txBody>
+      </p:sp>
+      <p:sp>
+        <p:nvSpPr>
+          <p:cNvPr id="39" name="CuadroTexto 38">
+            <a:extLst>
+              <a:ext uri="{FF2B5EF4-FFF2-40B4-BE49-F238E27FC236}">
+                <a16:creationId xmlns:a16="http://schemas.microsoft.com/office/drawing/2014/main" id="{A1EFA636-9011-42D5-16D7-40380F94C944}"/>
+              </a:ext>
+            </a:extLst>
+          </p:cNvPr>
+          <p:cNvSpPr txBox="1"/>
+          <p:nvPr/>
+        </p:nvSpPr>
+        <p:spPr>
+          <a:xfrm>
+            <a:off x="2236538" y="6520250"/>
+            <a:ext cx="4714980" cy="369332"/>
+          </a:xfrm>
+          <a:prstGeom prst="rect">
+            <a:avLst/>
+          </a:prstGeom>
+          <a:noFill/>
+        </p:spPr>
+        <p:txBody>
+          <a:bodyPr wrap="square">
+            <a:spAutoFit/>
+          </a:bodyPr>
+          <a:lstStyle/>
+          <a:p>
+            <a:r>
+              <a:rPr lang="en-US" dirty="0" err="1"/>
+              <a:t>L.sort</a:t>
+            </a:r>
+            <a:r>
+              <a:rPr lang="en-US" dirty="0"/>
+              <a:t>(</a:t>
+            </a:r>
+            <a:r>
+              <a:rPr lang="en-US" dirty="0" err="1"/>
+              <a:t>cmp</a:t>
+            </a:r>
+            <a:r>
+              <a:rPr lang="en-US" dirty="0"/>
+              <a:t>=None, key=None, reverse=False)</a:t>
+            </a:r>
+            <a:endParaRPr lang="es-MX" dirty="0"/>
+          </a:p>
+        </p:txBody>
+      </p:sp>
+      <p:sp>
+        <p:nvSpPr>
+          <p:cNvPr id="41" name="CuadroTexto 40">
+            <a:extLst>
+              <a:ext uri="{FF2B5EF4-FFF2-40B4-BE49-F238E27FC236}">
+                <a16:creationId xmlns:a16="http://schemas.microsoft.com/office/drawing/2014/main" id="{BAA61C1E-33D0-2BFF-2484-9DA852BC01D8}"/>
+              </a:ext>
+            </a:extLst>
+          </p:cNvPr>
+          <p:cNvSpPr txBox="1"/>
+          <p:nvPr/>
+        </p:nvSpPr>
+        <p:spPr>
+          <a:xfrm>
+            <a:off x="7180118" y="6351093"/>
+            <a:ext cx="8229600" cy="646331"/>
+          </a:xfrm>
+          <a:prstGeom prst="rect">
+            <a:avLst/>
+          </a:prstGeom>
+          <a:noFill/>
+        </p:spPr>
+        <p:txBody>
+          <a:bodyPr wrap="square">
+            <a:spAutoFit/>
+          </a:bodyPr>
+          <a:lstStyle/>
+          <a:p>
+            <a:r>
+              <a:rPr lang="es-MX" sz="1200" dirty="0"/>
+              <a:t>Ordena la lista. Si se especifica </a:t>
+            </a:r>
+            <a:r>
+              <a:rPr lang="es-MX" sz="1200" dirty="0" err="1"/>
+              <a:t>cmp</a:t>
+            </a:r>
+            <a:r>
+              <a:rPr lang="es-MX" sz="1200" dirty="0"/>
+              <a:t>, este debe ser una función que tome como parámetro dos valores x e y de la lista y devuelva -1 si x es menor que y, 0 si son iguales y 1 si x es mayor que y. El parámetro reverse es un booleano que indica si se debe ordenar la lista de forma inversa, lo que sería equivalente a llamar primero a </a:t>
+            </a:r>
+            <a:r>
+              <a:rPr lang="es-MX" sz="1200" dirty="0" err="1"/>
+              <a:t>L.sort</a:t>
+            </a:r>
+            <a:r>
+              <a:rPr lang="es-MX" sz="1200" dirty="0"/>
+              <a:t>() y después a </a:t>
+            </a:r>
+            <a:r>
+              <a:rPr lang="es-MX" sz="1200" dirty="0" err="1"/>
+              <a:t>L.reverse</a:t>
+            </a:r>
+            <a:r>
+              <a:rPr lang="es-MX" sz="1200" dirty="0"/>
+              <a:t>(). </a:t>
+            </a:r>
+          </a:p>
+        </p:txBody>
+      </p:sp>
+      <p:cxnSp>
+        <p:nvCxnSpPr>
+          <p:cNvPr id="43" name="Conector recto 42">
+            <a:extLst>
+              <a:ext uri="{FF2B5EF4-FFF2-40B4-BE49-F238E27FC236}">
+                <a16:creationId xmlns:a16="http://schemas.microsoft.com/office/drawing/2014/main" id="{80EBA190-104C-6504-10DB-EAF505182A62}"/>
+              </a:ext>
+            </a:extLst>
+          </p:cNvPr>
+          <p:cNvCxnSpPr>
+            <a:cxnSpLocks/>
+          </p:cNvCxnSpPr>
+          <p:nvPr/>
+        </p:nvCxnSpPr>
+        <p:spPr>
+          <a:xfrm>
+            <a:off x="4775867" y="668738"/>
+            <a:ext cx="2357490" cy="0"/>
+          </a:xfrm>
+          <a:prstGeom prst="line">
+            <a:avLst/>
+          </a:prstGeom>
+        </p:spPr>
+        <p:style>
+          <a:lnRef idx="1">
+            <a:schemeClr val="accent1"/>
+          </a:lnRef>
+          <a:fillRef idx="0">
+            <a:schemeClr val="accent1"/>
+          </a:fillRef>
+          <a:effectRef idx="0">
+            <a:schemeClr val="accent1"/>
+          </a:effectRef>
+          <a:fontRef idx="minor">
+            <a:schemeClr val="tx1"/>
+          </a:fontRef>
+        </p:style>
+      </p:cxnSp>
+      <p:cxnSp>
+        <p:nvCxnSpPr>
+          <p:cNvPr id="44" name="Conector recto 43">
+            <a:extLst>
+              <a:ext uri="{FF2B5EF4-FFF2-40B4-BE49-F238E27FC236}">
+                <a16:creationId xmlns:a16="http://schemas.microsoft.com/office/drawing/2014/main" id="{27BA3716-3046-3395-BC1F-AF184A21CE73}"/>
+              </a:ext>
+            </a:extLst>
+          </p:cNvPr>
+          <p:cNvCxnSpPr>
+            <a:cxnSpLocks/>
+          </p:cNvCxnSpPr>
+          <p:nvPr/>
+        </p:nvCxnSpPr>
+        <p:spPr>
+          <a:xfrm>
+            <a:off x="4775867" y="1402734"/>
+            <a:ext cx="2357490" cy="0"/>
+          </a:xfrm>
+          <a:prstGeom prst="line">
+            <a:avLst/>
+          </a:prstGeom>
+        </p:spPr>
+        <p:style>
+          <a:lnRef idx="1">
+            <a:schemeClr val="accent1"/>
+          </a:lnRef>
+          <a:fillRef idx="0">
+            <a:schemeClr val="accent1"/>
+          </a:fillRef>
+          <a:effectRef idx="0">
+            <a:schemeClr val="accent1"/>
+          </a:effectRef>
+          <a:fontRef idx="minor">
+            <a:schemeClr val="tx1"/>
+          </a:fontRef>
+        </p:style>
+      </p:cxnSp>
+      <p:cxnSp>
+        <p:nvCxnSpPr>
+          <p:cNvPr id="45" name="Conector recto 44">
+            <a:extLst>
+              <a:ext uri="{FF2B5EF4-FFF2-40B4-BE49-F238E27FC236}">
+                <a16:creationId xmlns:a16="http://schemas.microsoft.com/office/drawing/2014/main" id="{15688DBE-98A5-8FBF-E1B6-89A87E98F244}"/>
+              </a:ext>
+            </a:extLst>
+          </p:cNvPr>
+          <p:cNvCxnSpPr>
+            <a:cxnSpLocks/>
+          </p:cNvCxnSpPr>
+          <p:nvPr/>
+        </p:nvCxnSpPr>
+        <p:spPr>
+          <a:xfrm>
+            <a:off x="4775867" y="2166893"/>
+            <a:ext cx="2357490" cy="0"/>
+          </a:xfrm>
+          <a:prstGeom prst="line">
+            <a:avLst/>
+          </a:prstGeom>
+        </p:spPr>
+        <p:style>
+          <a:lnRef idx="1">
+            <a:schemeClr val="accent1"/>
+          </a:lnRef>
+          <a:fillRef idx="0">
+            <a:schemeClr val="accent1"/>
+          </a:fillRef>
+          <a:effectRef idx="0">
+            <a:schemeClr val="accent1"/>
+          </a:effectRef>
+          <a:fontRef idx="minor">
+            <a:schemeClr val="tx1"/>
+          </a:fontRef>
+        </p:style>
+      </p:cxnSp>
+      <p:cxnSp>
+        <p:nvCxnSpPr>
+          <p:cNvPr id="46" name="Conector recto 45">
+            <a:extLst>
+              <a:ext uri="{FF2B5EF4-FFF2-40B4-BE49-F238E27FC236}">
+                <a16:creationId xmlns:a16="http://schemas.microsoft.com/office/drawing/2014/main" id="{C6E55184-7EAA-61D6-827C-A845EC869324}"/>
+              </a:ext>
+            </a:extLst>
+          </p:cNvPr>
+          <p:cNvCxnSpPr>
+            <a:cxnSpLocks/>
+          </p:cNvCxnSpPr>
+          <p:nvPr/>
+        </p:nvCxnSpPr>
+        <p:spPr>
+          <a:xfrm>
+            <a:off x="5468594" y="2932560"/>
+            <a:ext cx="1664763" cy="0"/>
+          </a:xfrm>
+          <a:prstGeom prst="line">
+            <a:avLst/>
+          </a:prstGeom>
+        </p:spPr>
+        <p:style>
+          <a:lnRef idx="1">
+            <a:schemeClr val="accent1"/>
+          </a:lnRef>
+          <a:fillRef idx="0">
+            <a:schemeClr val="accent1"/>
+          </a:fillRef>
+          <a:effectRef idx="0">
+            <a:schemeClr val="accent1"/>
+          </a:effectRef>
+          <a:fontRef idx="minor">
+            <a:schemeClr val="tx1"/>
+          </a:fontRef>
+        </p:style>
+      </p:cxnSp>
+      <p:cxnSp>
+        <p:nvCxnSpPr>
+          <p:cNvPr id="48" name="Conector recto 47">
+            <a:extLst>
+              <a:ext uri="{FF2B5EF4-FFF2-40B4-BE49-F238E27FC236}">
+                <a16:creationId xmlns:a16="http://schemas.microsoft.com/office/drawing/2014/main" id="{83AA4BE4-85C6-F44C-4E7A-FB211B785D01}"/>
+              </a:ext>
+            </a:extLst>
+          </p:cNvPr>
+          <p:cNvCxnSpPr>
+            <a:cxnSpLocks/>
+          </p:cNvCxnSpPr>
+          <p:nvPr/>
+        </p:nvCxnSpPr>
+        <p:spPr>
+          <a:xfrm>
+            <a:off x="4775867" y="3686826"/>
+            <a:ext cx="2357490" cy="0"/>
+          </a:xfrm>
+          <a:prstGeom prst="line">
+            <a:avLst/>
+          </a:prstGeom>
+        </p:spPr>
+        <p:style>
+          <a:lnRef idx="1">
+            <a:schemeClr val="accent1"/>
+          </a:lnRef>
+          <a:fillRef idx="0">
+            <a:schemeClr val="accent1"/>
+          </a:fillRef>
+          <a:effectRef idx="0">
+            <a:schemeClr val="accent1"/>
+          </a:effectRef>
+          <a:fontRef idx="minor">
+            <a:schemeClr val="tx1"/>
+          </a:fontRef>
+        </p:style>
+      </p:cxnSp>
+      <p:cxnSp>
+        <p:nvCxnSpPr>
+          <p:cNvPr id="49" name="Conector recto 48">
+            <a:extLst>
+              <a:ext uri="{FF2B5EF4-FFF2-40B4-BE49-F238E27FC236}">
+                <a16:creationId xmlns:a16="http://schemas.microsoft.com/office/drawing/2014/main" id="{D355B65B-A41E-FDD0-7A3A-D409C5991090}"/>
+              </a:ext>
+            </a:extLst>
+          </p:cNvPr>
+          <p:cNvCxnSpPr>
+            <a:cxnSpLocks/>
+          </p:cNvCxnSpPr>
+          <p:nvPr/>
+        </p:nvCxnSpPr>
+        <p:spPr>
+          <a:xfrm>
+            <a:off x="4399575" y="4441604"/>
+            <a:ext cx="2733782" cy="0"/>
+          </a:xfrm>
+          <a:prstGeom prst="line">
+            <a:avLst/>
+          </a:prstGeom>
+        </p:spPr>
+        <p:style>
+          <a:lnRef idx="1">
+            <a:schemeClr val="accent1"/>
+          </a:lnRef>
+          <a:fillRef idx="0">
+            <a:schemeClr val="accent1"/>
+          </a:fillRef>
+          <a:effectRef idx="0">
+            <a:schemeClr val="accent1"/>
+          </a:effectRef>
+          <a:fontRef idx="minor">
+            <a:schemeClr val="tx1"/>
+          </a:fontRef>
+        </p:style>
+      </p:cxnSp>
+      <p:cxnSp>
+        <p:nvCxnSpPr>
+          <p:cNvPr id="51" name="Conector recto 50">
+            <a:extLst>
+              <a:ext uri="{FF2B5EF4-FFF2-40B4-BE49-F238E27FC236}">
+                <a16:creationId xmlns:a16="http://schemas.microsoft.com/office/drawing/2014/main" id="{3A05FCD4-F453-6B77-2D36-9399BBC7846F}"/>
+              </a:ext>
+            </a:extLst>
+          </p:cNvPr>
+          <p:cNvCxnSpPr>
+            <a:cxnSpLocks/>
+          </p:cNvCxnSpPr>
+          <p:nvPr/>
+        </p:nvCxnSpPr>
+        <p:spPr>
+          <a:xfrm>
+            <a:off x="4449176" y="5196126"/>
+            <a:ext cx="2684181" cy="0"/>
+          </a:xfrm>
+          <a:prstGeom prst="line">
+            <a:avLst/>
+          </a:prstGeom>
+        </p:spPr>
+        <p:style>
+          <a:lnRef idx="1">
+            <a:schemeClr val="accent1"/>
+          </a:lnRef>
+          <a:fillRef idx="0">
+            <a:schemeClr val="accent1"/>
+          </a:fillRef>
+          <a:effectRef idx="0">
+            <a:schemeClr val="accent1"/>
+          </a:effectRef>
+          <a:fontRef idx="minor">
+            <a:schemeClr val="tx1"/>
+          </a:fontRef>
+        </p:style>
+      </p:cxnSp>
+      <p:cxnSp>
+        <p:nvCxnSpPr>
+          <p:cNvPr id="53" name="Conector recto 52">
+            <a:extLst>
+              <a:ext uri="{FF2B5EF4-FFF2-40B4-BE49-F238E27FC236}">
+                <a16:creationId xmlns:a16="http://schemas.microsoft.com/office/drawing/2014/main" id="{4C6FEFFB-4DB3-6C6C-8A64-A2DD353A8E89}"/>
+              </a:ext>
+            </a:extLst>
+          </p:cNvPr>
+          <p:cNvCxnSpPr>
+            <a:cxnSpLocks/>
+          </p:cNvCxnSpPr>
+          <p:nvPr/>
+        </p:nvCxnSpPr>
+        <p:spPr>
+          <a:xfrm>
+            <a:off x="4017372" y="5983714"/>
+            <a:ext cx="3115985" cy="0"/>
+          </a:xfrm>
+          <a:prstGeom prst="line">
+            <a:avLst/>
+          </a:prstGeom>
+        </p:spPr>
+        <p:style>
+          <a:lnRef idx="1">
+            <a:schemeClr val="accent1"/>
+          </a:lnRef>
+          <a:fillRef idx="0">
+            <a:schemeClr val="accent1"/>
+          </a:fillRef>
+          <a:effectRef idx="0">
+            <a:schemeClr val="accent1"/>
+          </a:effectRef>
+          <a:fontRef idx="minor">
+            <a:schemeClr val="tx1"/>
+          </a:fontRef>
+        </p:style>
+      </p:cxnSp>
+      <p:cxnSp>
+        <p:nvCxnSpPr>
+          <p:cNvPr id="55" name="Conector recto 54">
+            <a:extLst>
+              <a:ext uri="{FF2B5EF4-FFF2-40B4-BE49-F238E27FC236}">
+                <a16:creationId xmlns:a16="http://schemas.microsoft.com/office/drawing/2014/main" id="{163922AE-5E23-EFA2-684B-E63E84B537DA}"/>
+              </a:ext>
+            </a:extLst>
+          </p:cNvPr>
+          <p:cNvCxnSpPr>
+            <a:cxnSpLocks/>
+          </p:cNvCxnSpPr>
+          <p:nvPr/>
+        </p:nvCxnSpPr>
+        <p:spPr>
+          <a:xfrm>
+            <a:off x="6747783" y="6704916"/>
+            <a:ext cx="385574" cy="0"/>
+          </a:xfrm>
+          <a:prstGeom prst="line">
+            <a:avLst/>
+          </a:prstGeom>
+        </p:spPr>
+        <p:style>
+          <a:lnRef idx="1">
+            <a:schemeClr val="accent1"/>
+          </a:lnRef>
+          <a:fillRef idx="0">
+            <a:schemeClr val="accent1"/>
+          </a:fillRef>
+          <a:effectRef idx="0">
+            <a:schemeClr val="accent1"/>
+          </a:effectRef>
+          <a:fontRef idx="minor">
+            <a:schemeClr val="tx1"/>
+          </a:fontRef>
+        </p:style>
+      </p:cxnSp>
     </p:spTree>
     <p:extLst>
       <p:ext uri="{BB962C8B-B14F-4D97-AF65-F5344CB8AC3E}">
-        <p14:creationId xmlns:p14="http://schemas.microsoft.com/office/powerpoint/2010/main" val="2106825178"/>
+        <p14:creationId xmlns:p14="http://schemas.microsoft.com/office/powerpoint/2010/main" val="3400914538"/>
       </p:ext>
     </p:extLst>
   </p:cSld>
@@ -11732,6 +14802,5444 @@
     <p:extLst>
       <p:ext uri="{BB962C8B-B14F-4D97-AF65-F5344CB8AC3E}">
         <p14:creationId xmlns:p14="http://schemas.microsoft.com/office/powerpoint/2010/main" val="1835986533"/>
+      </p:ext>
+    </p:extLst>
+  </p:cSld>
+  <p:clrMapOvr>
+    <a:masterClrMapping/>
+  </p:clrMapOvr>
+</p:sld>
+</file>
+
+<file path=ppt/slides/slide20.xml><?xml version="1.0" encoding="utf-8"?>
+<p:sld xmlns:a="http://schemas.openxmlformats.org/drawingml/2006/main" xmlns:r="http://schemas.openxmlformats.org/officeDocument/2006/relationships" xmlns:p="http://schemas.openxmlformats.org/presentationml/2006/main">
+  <p:cSld>
+    <p:spTree>
+      <p:nvGrpSpPr>
+        <p:cNvPr id="1" name=""/>
+        <p:cNvGrpSpPr/>
+        <p:nvPr/>
+      </p:nvGrpSpPr>
+      <p:grpSpPr>
+        <a:xfrm>
+          <a:off x="0" y="0"/>
+          <a:ext cx="0" cy="0"/>
+          <a:chOff x="0" y="0"/>
+          <a:chExt cx="0" cy="0"/>
+        </a:xfrm>
+      </p:grpSpPr>
+      <p:sp>
+        <p:nvSpPr>
+          <p:cNvPr id="17" name="Marcador de número de diapositiva 19">
+            <a:extLst>
+              <a:ext uri="{FF2B5EF4-FFF2-40B4-BE49-F238E27FC236}">
+                <a16:creationId xmlns:a16="http://schemas.microsoft.com/office/drawing/2014/main" id="{5C929FC2-CE12-1BD5-686A-E2CB55C0B797}"/>
+              </a:ext>
+            </a:extLst>
+          </p:cNvPr>
+          <p:cNvSpPr>
+            <a:spLocks noGrp="1"/>
+          </p:cNvSpPr>
+          <p:nvPr>
+            <p:ph type="sldNum" sz="quarter" idx="12"/>
+          </p:nvPr>
+        </p:nvSpPr>
+        <p:spPr>
+          <a:xfrm>
+            <a:off x="0" y="0"/>
+            <a:ext cx="568411" cy="620925"/>
+          </a:xfrm>
+          <a:solidFill>
+            <a:schemeClr val="accent1">
+              <a:lumMod val="75000"/>
+            </a:schemeClr>
+          </a:solidFill>
+        </p:spPr>
+        <p:txBody>
+          <a:bodyPr numCol="1"/>
+          <a:lstStyle/>
+          <a:p>
+            <a:pPr algn="ctr"/>
+            <a:fld id="{FE569E57-A1D0-47AE-A3E4-85DA6C503064}" type="slidenum">
+              <a:rPr lang="es-MX" sz="2800" smtClean="0"/>
+              <a:pPr algn="ctr"/>
+              <a:t>20</a:t>
+            </a:fld>
+            <a:endParaRPr lang="es-MX" sz="2800" dirty="0"/>
+          </a:p>
+        </p:txBody>
+      </p:sp>
+      <p:sp>
+        <p:nvSpPr>
+          <p:cNvPr id="2" name="Título 1">
+            <a:extLst>
+              <a:ext uri="{FF2B5EF4-FFF2-40B4-BE49-F238E27FC236}">
+                <a16:creationId xmlns:a16="http://schemas.microsoft.com/office/drawing/2014/main" id="{6F55C69E-1BF1-41EF-B645-FF25DE892C1C}"/>
+              </a:ext>
+            </a:extLst>
+          </p:cNvPr>
+          <p:cNvSpPr txBox="1">
+            <a:spLocks/>
+          </p:cNvSpPr>
+          <p:nvPr/>
+        </p:nvSpPr>
+        <p:spPr>
+          <a:xfrm rot="16200000">
+            <a:off x="-2769333" y="2914868"/>
+            <a:ext cx="6401774" cy="788616"/>
+          </a:xfrm>
+          <a:prstGeom prst="rect">
+            <a:avLst/>
+          </a:prstGeom>
+        </p:spPr>
+        <p:txBody>
+          <a:bodyPr vert="horz" lIns="91440" tIns="45720" rIns="91440" bIns="45720" rtlCol="0" anchor="t">
+            <a:noAutofit/>
+          </a:bodyPr>
+          <a:lstStyle>
+            <a:lvl1pPr algn="l" defTabSz="479969" rtl="0" eaLnBrk="1" latinLnBrk="0" hangingPunct="1">
+              <a:spcBef>
+                <a:spcPct val="0"/>
+              </a:spcBef>
+              <a:buNone/>
+              <a:defRPr sz="4409" b="0" i="0" kern="1200">
+                <a:solidFill>
+                  <a:schemeClr val="tx2"/>
+                </a:solidFill>
+                <a:latin typeface="+mj-lt"/>
+                <a:ea typeface="+mj-ea"/>
+                <a:cs typeface="+mj-cs"/>
+              </a:defRPr>
+            </a:lvl1pPr>
+            <a:lvl2pPr eaLnBrk="1" hangingPunct="1">
+              <a:defRPr>
+                <a:solidFill>
+                  <a:schemeClr val="tx2"/>
+                </a:solidFill>
+              </a:defRPr>
+            </a:lvl2pPr>
+            <a:lvl3pPr eaLnBrk="1" hangingPunct="1">
+              <a:defRPr>
+                <a:solidFill>
+                  <a:schemeClr val="tx2"/>
+                </a:solidFill>
+              </a:defRPr>
+            </a:lvl3pPr>
+            <a:lvl4pPr eaLnBrk="1" hangingPunct="1">
+              <a:defRPr>
+                <a:solidFill>
+                  <a:schemeClr val="tx2"/>
+                </a:solidFill>
+              </a:defRPr>
+            </a:lvl4pPr>
+            <a:lvl5pPr eaLnBrk="1" hangingPunct="1">
+              <a:defRPr>
+                <a:solidFill>
+                  <a:schemeClr val="tx2"/>
+                </a:solidFill>
+              </a:defRPr>
+            </a:lvl5pPr>
+            <a:lvl6pPr eaLnBrk="1" hangingPunct="1">
+              <a:defRPr>
+                <a:solidFill>
+                  <a:schemeClr val="tx2"/>
+                </a:solidFill>
+              </a:defRPr>
+            </a:lvl6pPr>
+            <a:lvl7pPr eaLnBrk="1" hangingPunct="1">
+              <a:defRPr>
+                <a:solidFill>
+                  <a:schemeClr val="tx2"/>
+                </a:solidFill>
+              </a:defRPr>
+            </a:lvl7pPr>
+            <a:lvl8pPr eaLnBrk="1" hangingPunct="1">
+              <a:defRPr>
+                <a:solidFill>
+                  <a:schemeClr val="tx2"/>
+                </a:solidFill>
+              </a:defRPr>
+            </a:lvl8pPr>
+            <a:lvl9pPr eaLnBrk="1" hangingPunct="1">
+              <a:defRPr>
+                <a:solidFill>
+                  <a:schemeClr val="tx2"/>
+                </a:solidFill>
+              </a:defRPr>
+            </a:lvl9pPr>
+          </a:lstStyle>
+          <a:p>
+            <a:pPr algn="ctr"/>
+            <a:r>
+              <a:rPr lang="es-MX" sz="3600" dirty="0"/>
+              <a:t>Métodos de los Objetos.</a:t>
+            </a:r>
+          </a:p>
+        </p:txBody>
+      </p:sp>
+      <p:sp>
+        <p:nvSpPr>
+          <p:cNvPr id="4" name="CuadroTexto 3">
+            <a:extLst>
+              <a:ext uri="{FF2B5EF4-FFF2-40B4-BE49-F238E27FC236}">
+                <a16:creationId xmlns:a16="http://schemas.microsoft.com/office/drawing/2014/main" id="{807969D9-032D-131E-667F-C827C1BEBFB0}"/>
+              </a:ext>
+            </a:extLst>
+          </p:cNvPr>
+          <p:cNvSpPr txBox="1"/>
+          <p:nvPr/>
+        </p:nvSpPr>
+        <p:spPr>
+          <a:xfrm>
+            <a:off x="825863" y="125796"/>
+            <a:ext cx="8229600" cy="369332"/>
+          </a:xfrm>
+          <a:prstGeom prst="rect">
+            <a:avLst/>
+          </a:prstGeom>
+          <a:noFill/>
+        </p:spPr>
+        <p:txBody>
+          <a:bodyPr wrap="square">
+            <a:spAutoFit/>
+          </a:bodyPr>
+          <a:lstStyle/>
+          <a:p>
+            <a:r>
+              <a:rPr lang="es-MX" dirty="0"/>
+              <a:t>Diccionarios</a:t>
+            </a:r>
+          </a:p>
+        </p:txBody>
+      </p:sp>
+      <p:sp>
+        <p:nvSpPr>
+          <p:cNvPr id="6" name="CuadroTexto 5">
+            <a:extLst>
+              <a:ext uri="{FF2B5EF4-FFF2-40B4-BE49-F238E27FC236}">
+                <a16:creationId xmlns:a16="http://schemas.microsoft.com/office/drawing/2014/main" id="{CD9FBEE2-D2D2-8C2B-751A-493C0F003CE2}"/>
+              </a:ext>
+            </a:extLst>
+          </p:cNvPr>
+          <p:cNvSpPr txBox="1"/>
+          <p:nvPr/>
+        </p:nvSpPr>
+        <p:spPr>
+          <a:xfrm>
+            <a:off x="3335267" y="1638939"/>
+            <a:ext cx="1449746" cy="369332"/>
+          </a:xfrm>
+          <a:prstGeom prst="rect">
+            <a:avLst/>
+          </a:prstGeom>
+          <a:noFill/>
+        </p:spPr>
+        <p:txBody>
+          <a:bodyPr wrap="square">
+            <a:spAutoFit/>
+          </a:bodyPr>
+          <a:lstStyle/>
+          <a:p>
+            <a:r>
+              <a:rPr lang="es-MX" dirty="0" err="1"/>
+              <a:t>D.get</a:t>
+            </a:r>
+            <a:r>
+              <a:rPr lang="es-MX" dirty="0"/>
+              <a:t>(k[, d])</a:t>
+            </a:r>
+          </a:p>
+        </p:txBody>
+      </p:sp>
+      <p:sp>
+        <p:nvSpPr>
+          <p:cNvPr id="8" name="CuadroTexto 7">
+            <a:extLst>
+              <a:ext uri="{FF2B5EF4-FFF2-40B4-BE49-F238E27FC236}">
+                <a16:creationId xmlns:a16="http://schemas.microsoft.com/office/drawing/2014/main" id="{7B7AF3F1-170A-4BC3-EACD-F7747FCB0665}"/>
+              </a:ext>
+            </a:extLst>
+          </p:cNvPr>
+          <p:cNvSpPr txBox="1"/>
+          <p:nvPr/>
+        </p:nvSpPr>
+        <p:spPr>
+          <a:xfrm>
+            <a:off x="6078682" y="1408106"/>
+            <a:ext cx="8229600" cy="738664"/>
+          </a:xfrm>
+          <a:prstGeom prst="rect">
+            <a:avLst/>
+          </a:prstGeom>
+          <a:noFill/>
+        </p:spPr>
+        <p:txBody>
+          <a:bodyPr wrap="square">
+            <a:spAutoFit/>
+          </a:bodyPr>
+          <a:lstStyle/>
+          <a:p>
+            <a:r>
+              <a:rPr lang="es-MX" sz="1400" dirty="0"/>
+              <a:t>Busca el valor de la clave k en el diccionario. Es equivalente a utilizar D[k] pero al utilizar este método podemos indicar un valor a devolver por defecto si no se encuentra la clave, mientras que con la sintaxis D[k], de no existir la clave se lanzaría una excepción.</a:t>
+            </a:r>
+          </a:p>
+        </p:txBody>
+      </p:sp>
+      <p:sp>
+        <p:nvSpPr>
+          <p:cNvPr id="10" name="CuadroTexto 9">
+            <a:extLst>
+              <a:ext uri="{FF2B5EF4-FFF2-40B4-BE49-F238E27FC236}">
+                <a16:creationId xmlns:a16="http://schemas.microsoft.com/office/drawing/2014/main" id="{D95D4E61-24C4-F962-AB7B-2FC466290413}"/>
+              </a:ext>
+            </a:extLst>
+          </p:cNvPr>
+          <p:cNvSpPr txBox="1"/>
+          <p:nvPr/>
+        </p:nvSpPr>
+        <p:spPr>
+          <a:xfrm>
+            <a:off x="3309289" y="2509849"/>
+            <a:ext cx="1574437" cy="369332"/>
+          </a:xfrm>
+          <a:prstGeom prst="rect">
+            <a:avLst/>
+          </a:prstGeom>
+          <a:noFill/>
+        </p:spPr>
+        <p:txBody>
+          <a:bodyPr wrap="square">
+            <a:spAutoFit/>
+          </a:bodyPr>
+          <a:lstStyle/>
+          <a:p>
+            <a:r>
+              <a:rPr lang="es-MX" dirty="0" err="1"/>
+              <a:t>D.has_key</a:t>
+            </a:r>
+            <a:r>
+              <a:rPr lang="es-MX" dirty="0"/>
+              <a:t>(k)</a:t>
+            </a:r>
+          </a:p>
+        </p:txBody>
+      </p:sp>
+      <p:sp>
+        <p:nvSpPr>
+          <p:cNvPr id="12" name="CuadroTexto 11">
+            <a:extLst>
+              <a:ext uri="{FF2B5EF4-FFF2-40B4-BE49-F238E27FC236}">
+                <a16:creationId xmlns:a16="http://schemas.microsoft.com/office/drawing/2014/main" id="{3657F0D1-321E-A240-7B2E-F523593BBBE4}"/>
+              </a:ext>
+            </a:extLst>
+          </p:cNvPr>
+          <p:cNvSpPr txBox="1"/>
+          <p:nvPr/>
+        </p:nvSpPr>
+        <p:spPr>
+          <a:xfrm>
+            <a:off x="6078682" y="2594390"/>
+            <a:ext cx="8229600" cy="307777"/>
+          </a:xfrm>
+          <a:prstGeom prst="rect">
+            <a:avLst/>
+          </a:prstGeom>
+          <a:noFill/>
+        </p:spPr>
+        <p:txBody>
+          <a:bodyPr wrap="square">
+            <a:spAutoFit/>
+          </a:bodyPr>
+          <a:lstStyle/>
+          <a:p>
+            <a:r>
+              <a:rPr lang="es-MX" sz="1400" dirty="0"/>
+              <a:t>Comprueba si el diccionario tiene la clave k. Es equivalente a la sintaxis k in D.</a:t>
+            </a:r>
+          </a:p>
+        </p:txBody>
+      </p:sp>
+      <p:sp>
+        <p:nvSpPr>
+          <p:cNvPr id="14" name="CuadroTexto 13">
+            <a:extLst>
+              <a:ext uri="{FF2B5EF4-FFF2-40B4-BE49-F238E27FC236}">
+                <a16:creationId xmlns:a16="http://schemas.microsoft.com/office/drawing/2014/main" id="{1CF9D8C7-C1D7-5A41-EBC2-89CF20DEE118}"/>
+              </a:ext>
+            </a:extLst>
+          </p:cNvPr>
+          <p:cNvSpPr txBox="1"/>
+          <p:nvPr/>
+        </p:nvSpPr>
+        <p:spPr>
+          <a:xfrm>
+            <a:off x="3335267" y="3380760"/>
+            <a:ext cx="1449746" cy="369332"/>
+          </a:xfrm>
+          <a:prstGeom prst="rect">
+            <a:avLst/>
+          </a:prstGeom>
+          <a:noFill/>
+        </p:spPr>
+        <p:txBody>
+          <a:bodyPr wrap="square">
+            <a:spAutoFit/>
+          </a:bodyPr>
+          <a:lstStyle/>
+          <a:p>
+            <a:r>
+              <a:rPr lang="es-MX" dirty="0" err="1"/>
+              <a:t>D.items</a:t>
+            </a:r>
+            <a:r>
+              <a:rPr lang="es-MX" dirty="0"/>
+              <a:t>()</a:t>
+            </a:r>
+          </a:p>
+        </p:txBody>
+      </p:sp>
+      <p:sp>
+        <p:nvSpPr>
+          <p:cNvPr id="16" name="CuadroTexto 15">
+            <a:extLst>
+              <a:ext uri="{FF2B5EF4-FFF2-40B4-BE49-F238E27FC236}">
+                <a16:creationId xmlns:a16="http://schemas.microsoft.com/office/drawing/2014/main" id="{766C536B-D87D-501C-3E3B-231C5C252669}"/>
+              </a:ext>
+            </a:extLst>
+          </p:cNvPr>
+          <p:cNvSpPr txBox="1"/>
+          <p:nvPr/>
+        </p:nvSpPr>
+        <p:spPr>
+          <a:xfrm>
+            <a:off x="6078682" y="3411341"/>
+            <a:ext cx="8229600" cy="307777"/>
+          </a:xfrm>
+          <a:prstGeom prst="rect">
+            <a:avLst/>
+          </a:prstGeom>
+          <a:noFill/>
+        </p:spPr>
+        <p:txBody>
+          <a:bodyPr wrap="square">
+            <a:spAutoFit/>
+          </a:bodyPr>
+          <a:lstStyle/>
+          <a:p>
+            <a:r>
+              <a:rPr lang="es-MX" sz="1400" dirty="0"/>
+              <a:t>Devuelve una lista de tuplas con pares clave-valor. </a:t>
+            </a:r>
+            <a:r>
+              <a:rPr lang="es-MX" sz="1400" dirty="0" err="1"/>
+              <a:t>D.keys</a:t>
+            </a:r>
+            <a:r>
+              <a:rPr lang="es-MX" sz="1400" dirty="0"/>
+              <a:t>() Devuelve una lista de las claves del diccionario. </a:t>
+            </a:r>
+          </a:p>
+        </p:txBody>
+      </p:sp>
+      <p:sp>
+        <p:nvSpPr>
+          <p:cNvPr id="19" name="CuadroTexto 18">
+            <a:extLst>
+              <a:ext uri="{FF2B5EF4-FFF2-40B4-BE49-F238E27FC236}">
+                <a16:creationId xmlns:a16="http://schemas.microsoft.com/office/drawing/2014/main" id="{7891BC00-42E5-15D9-787C-A30DCB59A728}"/>
+              </a:ext>
+            </a:extLst>
+          </p:cNvPr>
+          <p:cNvSpPr txBox="1"/>
+          <p:nvPr/>
+        </p:nvSpPr>
+        <p:spPr>
+          <a:xfrm>
+            <a:off x="3335267" y="4487856"/>
+            <a:ext cx="1449746" cy="369332"/>
+          </a:xfrm>
+          <a:prstGeom prst="rect">
+            <a:avLst/>
+          </a:prstGeom>
+          <a:noFill/>
+        </p:spPr>
+        <p:txBody>
+          <a:bodyPr wrap="square">
+            <a:spAutoFit/>
+          </a:bodyPr>
+          <a:lstStyle/>
+          <a:p>
+            <a:r>
+              <a:rPr lang="es-MX" dirty="0" err="1"/>
+              <a:t>D.pop</a:t>
+            </a:r>
+            <a:r>
+              <a:rPr lang="es-MX" dirty="0"/>
+              <a:t>(k[, d])</a:t>
+            </a:r>
+          </a:p>
+        </p:txBody>
+      </p:sp>
+      <p:sp>
+        <p:nvSpPr>
+          <p:cNvPr id="21" name="CuadroTexto 20">
+            <a:extLst>
+              <a:ext uri="{FF2B5EF4-FFF2-40B4-BE49-F238E27FC236}">
+                <a16:creationId xmlns:a16="http://schemas.microsoft.com/office/drawing/2014/main" id="{6978D371-1DDB-2B18-A18C-00FCFC2CCBC2}"/>
+              </a:ext>
+            </a:extLst>
+          </p:cNvPr>
+          <p:cNvSpPr txBox="1"/>
+          <p:nvPr/>
+        </p:nvSpPr>
+        <p:spPr>
+          <a:xfrm>
+            <a:off x="6078682" y="4395523"/>
+            <a:ext cx="8229600" cy="523220"/>
+          </a:xfrm>
+          <a:prstGeom prst="rect">
+            <a:avLst/>
+          </a:prstGeom>
+          <a:noFill/>
+        </p:spPr>
+        <p:txBody>
+          <a:bodyPr wrap="square">
+            <a:spAutoFit/>
+          </a:bodyPr>
+          <a:lstStyle/>
+          <a:p>
+            <a:r>
+              <a:rPr lang="es-MX" sz="1400" dirty="0"/>
+              <a:t>Borra la clave k del diccionario y devuelve su valor. Si no se encuentra dicha clave se devuelve d si se especificó el parámetro o bien se lanza una </a:t>
+            </a:r>
+            <a:r>
+              <a:rPr lang="es-MX" sz="1400" dirty="0" err="1"/>
+              <a:t>excepción.D.values</a:t>
+            </a:r>
+            <a:r>
+              <a:rPr lang="es-MX" sz="1400" dirty="0"/>
+              <a:t>() Devuelve una lista de los valores del diccionario.</a:t>
+            </a:r>
+          </a:p>
+        </p:txBody>
+      </p:sp>
+      <p:cxnSp>
+        <p:nvCxnSpPr>
+          <p:cNvPr id="23" name="Conector recto 22">
+            <a:extLst>
+              <a:ext uri="{FF2B5EF4-FFF2-40B4-BE49-F238E27FC236}">
+                <a16:creationId xmlns:a16="http://schemas.microsoft.com/office/drawing/2014/main" id="{4E18E1F8-EA61-C03A-B2F8-794D7C1B9BDB}"/>
+              </a:ext>
+            </a:extLst>
+          </p:cNvPr>
+          <p:cNvCxnSpPr/>
+          <p:nvPr/>
+        </p:nvCxnSpPr>
+        <p:spPr>
+          <a:xfrm>
+            <a:off x="4946072" y="1808019"/>
+            <a:ext cx="810492" cy="0"/>
+          </a:xfrm>
+          <a:prstGeom prst="line">
+            <a:avLst/>
+          </a:prstGeom>
+        </p:spPr>
+        <p:style>
+          <a:lnRef idx="1">
+            <a:schemeClr val="accent1"/>
+          </a:lnRef>
+          <a:fillRef idx="0">
+            <a:schemeClr val="accent1"/>
+          </a:fillRef>
+          <a:effectRef idx="0">
+            <a:schemeClr val="accent1"/>
+          </a:effectRef>
+          <a:fontRef idx="minor">
+            <a:schemeClr val="tx1"/>
+          </a:fontRef>
+        </p:style>
+      </p:cxnSp>
+      <p:cxnSp>
+        <p:nvCxnSpPr>
+          <p:cNvPr id="24" name="Conector recto 23">
+            <a:extLst>
+              <a:ext uri="{FF2B5EF4-FFF2-40B4-BE49-F238E27FC236}">
+                <a16:creationId xmlns:a16="http://schemas.microsoft.com/office/drawing/2014/main" id="{E1A5FBB0-E67D-B68F-00D5-C02DF21996D0}"/>
+              </a:ext>
+            </a:extLst>
+          </p:cNvPr>
+          <p:cNvCxnSpPr/>
+          <p:nvPr/>
+        </p:nvCxnSpPr>
+        <p:spPr>
+          <a:xfrm>
+            <a:off x="4946072" y="2739737"/>
+            <a:ext cx="810492" cy="0"/>
+          </a:xfrm>
+          <a:prstGeom prst="line">
+            <a:avLst/>
+          </a:prstGeom>
+        </p:spPr>
+        <p:style>
+          <a:lnRef idx="1">
+            <a:schemeClr val="accent1"/>
+          </a:lnRef>
+          <a:fillRef idx="0">
+            <a:schemeClr val="accent1"/>
+          </a:fillRef>
+          <a:effectRef idx="0">
+            <a:schemeClr val="accent1"/>
+          </a:effectRef>
+          <a:fontRef idx="minor">
+            <a:schemeClr val="tx1"/>
+          </a:fontRef>
+        </p:style>
+      </p:cxnSp>
+      <p:cxnSp>
+        <p:nvCxnSpPr>
+          <p:cNvPr id="25" name="Conector recto 24">
+            <a:extLst>
+              <a:ext uri="{FF2B5EF4-FFF2-40B4-BE49-F238E27FC236}">
+                <a16:creationId xmlns:a16="http://schemas.microsoft.com/office/drawing/2014/main" id="{B5F13A68-C9CE-8A99-75D1-0C0C9BC0112F}"/>
+              </a:ext>
+            </a:extLst>
+          </p:cNvPr>
+          <p:cNvCxnSpPr/>
+          <p:nvPr/>
+        </p:nvCxnSpPr>
+        <p:spPr>
+          <a:xfrm>
+            <a:off x="4946072" y="3549841"/>
+            <a:ext cx="810492" cy="0"/>
+          </a:xfrm>
+          <a:prstGeom prst="line">
+            <a:avLst/>
+          </a:prstGeom>
+        </p:spPr>
+        <p:style>
+          <a:lnRef idx="1">
+            <a:schemeClr val="accent1"/>
+          </a:lnRef>
+          <a:fillRef idx="0">
+            <a:schemeClr val="accent1"/>
+          </a:fillRef>
+          <a:effectRef idx="0">
+            <a:schemeClr val="accent1"/>
+          </a:effectRef>
+          <a:fontRef idx="minor">
+            <a:schemeClr val="tx1"/>
+          </a:fontRef>
+        </p:style>
+      </p:cxnSp>
+      <p:cxnSp>
+        <p:nvCxnSpPr>
+          <p:cNvPr id="26" name="Conector recto 25">
+            <a:extLst>
+              <a:ext uri="{FF2B5EF4-FFF2-40B4-BE49-F238E27FC236}">
+                <a16:creationId xmlns:a16="http://schemas.microsoft.com/office/drawing/2014/main" id="{2F715518-1BAE-1887-B5D7-BD2FD325DAC1}"/>
+              </a:ext>
+            </a:extLst>
+          </p:cNvPr>
+          <p:cNvCxnSpPr/>
+          <p:nvPr/>
+        </p:nvCxnSpPr>
+        <p:spPr>
+          <a:xfrm>
+            <a:off x="4946072" y="4662055"/>
+            <a:ext cx="810492" cy="0"/>
+          </a:xfrm>
+          <a:prstGeom prst="line">
+            <a:avLst/>
+          </a:prstGeom>
+        </p:spPr>
+        <p:style>
+          <a:lnRef idx="1">
+            <a:schemeClr val="accent1"/>
+          </a:lnRef>
+          <a:fillRef idx="0">
+            <a:schemeClr val="accent1"/>
+          </a:fillRef>
+          <a:effectRef idx="0">
+            <a:schemeClr val="accent1"/>
+          </a:effectRef>
+          <a:fontRef idx="minor">
+            <a:schemeClr val="tx1"/>
+          </a:fontRef>
+        </p:style>
+      </p:cxnSp>
+    </p:spTree>
+    <p:extLst>
+      <p:ext uri="{BB962C8B-B14F-4D97-AF65-F5344CB8AC3E}">
+        <p14:creationId xmlns:p14="http://schemas.microsoft.com/office/powerpoint/2010/main" val="1342259041"/>
+      </p:ext>
+    </p:extLst>
+  </p:cSld>
+  <p:clrMapOvr>
+    <a:masterClrMapping/>
+  </p:clrMapOvr>
+</p:sld>
+</file>
+
+<file path=ppt/slides/slide21.xml><?xml version="1.0" encoding="utf-8"?>
+<p:sld xmlns:a="http://schemas.openxmlformats.org/drawingml/2006/main" xmlns:r="http://schemas.openxmlformats.org/officeDocument/2006/relationships" xmlns:p="http://schemas.openxmlformats.org/presentationml/2006/main">
+  <p:cSld>
+    <p:spTree>
+      <p:nvGrpSpPr>
+        <p:cNvPr id="1" name=""/>
+        <p:cNvGrpSpPr/>
+        <p:nvPr/>
+      </p:nvGrpSpPr>
+      <p:grpSpPr>
+        <a:xfrm>
+          <a:off x="0" y="0"/>
+          <a:ext cx="0" cy="0"/>
+          <a:chOff x="0" y="0"/>
+          <a:chExt cx="0" cy="0"/>
+        </a:xfrm>
+      </p:grpSpPr>
+      <p:sp>
+        <p:nvSpPr>
+          <p:cNvPr id="17" name="Marcador de número de diapositiva 19">
+            <a:extLst>
+              <a:ext uri="{FF2B5EF4-FFF2-40B4-BE49-F238E27FC236}">
+                <a16:creationId xmlns:a16="http://schemas.microsoft.com/office/drawing/2014/main" id="{5C929FC2-CE12-1BD5-686A-E2CB55C0B797}"/>
+              </a:ext>
+            </a:extLst>
+          </p:cNvPr>
+          <p:cNvSpPr>
+            <a:spLocks noGrp="1"/>
+          </p:cNvSpPr>
+          <p:nvPr>
+            <p:ph type="sldNum" sz="quarter" idx="12"/>
+          </p:nvPr>
+        </p:nvSpPr>
+        <p:spPr>
+          <a:xfrm>
+            <a:off x="0" y="0"/>
+            <a:ext cx="568411" cy="620925"/>
+          </a:xfrm>
+          <a:solidFill>
+            <a:schemeClr val="accent1">
+              <a:lumMod val="75000"/>
+            </a:schemeClr>
+          </a:solidFill>
+        </p:spPr>
+        <p:txBody>
+          <a:bodyPr numCol="1"/>
+          <a:lstStyle/>
+          <a:p>
+            <a:pPr algn="ctr"/>
+            <a:fld id="{FE569E57-A1D0-47AE-A3E4-85DA6C503064}" type="slidenum">
+              <a:rPr lang="es-MX" sz="2800" smtClean="0"/>
+              <a:pPr algn="ctr"/>
+              <a:t>21</a:t>
+            </a:fld>
+            <a:endParaRPr lang="es-MX" sz="2800" dirty="0"/>
+          </a:p>
+        </p:txBody>
+      </p:sp>
+      <p:sp>
+        <p:nvSpPr>
+          <p:cNvPr id="2" name="Título 1">
+            <a:extLst>
+              <a:ext uri="{FF2B5EF4-FFF2-40B4-BE49-F238E27FC236}">
+                <a16:creationId xmlns:a16="http://schemas.microsoft.com/office/drawing/2014/main" id="{6F55C69E-1BF1-41EF-B645-FF25DE892C1C}"/>
+              </a:ext>
+            </a:extLst>
+          </p:cNvPr>
+          <p:cNvSpPr txBox="1">
+            <a:spLocks/>
+          </p:cNvSpPr>
+          <p:nvPr/>
+        </p:nvSpPr>
+        <p:spPr>
+          <a:xfrm rot="16200000">
+            <a:off x="-2769333" y="2914868"/>
+            <a:ext cx="6401774" cy="788616"/>
+          </a:xfrm>
+          <a:prstGeom prst="rect">
+            <a:avLst/>
+          </a:prstGeom>
+        </p:spPr>
+        <p:txBody>
+          <a:bodyPr vert="horz" lIns="91440" tIns="45720" rIns="91440" bIns="45720" rtlCol="0" anchor="t">
+            <a:noAutofit/>
+          </a:bodyPr>
+          <a:lstStyle>
+            <a:lvl1pPr algn="l" defTabSz="479969" rtl="0" eaLnBrk="1" latinLnBrk="0" hangingPunct="1">
+              <a:spcBef>
+                <a:spcPct val="0"/>
+              </a:spcBef>
+              <a:buNone/>
+              <a:defRPr sz="4409" b="0" i="0" kern="1200">
+                <a:solidFill>
+                  <a:schemeClr val="tx2"/>
+                </a:solidFill>
+                <a:latin typeface="+mj-lt"/>
+                <a:ea typeface="+mj-ea"/>
+                <a:cs typeface="+mj-cs"/>
+              </a:defRPr>
+            </a:lvl1pPr>
+            <a:lvl2pPr eaLnBrk="1" hangingPunct="1">
+              <a:defRPr>
+                <a:solidFill>
+                  <a:schemeClr val="tx2"/>
+                </a:solidFill>
+              </a:defRPr>
+            </a:lvl2pPr>
+            <a:lvl3pPr eaLnBrk="1" hangingPunct="1">
+              <a:defRPr>
+                <a:solidFill>
+                  <a:schemeClr val="tx2"/>
+                </a:solidFill>
+              </a:defRPr>
+            </a:lvl3pPr>
+            <a:lvl4pPr eaLnBrk="1" hangingPunct="1">
+              <a:defRPr>
+                <a:solidFill>
+                  <a:schemeClr val="tx2"/>
+                </a:solidFill>
+              </a:defRPr>
+            </a:lvl4pPr>
+            <a:lvl5pPr eaLnBrk="1" hangingPunct="1">
+              <a:defRPr>
+                <a:solidFill>
+                  <a:schemeClr val="tx2"/>
+                </a:solidFill>
+              </a:defRPr>
+            </a:lvl5pPr>
+            <a:lvl6pPr eaLnBrk="1" hangingPunct="1">
+              <a:defRPr>
+                <a:solidFill>
+                  <a:schemeClr val="tx2"/>
+                </a:solidFill>
+              </a:defRPr>
+            </a:lvl6pPr>
+            <a:lvl7pPr eaLnBrk="1" hangingPunct="1">
+              <a:defRPr>
+                <a:solidFill>
+                  <a:schemeClr val="tx2"/>
+                </a:solidFill>
+              </a:defRPr>
+            </a:lvl7pPr>
+            <a:lvl8pPr eaLnBrk="1" hangingPunct="1">
+              <a:defRPr>
+                <a:solidFill>
+                  <a:schemeClr val="tx2"/>
+                </a:solidFill>
+              </a:defRPr>
+            </a:lvl8pPr>
+            <a:lvl9pPr eaLnBrk="1" hangingPunct="1">
+              <a:defRPr>
+                <a:solidFill>
+                  <a:schemeClr val="tx2"/>
+                </a:solidFill>
+              </a:defRPr>
+            </a:lvl9pPr>
+          </a:lstStyle>
+          <a:p>
+            <a:pPr algn="ctr"/>
+            <a:r>
+              <a:rPr lang="es-MX" sz="3600" dirty="0"/>
+              <a:t>Programación Funcional </a:t>
+            </a:r>
+          </a:p>
+        </p:txBody>
+      </p:sp>
+      <p:sp>
+        <p:nvSpPr>
+          <p:cNvPr id="4" name="CuadroTexto 3">
+            <a:extLst>
+              <a:ext uri="{FF2B5EF4-FFF2-40B4-BE49-F238E27FC236}">
+                <a16:creationId xmlns:a16="http://schemas.microsoft.com/office/drawing/2014/main" id="{773A4DE4-BCAA-12DB-C9B2-3535A1F85ECC}"/>
+              </a:ext>
+            </a:extLst>
+          </p:cNvPr>
+          <p:cNvSpPr txBox="1"/>
+          <p:nvPr/>
+        </p:nvSpPr>
+        <p:spPr>
+          <a:xfrm>
+            <a:off x="1007917" y="544751"/>
+            <a:ext cx="14817437" cy="954107"/>
+          </a:xfrm>
+          <a:prstGeom prst="rect">
+            <a:avLst/>
+          </a:prstGeom>
+          <a:noFill/>
+        </p:spPr>
+        <p:txBody>
+          <a:bodyPr wrap="square">
+            <a:spAutoFit/>
+          </a:bodyPr>
+          <a:lstStyle/>
+          <a:p>
+            <a:r>
+              <a:rPr lang="es-MX" sz="1400" dirty="0"/>
+              <a:t>La programación funcional es un paradigma en el que la programación se basa casi en su totalidad en funciones, entendiendo el concepto de función según su definición matemática, y no como los simples subprogramas de los lenguajes imperativos que hemos visto hasta ahora. En los lenguajes funcionales puros un programa consiste exclusivamente en la aplicación de distintas funciones a un valor de entrada para obtener un valor de salida. Python, sin ser un lenguaje puramente funcional incluye varias características tomadas de los lenguajes funcionales como son las funciones de orden superior o las funciones lambda (funciones anónimas).</a:t>
+            </a:r>
+          </a:p>
+        </p:txBody>
+      </p:sp>
+      <p:sp>
+        <p:nvSpPr>
+          <p:cNvPr id="6" name="CuadroTexto 5">
+            <a:extLst>
+              <a:ext uri="{FF2B5EF4-FFF2-40B4-BE49-F238E27FC236}">
+                <a16:creationId xmlns:a16="http://schemas.microsoft.com/office/drawing/2014/main" id="{82F5A92B-52E2-8BCA-4ADB-9F4E356B7816}"/>
+              </a:ext>
+            </a:extLst>
+          </p:cNvPr>
+          <p:cNvSpPr txBox="1"/>
+          <p:nvPr/>
+        </p:nvSpPr>
+        <p:spPr>
+          <a:xfrm>
+            <a:off x="1007917" y="1722066"/>
+            <a:ext cx="8229600" cy="369332"/>
+          </a:xfrm>
+          <a:prstGeom prst="rect">
+            <a:avLst/>
+          </a:prstGeom>
+          <a:noFill/>
+        </p:spPr>
+        <p:txBody>
+          <a:bodyPr wrap="square">
+            <a:spAutoFit/>
+          </a:bodyPr>
+          <a:lstStyle/>
+          <a:p>
+            <a:r>
+              <a:rPr lang="es-MX" dirty="0"/>
+              <a:t>Función de orden superior</a:t>
+            </a:r>
+          </a:p>
+        </p:txBody>
+      </p:sp>
+      <p:sp>
+        <p:nvSpPr>
+          <p:cNvPr id="8" name="CuadroTexto 7">
+            <a:extLst>
+              <a:ext uri="{FF2B5EF4-FFF2-40B4-BE49-F238E27FC236}">
+                <a16:creationId xmlns:a16="http://schemas.microsoft.com/office/drawing/2014/main" id="{2C7CAEFB-F658-6FB9-DB3B-4FC79208A5D1}"/>
+              </a:ext>
+            </a:extLst>
+          </p:cNvPr>
+          <p:cNvSpPr txBox="1"/>
+          <p:nvPr/>
+        </p:nvSpPr>
+        <p:spPr>
+          <a:xfrm>
+            <a:off x="1007917" y="2314606"/>
+            <a:ext cx="14588838" cy="523220"/>
+          </a:xfrm>
+          <a:prstGeom prst="rect">
+            <a:avLst/>
+          </a:prstGeom>
+          <a:noFill/>
+        </p:spPr>
+        <p:txBody>
+          <a:bodyPr wrap="square">
+            <a:spAutoFit/>
+          </a:bodyPr>
+          <a:lstStyle/>
+          <a:p>
+            <a:r>
+              <a:rPr lang="es-MX" sz="1400" dirty="0"/>
+              <a:t>El concepto de funciones de orden superior se refiere al uso de funciones como si de un valor cualquiera se tratara, posibilitando el pasar funciones como parámetros de otras funciones o devolver funciones como valor de retorno. Es posible porque, como hemos insistido ya en varias ocasiones, en Python todo son objetos. Y las funciones no son una excepción. Veamos un pequeño ejemplo:</a:t>
+            </a:r>
+          </a:p>
+        </p:txBody>
+      </p:sp>
+      <p:pic>
+        <p:nvPicPr>
+          <p:cNvPr id="10" name="Imagen 9">
+            <a:extLst>
+              <a:ext uri="{FF2B5EF4-FFF2-40B4-BE49-F238E27FC236}">
+                <a16:creationId xmlns:a16="http://schemas.microsoft.com/office/drawing/2014/main" id="{090E9A5F-E490-0DE6-FA9D-45C267808B7B}"/>
+              </a:ext>
+            </a:extLst>
+          </p:cNvPr>
+          <p:cNvPicPr>
+            <a:picLocks noChangeAspect="1"/>
+          </p:cNvPicPr>
+          <p:nvPr/>
+        </p:nvPicPr>
+        <p:blipFill rotWithShape="1">
+          <a:blip r:embed="rId2"/>
+          <a:srcRect l="1766" b="2545"/>
+          <a:stretch/>
+        </p:blipFill>
+        <p:spPr>
+          <a:xfrm>
+            <a:off x="1101437" y="3061034"/>
+            <a:ext cx="3948544" cy="3388144"/>
+          </a:xfrm>
+          <a:prstGeom prst="rect">
+            <a:avLst/>
+          </a:prstGeom>
+        </p:spPr>
+      </p:pic>
+      <p:sp>
+        <p:nvSpPr>
+          <p:cNvPr id="12" name="CuadroTexto 11">
+            <a:extLst>
+              <a:ext uri="{FF2B5EF4-FFF2-40B4-BE49-F238E27FC236}">
+                <a16:creationId xmlns:a16="http://schemas.microsoft.com/office/drawing/2014/main" id="{B8552A24-63C8-D229-FB6A-6D87891DFC7A}"/>
+              </a:ext>
+            </a:extLst>
+          </p:cNvPr>
+          <p:cNvSpPr txBox="1"/>
+          <p:nvPr/>
+        </p:nvSpPr>
+        <p:spPr>
+          <a:xfrm>
+            <a:off x="5325555" y="3061034"/>
+            <a:ext cx="10271200" cy="954107"/>
+          </a:xfrm>
+          <a:prstGeom prst="rect">
+            <a:avLst/>
+          </a:prstGeom>
+          <a:noFill/>
+        </p:spPr>
+        <p:txBody>
+          <a:bodyPr wrap="square">
+            <a:spAutoFit/>
+          </a:bodyPr>
+          <a:lstStyle/>
+          <a:p>
+            <a:r>
+              <a:rPr lang="es-MX" sz="1400" dirty="0"/>
+              <a:t>Como podemos observar lo primero que hacemos en nuestro pequeño programa es llamar a la función saludar con un parámetro “es”. En la función saludar se definen varias funciones: </a:t>
+            </a:r>
+            <a:r>
+              <a:rPr lang="es-MX" sz="1400" dirty="0" err="1"/>
+              <a:t>saludar_es</a:t>
+            </a:r>
+            <a:r>
+              <a:rPr lang="es-MX" sz="1400" dirty="0"/>
+              <a:t>, </a:t>
+            </a:r>
+            <a:r>
+              <a:rPr lang="es-MX" sz="1400" dirty="0" err="1"/>
+              <a:t>saludar_en</a:t>
+            </a:r>
+            <a:r>
+              <a:rPr lang="es-MX" sz="1400" dirty="0"/>
+              <a:t> y </a:t>
+            </a:r>
+            <a:r>
+              <a:rPr lang="es-MX" sz="1400" dirty="0" err="1"/>
+              <a:t>saludar_fr</a:t>
+            </a:r>
+            <a:r>
+              <a:rPr lang="es-MX" sz="1400" dirty="0"/>
+              <a:t> y a continuación se crea un diccionario que tiene como claves cadenas de texto que identifican a cada lenguaje, y como valores las funciones. El valor de retorno de la función es una de estas funciones. </a:t>
+            </a:r>
+          </a:p>
+        </p:txBody>
+      </p:sp>
+      <p:sp>
+        <p:nvSpPr>
+          <p:cNvPr id="14" name="CuadroTexto 13">
+            <a:extLst>
+              <a:ext uri="{FF2B5EF4-FFF2-40B4-BE49-F238E27FC236}">
+                <a16:creationId xmlns:a16="http://schemas.microsoft.com/office/drawing/2014/main" id="{AD312482-B2B9-79C2-9FB3-D97343641CE7}"/>
+              </a:ext>
+            </a:extLst>
+          </p:cNvPr>
+          <p:cNvSpPr txBox="1"/>
+          <p:nvPr/>
+        </p:nvSpPr>
+        <p:spPr>
+          <a:xfrm>
+            <a:off x="5325554" y="4015141"/>
+            <a:ext cx="10125727" cy="1169551"/>
+          </a:xfrm>
+          <a:prstGeom prst="rect">
+            <a:avLst/>
+          </a:prstGeom>
+          <a:noFill/>
+        </p:spPr>
+        <p:txBody>
+          <a:bodyPr wrap="square">
+            <a:spAutoFit/>
+          </a:bodyPr>
+          <a:lstStyle/>
+          <a:p>
+            <a:r>
+              <a:rPr lang="es-MX" sz="1400" dirty="0"/>
+              <a:t>La función para devolver viene determinada por el valor del parámetro </a:t>
+            </a:r>
+            <a:r>
+              <a:rPr lang="es-MX" sz="1400" dirty="0" err="1"/>
+              <a:t>lang</a:t>
+            </a:r>
+            <a:r>
+              <a:rPr lang="es-MX" sz="1400" dirty="0"/>
+              <a:t> que se pasó como argumento de saludar. Como el valor de retorno de saludar es una función, como hemos visto, esto quiere decir que f es una variable que contiene una función. Podemos entonces llamar a la función a la que se refiere f de la forma en que llamaríamos a cualquier otra función, añadiendo unos paréntesis y, de forma opcional, una serie de parámetros entre los paréntesis. Esto se podría acortar, ya que no es necesario almacenar la función que nos pasan como valor de retorno en una variable para poder llamarla: </a:t>
+            </a:r>
+          </a:p>
+        </p:txBody>
+      </p:sp>
+      <p:pic>
+        <p:nvPicPr>
+          <p:cNvPr id="16" name="Imagen 15">
+            <a:extLst>
+              <a:ext uri="{FF2B5EF4-FFF2-40B4-BE49-F238E27FC236}">
+                <a16:creationId xmlns:a16="http://schemas.microsoft.com/office/drawing/2014/main" id="{A2E408EF-C1DF-6B28-0792-93DD0DB79D44}"/>
+              </a:ext>
+            </a:extLst>
+          </p:cNvPr>
+          <p:cNvPicPr>
+            <a:picLocks noChangeAspect="1"/>
+          </p:cNvPicPr>
+          <p:nvPr/>
+        </p:nvPicPr>
+        <p:blipFill>
+          <a:blip r:embed="rId3"/>
+          <a:stretch>
+            <a:fillRect/>
+          </a:stretch>
+        </p:blipFill>
+        <p:spPr>
+          <a:xfrm>
+            <a:off x="5434590" y="5268078"/>
+            <a:ext cx="2495550" cy="1181100"/>
+          </a:xfrm>
+          <a:prstGeom prst="rect">
+            <a:avLst/>
+          </a:prstGeom>
+        </p:spPr>
+      </p:pic>
+    </p:spTree>
+    <p:extLst>
+      <p:ext uri="{BB962C8B-B14F-4D97-AF65-F5344CB8AC3E}">
+        <p14:creationId xmlns:p14="http://schemas.microsoft.com/office/powerpoint/2010/main" val="2221044295"/>
+      </p:ext>
+    </p:extLst>
+  </p:cSld>
+  <p:clrMapOvr>
+    <a:masterClrMapping/>
+  </p:clrMapOvr>
+</p:sld>
+</file>
+
+<file path=ppt/slides/slide22.xml><?xml version="1.0" encoding="utf-8"?>
+<p:sld xmlns:a="http://schemas.openxmlformats.org/drawingml/2006/main" xmlns:r="http://schemas.openxmlformats.org/officeDocument/2006/relationships" xmlns:p="http://schemas.openxmlformats.org/presentationml/2006/main">
+  <p:cSld>
+    <p:spTree>
+      <p:nvGrpSpPr>
+        <p:cNvPr id="1" name=""/>
+        <p:cNvGrpSpPr/>
+        <p:nvPr/>
+      </p:nvGrpSpPr>
+      <p:grpSpPr>
+        <a:xfrm>
+          <a:off x="0" y="0"/>
+          <a:ext cx="0" cy="0"/>
+          <a:chOff x="0" y="0"/>
+          <a:chExt cx="0" cy="0"/>
+        </a:xfrm>
+      </p:grpSpPr>
+      <p:sp>
+        <p:nvSpPr>
+          <p:cNvPr id="17" name="Marcador de número de diapositiva 19">
+            <a:extLst>
+              <a:ext uri="{FF2B5EF4-FFF2-40B4-BE49-F238E27FC236}">
+                <a16:creationId xmlns:a16="http://schemas.microsoft.com/office/drawing/2014/main" id="{5C929FC2-CE12-1BD5-686A-E2CB55C0B797}"/>
+              </a:ext>
+            </a:extLst>
+          </p:cNvPr>
+          <p:cNvSpPr>
+            <a:spLocks noGrp="1"/>
+          </p:cNvSpPr>
+          <p:nvPr>
+            <p:ph type="sldNum" sz="quarter" idx="12"/>
+          </p:nvPr>
+        </p:nvSpPr>
+        <p:spPr>
+          <a:xfrm>
+            <a:off x="0" y="0"/>
+            <a:ext cx="568411" cy="620925"/>
+          </a:xfrm>
+          <a:solidFill>
+            <a:schemeClr val="accent1">
+              <a:lumMod val="75000"/>
+            </a:schemeClr>
+          </a:solidFill>
+        </p:spPr>
+        <p:txBody>
+          <a:bodyPr numCol="1"/>
+          <a:lstStyle/>
+          <a:p>
+            <a:pPr algn="ctr"/>
+            <a:fld id="{FE569E57-A1D0-47AE-A3E4-85DA6C503064}" type="slidenum">
+              <a:rPr lang="es-MX" sz="2800" smtClean="0"/>
+              <a:pPr algn="ctr"/>
+              <a:t>22</a:t>
+            </a:fld>
+            <a:endParaRPr lang="es-MX" sz="2800" dirty="0"/>
+          </a:p>
+        </p:txBody>
+      </p:sp>
+      <p:sp>
+        <p:nvSpPr>
+          <p:cNvPr id="2" name="Título 1">
+            <a:extLst>
+              <a:ext uri="{FF2B5EF4-FFF2-40B4-BE49-F238E27FC236}">
+                <a16:creationId xmlns:a16="http://schemas.microsoft.com/office/drawing/2014/main" id="{6F55C69E-1BF1-41EF-B645-FF25DE892C1C}"/>
+              </a:ext>
+            </a:extLst>
+          </p:cNvPr>
+          <p:cNvSpPr txBox="1">
+            <a:spLocks/>
+          </p:cNvSpPr>
+          <p:nvPr/>
+        </p:nvSpPr>
+        <p:spPr>
+          <a:xfrm rot="16200000">
+            <a:off x="-2769333" y="2914868"/>
+            <a:ext cx="6401774" cy="788616"/>
+          </a:xfrm>
+          <a:prstGeom prst="rect">
+            <a:avLst/>
+          </a:prstGeom>
+        </p:spPr>
+        <p:txBody>
+          <a:bodyPr vert="horz" lIns="91440" tIns="45720" rIns="91440" bIns="45720" rtlCol="0" anchor="t">
+            <a:noAutofit/>
+          </a:bodyPr>
+          <a:lstStyle>
+            <a:lvl1pPr algn="l" defTabSz="479969" rtl="0" eaLnBrk="1" latinLnBrk="0" hangingPunct="1">
+              <a:spcBef>
+                <a:spcPct val="0"/>
+              </a:spcBef>
+              <a:buNone/>
+              <a:defRPr sz="4409" b="0" i="0" kern="1200">
+                <a:solidFill>
+                  <a:schemeClr val="tx2"/>
+                </a:solidFill>
+                <a:latin typeface="+mj-lt"/>
+                <a:ea typeface="+mj-ea"/>
+                <a:cs typeface="+mj-cs"/>
+              </a:defRPr>
+            </a:lvl1pPr>
+            <a:lvl2pPr eaLnBrk="1" hangingPunct="1">
+              <a:defRPr>
+                <a:solidFill>
+                  <a:schemeClr val="tx2"/>
+                </a:solidFill>
+              </a:defRPr>
+            </a:lvl2pPr>
+            <a:lvl3pPr eaLnBrk="1" hangingPunct="1">
+              <a:defRPr>
+                <a:solidFill>
+                  <a:schemeClr val="tx2"/>
+                </a:solidFill>
+              </a:defRPr>
+            </a:lvl3pPr>
+            <a:lvl4pPr eaLnBrk="1" hangingPunct="1">
+              <a:defRPr>
+                <a:solidFill>
+                  <a:schemeClr val="tx2"/>
+                </a:solidFill>
+              </a:defRPr>
+            </a:lvl4pPr>
+            <a:lvl5pPr eaLnBrk="1" hangingPunct="1">
+              <a:defRPr>
+                <a:solidFill>
+                  <a:schemeClr val="tx2"/>
+                </a:solidFill>
+              </a:defRPr>
+            </a:lvl5pPr>
+            <a:lvl6pPr eaLnBrk="1" hangingPunct="1">
+              <a:defRPr>
+                <a:solidFill>
+                  <a:schemeClr val="tx2"/>
+                </a:solidFill>
+              </a:defRPr>
+            </a:lvl6pPr>
+            <a:lvl7pPr eaLnBrk="1" hangingPunct="1">
+              <a:defRPr>
+                <a:solidFill>
+                  <a:schemeClr val="tx2"/>
+                </a:solidFill>
+              </a:defRPr>
+            </a:lvl7pPr>
+            <a:lvl8pPr eaLnBrk="1" hangingPunct="1">
+              <a:defRPr>
+                <a:solidFill>
+                  <a:schemeClr val="tx2"/>
+                </a:solidFill>
+              </a:defRPr>
+            </a:lvl8pPr>
+            <a:lvl9pPr eaLnBrk="1" hangingPunct="1">
+              <a:defRPr>
+                <a:solidFill>
+                  <a:schemeClr val="tx2"/>
+                </a:solidFill>
+              </a:defRPr>
+            </a:lvl9pPr>
+          </a:lstStyle>
+          <a:p>
+            <a:pPr algn="ctr"/>
+            <a:r>
+              <a:rPr lang="es-MX" sz="3600" dirty="0"/>
+              <a:t>Programación Funcional </a:t>
+            </a:r>
+          </a:p>
+        </p:txBody>
+      </p:sp>
+      <p:sp>
+        <p:nvSpPr>
+          <p:cNvPr id="4" name="CuadroTexto 3">
+            <a:extLst>
+              <a:ext uri="{FF2B5EF4-FFF2-40B4-BE49-F238E27FC236}">
+                <a16:creationId xmlns:a16="http://schemas.microsoft.com/office/drawing/2014/main" id="{C52E867A-D221-A421-D276-35A8B5D32542}"/>
+              </a:ext>
+            </a:extLst>
+          </p:cNvPr>
+          <p:cNvSpPr txBox="1"/>
+          <p:nvPr/>
+        </p:nvSpPr>
+        <p:spPr>
+          <a:xfrm>
+            <a:off x="863108" y="251593"/>
+            <a:ext cx="8229600" cy="369332"/>
+          </a:xfrm>
+          <a:prstGeom prst="rect">
+            <a:avLst/>
+          </a:prstGeom>
+          <a:noFill/>
+        </p:spPr>
+        <p:txBody>
+          <a:bodyPr wrap="square">
+            <a:spAutoFit/>
+          </a:bodyPr>
+          <a:lstStyle/>
+          <a:p>
+            <a:r>
+              <a:rPr lang="es-MX" dirty="0"/>
+              <a:t>MAP</a:t>
+            </a:r>
+          </a:p>
+        </p:txBody>
+      </p:sp>
+      <p:sp>
+        <p:nvSpPr>
+          <p:cNvPr id="6" name="CuadroTexto 5">
+            <a:extLst>
+              <a:ext uri="{FF2B5EF4-FFF2-40B4-BE49-F238E27FC236}">
+                <a16:creationId xmlns:a16="http://schemas.microsoft.com/office/drawing/2014/main" id="{797DA6D5-BC22-B909-5CCE-E3230B337F47}"/>
+              </a:ext>
+            </a:extLst>
+          </p:cNvPr>
+          <p:cNvSpPr txBox="1"/>
+          <p:nvPr/>
+        </p:nvSpPr>
+        <p:spPr>
+          <a:xfrm>
+            <a:off x="863107" y="696921"/>
+            <a:ext cx="15076547" cy="523220"/>
+          </a:xfrm>
+          <a:prstGeom prst="rect">
+            <a:avLst/>
+          </a:prstGeom>
+          <a:noFill/>
+        </p:spPr>
+        <p:txBody>
+          <a:bodyPr wrap="square">
+            <a:spAutoFit/>
+          </a:bodyPr>
+          <a:lstStyle/>
+          <a:p>
+            <a:r>
+              <a:rPr lang="es-MX" sz="1400" dirty="0"/>
+              <a:t>Esta función trabaja de una forma muy similar a </a:t>
+            </a:r>
+            <a:r>
+              <a:rPr lang="es-MX" sz="1400" dirty="0" err="1"/>
+              <a:t>filter</a:t>
+            </a:r>
+            <a:r>
+              <a:rPr lang="es-MX" sz="1400" dirty="0"/>
+              <a:t>(), con la diferencia que en lugar de aplicar una condición a un elemento de una lista o secuencia, aplica una función sobre todos los elementos y como resultado se devuelve un iterable de tipo </a:t>
+            </a:r>
+            <a:r>
+              <a:rPr lang="es-MX" sz="1400" dirty="0" err="1"/>
+              <a:t>map</a:t>
+            </a:r>
+            <a:r>
+              <a:rPr lang="es-MX" sz="1400" dirty="0"/>
+              <a:t>:</a:t>
+            </a:r>
+          </a:p>
+        </p:txBody>
+      </p:sp>
+      <p:sp>
+        <p:nvSpPr>
+          <p:cNvPr id="8" name="CuadroTexto 7">
+            <a:extLst>
+              <a:ext uri="{FF2B5EF4-FFF2-40B4-BE49-F238E27FC236}">
+                <a16:creationId xmlns:a16="http://schemas.microsoft.com/office/drawing/2014/main" id="{094B7F14-8377-EB76-D81D-78CD784F4604}"/>
+              </a:ext>
+            </a:extLst>
+          </p:cNvPr>
+          <p:cNvSpPr txBox="1"/>
+          <p:nvPr/>
+        </p:nvSpPr>
+        <p:spPr>
+          <a:xfrm>
+            <a:off x="863108" y="1493465"/>
+            <a:ext cx="8229600" cy="369332"/>
+          </a:xfrm>
+          <a:prstGeom prst="rect">
+            <a:avLst/>
+          </a:prstGeom>
+          <a:noFill/>
+        </p:spPr>
+        <p:txBody>
+          <a:bodyPr wrap="square">
+            <a:spAutoFit/>
+          </a:bodyPr>
+          <a:lstStyle/>
+          <a:p>
+            <a:r>
+              <a:rPr lang="es-MX" dirty="0" err="1"/>
+              <a:t>Filter</a:t>
+            </a:r>
+            <a:endParaRPr lang="es-MX" dirty="0"/>
+          </a:p>
+        </p:txBody>
+      </p:sp>
+      <p:sp>
+        <p:nvSpPr>
+          <p:cNvPr id="10" name="CuadroTexto 9">
+            <a:extLst>
+              <a:ext uri="{FF2B5EF4-FFF2-40B4-BE49-F238E27FC236}">
+                <a16:creationId xmlns:a16="http://schemas.microsoft.com/office/drawing/2014/main" id="{A4544F4B-F35A-2A7C-FF88-764D885C2FEB}"/>
+              </a:ext>
+            </a:extLst>
+          </p:cNvPr>
+          <p:cNvSpPr txBox="1"/>
+          <p:nvPr/>
+        </p:nvSpPr>
+        <p:spPr>
+          <a:xfrm>
+            <a:off x="825863" y="1971086"/>
+            <a:ext cx="15076546" cy="523220"/>
+          </a:xfrm>
+          <a:prstGeom prst="rect">
+            <a:avLst/>
+          </a:prstGeom>
+          <a:noFill/>
+        </p:spPr>
+        <p:txBody>
+          <a:bodyPr wrap="square">
+            <a:spAutoFit/>
+          </a:bodyPr>
+          <a:lstStyle/>
+          <a:p>
+            <a:r>
+              <a:rPr lang="es-MX" sz="1400" dirty="0"/>
+              <a:t>Tal como su nombre indica </a:t>
+            </a:r>
+            <a:r>
+              <a:rPr lang="es-MX" sz="1400" dirty="0" err="1"/>
+              <a:t>filter</a:t>
+            </a:r>
+            <a:r>
+              <a:rPr lang="es-MX" sz="1400" dirty="0"/>
+              <a:t> significa filtrar, y es una de mis funciones favoritas, ya que a partir de una lista o iterador y una función condicional, es capaz de devolver una nueva colección con los elementos filtrados que cumplan la condición. Por ejemplo, supongamos que tenemos una lista de varios números y queremos filtrarla, quedándonos únicamente con los múltiplos de 5: </a:t>
+            </a:r>
+          </a:p>
+        </p:txBody>
+      </p:sp>
+      <p:pic>
+        <p:nvPicPr>
+          <p:cNvPr id="12" name="Imagen 11">
+            <a:extLst>
+              <a:ext uri="{FF2B5EF4-FFF2-40B4-BE49-F238E27FC236}">
+                <a16:creationId xmlns:a16="http://schemas.microsoft.com/office/drawing/2014/main" id="{7E1B7942-292B-F940-BDB8-64B301FFB691}"/>
+              </a:ext>
+            </a:extLst>
+          </p:cNvPr>
+          <p:cNvPicPr>
+            <a:picLocks noChangeAspect="1"/>
+          </p:cNvPicPr>
+          <p:nvPr/>
+        </p:nvPicPr>
+        <p:blipFill>
+          <a:blip r:embed="rId2"/>
+          <a:stretch>
+            <a:fillRect/>
+          </a:stretch>
+        </p:blipFill>
+        <p:spPr>
+          <a:xfrm>
+            <a:off x="910733" y="2575059"/>
+            <a:ext cx="8181975" cy="1943100"/>
+          </a:xfrm>
+          <a:prstGeom prst="rect">
+            <a:avLst/>
+          </a:prstGeom>
+        </p:spPr>
+      </p:pic>
+      <p:sp>
+        <p:nvSpPr>
+          <p:cNvPr id="14" name="CuadroTexto 13">
+            <a:extLst>
+              <a:ext uri="{FF2B5EF4-FFF2-40B4-BE49-F238E27FC236}">
+                <a16:creationId xmlns:a16="http://schemas.microsoft.com/office/drawing/2014/main" id="{24676D0C-25BF-7F02-A7DA-85E485A59689}"/>
+              </a:ext>
+            </a:extLst>
+          </p:cNvPr>
+          <p:cNvSpPr txBox="1"/>
+          <p:nvPr/>
+        </p:nvSpPr>
+        <p:spPr>
+          <a:xfrm>
+            <a:off x="825863" y="4705007"/>
+            <a:ext cx="8229600" cy="523220"/>
+          </a:xfrm>
+          <a:prstGeom prst="rect">
+            <a:avLst/>
+          </a:prstGeom>
+          <a:noFill/>
+        </p:spPr>
+        <p:txBody>
+          <a:bodyPr wrap="square">
+            <a:spAutoFit/>
+          </a:bodyPr>
+          <a:lstStyle/>
+          <a:p>
+            <a:r>
+              <a:rPr lang="es-MX" sz="1400" dirty="0"/>
+              <a:t>Si ejecutamos el filtro obtenemos un objeto de tipo filtro, pero podemos transformarlo en una lista fácilmente haciendo un </a:t>
+            </a:r>
+            <a:r>
+              <a:rPr lang="es-MX" sz="1400" dirty="0" err="1"/>
+              <a:t>cast</a:t>
+            </a:r>
+            <a:r>
+              <a:rPr lang="es-MX" sz="1400" dirty="0"/>
+              <a:t> (conversión):</a:t>
+            </a:r>
+          </a:p>
+        </p:txBody>
+      </p:sp>
+      <p:pic>
+        <p:nvPicPr>
+          <p:cNvPr id="16" name="Imagen 15">
+            <a:extLst>
+              <a:ext uri="{FF2B5EF4-FFF2-40B4-BE49-F238E27FC236}">
+                <a16:creationId xmlns:a16="http://schemas.microsoft.com/office/drawing/2014/main" id="{51C3C0AF-9778-4521-0A6A-E0EEE8DFAFF3}"/>
+              </a:ext>
+            </a:extLst>
+          </p:cNvPr>
+          <p:cNvPicPr>
+            <a:picLocks noChangeAspect="1"/>
+          </p:cNvPicPr>
+          <p:nvPr/>
+        </p:nvPicPr>
+        <p:blipFill>
+          <a:blip r:embed="rId3"/>
+          <a:stretch>
+            <a:fillRect/>
+          </a:stretch>
+        </p:blipFill>
+        <p:spPr>
+          <a:xfrm>
+            <a:off x="910733" y="5280012"/>
+            <a:ext cx="3962400" cy="619125"/>
+          </a:xfrm>
+          <a:prstGeom prst="rect">
+            <a:avLst/>
+          </a:prstGeom>
+        </p:spPr>
+      </p:pic>
+      <p:pic>
+        <p:nvPicPr>
+          <p:cNvPr id="19" name="Imagen 18">
+            <a:extLst>
+              <a:ext uri="{FF2B5EF4-FFF2-40B4-BE49-F238E27FC236}">
+                <a16:creationId xmlns:a16="http://schemas.microsoft.com/office/drawing/2014/main" id="{91CA51EB-AA9F-AEEA-C52A-1AE3E63BA7BE}"/>
+              </a:ext>
+            </a:extLst>
+          </p:cNvPr>
+          <p:cNvPicPr>
+            <a:picLocks noChangeAspect="1"/>
+          </p:cNvPicPr>
+          <p:nvPr/>
+        </p:nvPicPr>
+        <p:blipFill>
+          <a:blip r:embed="rId4"/>
+          <a:stretch>
+            <a:fillRect/>
+          </a:stretch>
+        </p:blipFill>
+        <p:spPr>
+          <a:xfrm>
+            <a:off x="4977908" y="5270487"/>
+            <a:ext cx="2076450" cy="628650"/>
+          </a:xfrm>
+          <a:prstGeom prst="rect">
+            <a:avLst/>
+          </a:prstGeom>
+        </p:spPr>
+      </p:pic>
+      <p:sp>
+        <p:nvSpPr>
+          <p:cNvPr id="21" name="CuadroTexto 20">
+            <a:extLst>
+              <a:ext uri="{FF2B5EF4-FFF2-40B4-BE49-F238E27FC236}">
+                <a16:creationId xmlns:a16="http://schemas.microsoft.com/office/drawing/2014/main" id="{D5F3AC87-0A4A-58DA-B06F-04BFDE16D92B}"/>
+              </a:ext>
+            </a:extLst>
+          </p:cNvPr>
+          <p:cNvSpPr txBox="1"/>
+          <p:nvPr/>
+        </p:nvSpPr>
+        <p:spPr>
+          <a:xfrm>
+            <a:off x="9355786" y="2570302"/>
+            <a:ext cx="6619009" cy="738664"/>
+          </a:xfrm>
+          <a:prstGeom prst="rect">
+            <a:avLst/>
+          </a:prstGeom>
+          <a:noFill/>
+        </p:spPr>
+        <p:txBody>
+          <a:bodyPr wrap="square">
+            <a:spAutoFit/>
+          </a:bodyPr>
+          <a:lstStyle/>
+          <a:p>
+            <a:r>
+              <a:rPr lang="es-MX" sz="1400" dirty="0"/>
+              <a:t>Por tanto cuando utilizamos la función </a:t>
+            </a:r>
+            <a:r>
+              <a:rPr lang="es-MX" sz="1400" dirty="0" err="1"/>
+              <a:t>filter</a:t>
+            </a:r>
+            <a:r>
+              <a:rPr lang="es-MX" sz="1400" dirty="0"/>
+              <a:t>() tenemos que enviar una función condicional, pero como recordaréis, no es necesario definirla, podemos utilizar una función anónima lambda:</a:t>
+            </a:r>
+          </a:p>
+        </p:txBody>
+      </p:sp>
+      <p:cxnSp>
+        <p:nvCxnSpPr>
+          <p:cNvPr id="23" name="Conector recto 22">
+            <a:extLst>
+              <a:ext uri="{FF2B5EF4-FFF2-40B4-BE49-F238E27FC236}">
+                <a16:creationId xmlns:a16="http://schemas.microsoft.com/office/drawing/2014/main" id="{364CAE93-2464-6C25-F0F6-7A9A145D25E8}"/>
+              </a:ext>
+            </a:extLst>
+          </p:cNvPr>
+          <p:cNvCxnSpPr/>
+          <p:nvPr/>
+        </p:nvCxnSpPr>
+        <p:spPr>
+          <a:xfrm>
+            <a:off x="9177578" y="2575059"/>
+            <a:ext cx="0" cy="4241377"/>
+          </a:xfrm>
+          <a:prstGeom prst="line">
+            <a:avLst/>
+          </a:prstGeom>
+        </p:spPr>
+        <p:style>
+          <a:lnRef idx="1">
+            <a:schemeClr val="accent1"/>
+          </a:lnRef>
+          <a:fillRef idx="0">
+            <a:schemeClr val="accent1"/>
+          </a:fillRef>
+          <a:effectRef idx="0">
+            <a:schemeClr val="accent1"/>
+          </a:effectRef>
+          <a:fontRef idx="minor">
+            <a:schemeClr val="tx1"/>
+          </a:fontRef>
+        </p:style>
+      </p:cxnSp>
+      <p:pic>
+        <p:nvPicPr>
+          <p:cNvPr id="25" name="Imagen 24">
+            <a:extLst>
+              <a:ext uri="{FF2B5EF4-FFF2-40B4-BE49-F238E27FC236}">
+                <a16:creationId xmlns:a16="http://schemas.microsoft.com/office/drawing/2014/main" id="{ECB39CF3-AC5A-7643-863B-2C36ED0181F2}"/>
+              </a:ext>
+            </a:extLst>
+          </p:cNvPr>
+          <p:cNvPicPr>
+            <a:picLocks noChangeAspect="1"/>
+          </p:cNvPicPr>
+          <p:nvPr/>
+        </p:nvPicPr>
+        <p:blipFill>
+          <a:blip r:embed="rId5"/>
+          <a:stretch>
+            <a:fillRect/>
+          </a:stretch>
+        </p:blipFill>
+        <p:spPr>
+          <a:xfrm>
+            <a:off x="9439852" y="3367492"/>
+            <a:ext cx="6051097" cy="1630535"/>
+          </a:xfrm>
+          <a:prstGeom prst="rect">
+            <a:avLst/>
+          </a:prstGeom>
+        </p:spPr>
+      </p:pic>
+      <p:sp>
+        <p:nvSpPr>
+          <p:cNvPr id="27" name="CuadroTexto 26">
+            <a:extLst>
+              <a:ext uri="{FF2B5EF4-FFF2-40B4-BE49-F238E27FC236}">
+                <a16:creationId xmlns:a16="http://schemas.microsoft.com/office/drawing/2014/main" id="{38F4F2E9-99C9-B2DB-B807-3060431B98BE}"/>
+              </a:ext>
+            </a:extLst>
+          </p:cNvPr>
+          <p:cNvSpPr txBox="1"/>
+          <p:nvPr/>
+        </p:nvSpPr>
+        <p:spPr>
+          <a:xfrm>
+            <a:off x="9439852" y="5685986"/>
+            <a:ext cx="5960330" cy="523220"/>
+          </a:xfrm>
+          <a:prstGeom prst="rect">
+            <a:avLst/>
+          </a:prstGeom>
+          <a:noFill/>
+        </p:spPr>
+        <p:txBody>
+          <a:bodyPr wrap="square">
+            <a:spAutoFit/>
+          </a:bodyPr>
+          <a:lstStyle/>
+          <a:p>
+            <a:r>
+              <a:rPr lang="es-MX" sz="1400" dirty="0"/>
+              <a:t>Así, en una sola línea hemos definido y ejecutado el filtro utilizando una función condicional anónima y una lista de números. </a:t>
+            </a:r>
+          </a:p>
+        </p:txBody>
+      </p:sp>
+    </p:spTree>
+    <p:extLst>
+      <p:ext uri="{BB962C8B-B14F-4D97-AF65-F5344CB8AC3E}">
+        <p14:creationId xmlns:p14="http://schemas.microsoft.com/office/powerpoint/2010/main" val="565267976"/>
+      </p:ext>
+    </p:extLst>
+  </p:cSld>
+  <p:clrMapOvr>
+    <a:masterClrMapping/>
+  </p:clrMapOvr>
+</p:sld>
+</file>
+
+<file path=ppt/slides/slide23.xml><?xml version="1.0" encoding="utf-8"?>
+<p:sld xmlns:a="http://schemas.openxmlformats.org/drawingml/2006/main" xmlns:r="http://schemas.openxmlformats.org/officeDocument/2006/relationships" xmlns:p="http://schemas.openxmlformats.org/presentationml/2006/main">
+  <p:cSld>
+    <p:spTree>
+      <p:nvGrpSpPr>
+        <p:cNvPr id="1" name=""/>
+        <p:cNvGrpSpPr/>
+        <p:nvPr/>
+      </p:nvGrpSpPr>
+      <p:grpSpPr>
+        <a:xfrm>
+          <a:off x="0" y="0"/>
+          <a:ext cx="0" cy="0"/>
+          <a:chOff x="0" y="0"/>
+          <a:chExt cx="0" cy="0"/>
+        </a:xfrm>
+      </p:grpSpPr>
+      <p:sp>
+        <p:nvSpPr>
+          <p:cNvPr id="17" name="Marcador de número de diapositiva 19">
+            <a:extLst>
+              <a:ext uri="{FF2B5EF4-FFF2-40B4-BE49-F238E27FC236}">
+                <a16:creationId xmlns:a16="http://schemas.microsoft.com/office/drawing/2014/main" id="{5C929FC2-CE12-1BD5-686A-E2CB55C0B797}"/>
+              </a:ext>
+            </a:extLst>
+          </p:cNvPr>
+          <p:cNvSpPr>
+            <a:spLocks noGrp="1"/>
+          </p:cNvSpPr>
+          <p:nvPr>
+            <p:ph type="sldNum" sz="quarter" idx="12"/>
+          </p:nvPr>
+        </p:nvSpPr>
+        <p:spPr>
+          <a:xfrm>
+            <a:off x="0" y="0"/>
+            <a:ext cx="568411" cy="620925"/>
+          </a:xfrm>
+          <a:solidFill>
+            <a:schemeClr val="accent1">
+              <a:lumMod val="75000"/>
+            </a:schemeClr>
+          </a:solidFill>
+        </p:spPr>
+        <p:txBody>
+          <a:bodyPr numCol="1"/>
+          <a:lstStyle/>
+          <a:p>
+            <a:pPr algn="ctr"/>
+            <a:fld id="{FE569E57-A1D0-47AE-A3E4-85DA6C503064}" type="slidenum">
+              <a:rPr lang="es-MX" sz="2800" smtClean="0"/>
+              <a:pPr algn="ctr"/>
+              <a:t>23</a:t>
+            </a:fld>
+            <a:endParaRPr lang="es-MX" sz="2800" dirty="0"/>
+          </a:p>
+        </p:txBody>
+      </p:sp>
+      <p:sp>
+        <p:nvSpPr>
+          <p:cNvPr id="2" name="Título 1">
+            <a:extLst>
+              <a:ext uri="{FF2B5EF4-FFF2-40B4-BE49-F238E27FC236}">
+                <a16:creationId xmlns:a16="http://schemas.microsoft.com/office/drawing/2014/main" id="{6F55C69E-1BF1-41EF-B645-FF25DE892C1C}"/>
+              </a:ext>
+            </a:extLst>
+          </p:cNvPr>
+          <p:cNvSpPr txBox="1">
+            <a:spLocks/>
+          </p:cNvSpPr>
+          <p:nvPr/>
+        </p:nvSpPr>
+        <p:spPr>
+          <a:xfrm rot="16200000">
+            <a:off x="-2769333" y="2914868"/>
+            <a:ext cx="6401774" cy="788616"/>
+          </a:xfrm>
+          <a:prstGeom prst="rect">
+            <a:avLst/>
+          </a:prstGeom>
+        </p:spPr>
+        <p:txBody>
+          <a:bodyPr vert="horz" lIns="91440" tIns="45720" rIns="91440" bIns="45720" rtlCol="0" anchor="t">
+            <a:noAutofit/>
+          </a:bodyPr>
+          <a:lstStyle>
+            <a:lvl1pPr algn="l" defTabSz="479969" rtl="0" eaLnBrk="1" latinLnBrk="0" hangingPunct="1">
+              <a:spcBef>
+                <a:spcPct val="0"/>
+              </a:spcBef>
+              <a:buNone/>
+              <a:defRPr sz="4409" b="0" i="0" kern="1200">
+                <a:solidFill>
+                  <a:schemeClr val="tx2"/>
+                </a:solidFill>
+                <a:latin typeface="+mj-lt"/>
+                <a:ea typeface="+mj-ea"/>
+                <a:cs typeface="+mj-cs"/>
+              </a:defRPr>
+            </a:lvl1pPr>
+            <a:lvl2pPr eaLnBrk="1" hangingPunct="1">
+              <a:defRPr>
+                <a:solidFill>
+                  <a:schemeClr val="tx2"/>
+                </a:solidFill>
+              </a:defRPr>
+            </a:lvl2pPr>
+            <a:lvl3pPr eaLnBrk="1" hangingPunct="1">
+              <a:defRPr>
+                <a:solidFill>
+                  <a:schemeClr val="tx2"/>
+                </a:solidFill>
+              </a:defRPr>
+            </a:lvl3pPr>
+            <a:lvl4pPr eaLnBrk="1" hangingPunct="1">
+              <a:defRPr>
+                <a:solidFill>
+                  <a:schemeClr val="tx2"/>
+                </a:solidFill>
+              </a:defRPr>
+            </a:lvl4pPr>
+            <a:lvl5pPr eaLnBrk="1" hangingPunct="1">
+              <a:defRPr>
+                <a:solidFill>
+                  <a:schemeClr val="tx2"/>
+                </a:solidFill>
+              </a:defRPr>
+            </a:lvl5pPr>
+            <a:lvl6pPr eaLnBrk="1" hangingPunct="1">
+              <a:defRPr>
+                <a:solidFill>
+                  <a:schemeClr val="tx2"/>
+                </a:solidFill>
+              </a:defRPr>
+            </a:lvl6pPr>
+            <a:lvl7pPr eaLnBrk="1" hangingPunct="1">
+              <a:defRPr>
+                <a:solidFill>
+                  <a:schemeClr val="tx2"/>
+                </a:solidFill>
+              </a:defRPr>
+            </a:lvl7pPr>
+            <a:lvl8pPr eaLnBrk="1" hangingPunct="1">
+              <a:defRPr>
+                <a:solidFill>
+                  <a:schemeClr val="tx2"/>
+                </a:solidFill>
+              </a:defRPr>
+            </a:lvl8pPr>
+            <a:lvl9pPr eaLnBrk="1" hangingPunct="1">
+              <a:defRPr>
+                <a:solidFill>
+                  <a:schemeClr val="tx2"/>
+                </a:solidFill>
+              </a:defRPr>
+            </a:lvl9pPr>
+          </a:lstStyle>
+          <a:p>
+            <a:pPr algn="ctr"/>
+            <a:r>
+              <a:rPr lang="es-MX" sz="3600" dirty="0"/>
+              <a:t>Programación Funcional </a:t>
+            </a:r>
+          </a:p>
+        </p:txBody>
+      </p:sp>
+      <p:sp>
+        <p:nvSpPr>
+          <p:cNvPr id="4" name="CuadroTexto 3">
+            <a:extLst>
+              <a:ext uri="{FF2B5EF4-FFF2-40B4-BE49-F238E27FC236}">
+                <a16:creationId xmlns:a16="http://schemas.microsoft.com/office/drawing/2014/main" id="{DDCB6DD5-3CE6-E36B-BB57-5526B1DF0170}"/>
+              </a:ext>
+            </a:extLst>
+          </p:cNvPr>
+          <p:cNvSpPr txBox="1"/>
+          <p:nvPr/>
+        </p:nvSpPr>
+        <p:spPr>
+          <a:xfrm>
+            <a:off x="737755" y="108289"/>
+            <a:ext cx="8229600" cy="369332"/>
+          </a:xfrm>
+          <a:prstGeom prst="rect">
+            <a:avLst/>
+          </a:prstGeom>
+          <a:noFill/>
+        </p:spPr>
+        <p:txBody>
+          <a:bodyPr wrap="square">
+            <a:spAutoFit/>
+          </a:bodyPr>
+          <a:lstStyle/>
+          <a:p>
+            <a:r>
+              <a:rPr lang="es-MX" dirty="0"/>
+              <a:t>Reduce</a:t>
+            </a:r>
+          </a:p>
+        </p:txBody>
+      </p:sp>
+      <p:sp>
+        <p:nvSpPr>
+          <p:cNvPr id="6" name="CuadroTexto 5">
+            <a:extLst>
+              <a:ext uri="{FF2B5EF4-FFF2-40B4-BE49-F238E27FC236}">
+                <a16:creationId xmlns:a16="http://schemas.microsoft.com/office/drawing/2014/main" id="{5C46EFC8-3C31-F583-0F3D-E6A1760538AA}"/>
+              </a:ext>
+            </a:extLst>
+          </p:cNvPr>
+          <p:cNvSpPr txBox="1"/>
+          <p:nvPr/>
+        </p:nvSpPr>
+        <p:spPr>
+          <a:xfrm>
+            <a:off x="737755" y="477621"/>
+            <a:ext cx="15233072" cy="738664"/>
+          </a:xfrm>
+          <a:prstGeom prst="rect">
+            <a:avLst/>
+          </a:prstGeom>
+          <a:noFill/>
+        </p:spPr>
+        <p:txBody>
+          <a:bodyPr wrap="square">
+            <a:spAutoFit/>
+          </a:bodyPr>
+          <a:lstStyle/>
+          <a:p>
+            <a:r>
+              <a:rPr lang="es-MX" sz="1400" dirty="0"/>
+              <a:t>Reduce es una función incorporada de Python 2, que toma como argumento un conjunto de valores (una lista, una tupla, o cualquier objeto iterable) y lo "reduce" a un único valor. Cómo se obtiene ese único valor a partir de la colección pasada como argumento dependerá de la función aplicada. Por ejemplo, el siguiente código reduce la lista [1, 2, 3, 4] al número 10 aplicando la función </a:t>
+            </a:r>
+            <a:r>
+              <a:rPr lang="es-MX" sz="1400" dirty="0" err="1"/>
+              <a:t>add</a:t>
+            </a:r>
+            <a:r>
+              <a:rPr lang="es-MX" sz="1400" dirty="0"/>
+              <a:t>(a, b), que retorna la suma de sus argumentos. </a:t>
+            </a:r>
+          </a:p>
+        </p:txBody>
+      </p:sp>
+      <p:pic>
+        <p:nvPicPr>
+          <p:cNvPr id="8" name="Imagen 7">
+            <a:extLst>
+              <a:ext uri="{FF2B5EF4-FFF2-40B4-BE49-F238E27FC236}">
+                <a16:creationId xmlns:a16="http://schemas.microsoft.com/office/drawing/2014/main" id="{1B265618-741A-BEFD-4142-2F8655F98F10}"/>
+              </a:ext>
+            </a:extLst>
+          </p:cNvPr>
+          <p:cNvPicPr>
+            <a:picLocks noChangeAspect="1"/>
+          </p:cNvPicPr>
+          <p:nvPr/>
+        </p:nvPicPr>
+        <p:blipFill>
+          <a:blip r:embed="rId2"/>
+          <a:stretch>
+            <a:fillRect/>
+          </a:stretch>
+        </p:blipFill>
+        <p:spPr>
+          <a:xfrm>
+            <a:off x="825863" y="1324574"/>
+            <a:ext cx="4203338" cy="1229700"/>
+          </a:xfrm>
+          <a:prstGeom prst="rect">
+            <a:avLst/>
+          </a:prstGeom>
+        </p:spPr>
+      </p:pic>
+      <p:sp>
+        <p:nvSpPr>
+          <p:cNvPr id="10" name="CuadroTexto 9">
+            <a:extLst>
+              <a:ext uri="{FF2B5EF4-FFF2-40B4-BE49-F238E27FC236}">
+                <a16:creationId xmlns:a16="http://schemas.microsoft.com/office/drawing/2014/main" id="{6F7D16F7-4AF2-FF99-4CC8-E32E3D573B74}"/>
+              </a:ext>
+            </a:extLst>
+          </p:cNvPr>
+          <p:cNvSpPr txBox="1"/>
+          <p:nvPr/>
+        </p:nvSpPr>
+        <p:spPr>
+          <a:xfrm>
+            <a:off x="737755" y="2709011"/>
+            <a:ext cx="4291446" cy="1169551"/>
+          </a:xfrm>
+          <a:prstGeom prst="rect">
+            <a:avLst/>
+          </a:prstGeom>
+          <a:noFill/>
+        </p:spPr>
+        <p:txBody>
+          <a:bodyPr wrap="square">
+            <a:spAutoFit/>
+          </a:bodyPr>
+          <a:lstStyle/>
+          <a:p>
+            <a:r>
+              <a:rPr lang="es-MX" sz="1400" dirty="0"/>
+              <a:t>La función pasada como primer argumento debe tener dos parámetros. reduce() se encargará de llamarla de forma acumulativa (es decir, preservando el resultado de llamadas anteriores) de izquierda a derecha. De modo que el código anterior es similar a:</a:t>
+            </a:r>
+          </a:p>
+        </p:txBody>
+      </p:sp>
+      <p:pic>
+        <p:nvPicPr>
+          <p:cNvPr id="12" name="Imagen 11">
+            <a:extLst>
+              <a:ext uri="{FF2B5EF4-FFF2-40B4-BE49-F238E27FC236}">
+                <a16:creationId xmlns:a16="http://schemas.microsoft.com/office/drawing/2014/main" id="{A8760D65-E5B0-D812-6A3E-8F5742AACCD7}"/>
+              </a:ext>
+            </a:extLst>
+          </p:cNvPr>
+          <p:cNvPicPr>
+            <a:picLocks noChangeAspect="1"/>
+          </p:cNvPicPr>
+          <p:nvPr/>
+        </p:nvPicPr>
+        <p:blipFill>
+          <a:blip r:embed="rId3"/>
+          <a:stretch>
+            <a:fillRect/>
+          </a:stretch>
+        </p:blipFill>
+        <p:spPr>
+          <a:xfrm>
+            <a:off x="825863" y="4061792"/>
+            <a:ext cx="4109819" cy="518469"/>
+          </a:xfrm>
+          <a:prstGeom prst="rect">
+            <a:avLst/>
+          </a:prstGeom>
+        </p:spPr>
+      </p:pic>
+      <p:cxnSp>
+        <p:nvCxnSpPr>
+          <p:cNvPr id="14" name="Conector recto 13">
+            <a:extLst>
+              <a:ext uri="{FF2B5EF4-FFF2-40B4-BE49-F238E27FC236}">
+                <a16:creationId xmlns:a16="http://schemas.microsoft.com/office/drawing/2014/main" id="{A4BD4ACE-01B7-3D6A-9AE5-6385E257DE74}"/>
+              </a:ext>
+            </a:extLst>
+          </p:cNvPr>
+          <p:cNvCxnSpPr/>
+          <p:nvPr/>
+        </p:nvCxnSpPr>
+        <p:spPr>
+          <a:xfrm>
+            <a:off x="5777345" y="1324574"/>
+            <a:ext cx="0" cy="5481471"/>
+          </a:xfrm>
+          <a:prstGeom prst="line">
+            <a:avLst/>
+          </a:prstGeom>
+        </p:spPr>
+        <p:style>
+          <a:lnRef idx="1">
+            <a:schemeClr val="accent1"/>
+          </a:lnRef>
+          <a:fillRef idx="0">
+            <a:schemeClr val="accent1"/>
+          </a:fillRef>
+          <a:effectRef idx="0">
+            <a:schemeClr val="accent1"/>
+          </a:effectRef>
+          <a:fontRef idx="minor">
+            <a:schemeClr val="tx1"/>
+          </a:fontRef>
+        </p:style>
+      </p:cxnSp>
+      <p:sp>
+        <p:nvSpPr>
+          <p:cNvPr id="16" name="CuadroTexto 15">
+            <a:extLst>
+              <a:ext uri="{FF2B5EF4-FFF2-40B4-BE49-F238E27FC236}">
+                <a16:creationId xmlns:a16="http://schemas.microsoft.com/office/drawing/2014/main" id="{CDDC8D82-AE0F-4192-0B6B-693BF4CC83D9}"/>
+              </a:ext>
+            </a:extLst>
+          </p:cNvPr>
+          <p:cNvSpPr txBox="1"/>
+          <p:nvPr/>
+        </p:nvSpPr>
+        <p:spPr>
+          <a:xfrm>
+            <a:off x="6037118" y="1101980"/>
+            <a:ext cx="8229600" cy="369332"/>
+          </a:xfrm>
+          <a:prstGeom prst="rect">
+            <a:avLst/>
+          </a:prstGeom>
+          <a:noFill/>
+        </p:spPr>
+        <p:txBody>
+          <a:bodyPr wrap="square">
+            <a:spAutoFit/>
+          </a:bodyPr>
+          <a:lstStyle/>
+          <a:p>
+            <a:r>
+              <a:rPr lang="es-MX" dirty="0"/>
+              <a:t>Funciones lamba</a:t>
+            </a:r>
+          </a:p>
+        </p:txBody>
+      </p:sp>
+      <p:sp>
+        <p:nvSpPr>
+          <p:cNvPr id="19" name="CuadroTexto 18">
+            <a:extLst>
+              <a:ext uri="{FF2B5EF4-FFF2-40B4-BE49-F238E27FC236}">
+                <a16:creationId xmlns:a16="http://schemas.microsoft.com/office/drawing/2014/main" id="{7AC64758-7B79-271D-9BAC-5AB7F97F1895}"/>
+              </a:ext>
+            </a:extLst>
+          </p:cNvPr>
+          <p:cNvSpPr txBox="1"/>
+          <p:nvPr/>
+        </p:nvSpPr>
+        <p:spPr>
+          <a:xfrm>
+            <a:off x="6037118" y="1471312"/>
+            <a:ext cx="9933709" cy="1384995"/>
+          </a:xfrm>
+          <a:prstGeom prst="rect">
+            <a:avLst/>
+          </a:prstGeom>
+          <a:noFill/>
+        </p:spPr>
+        <p:txBody>
+          <a:bodyPr wrap="square">
+            <a:spAutoFit/>
+          </a:bodyPr>
+          <a:lstStyle/>
+          <a:p>
+            <a:r>
+              <a:rPr lang="es-MX" sz="1400" dirty="0"/>
+              <a:t>En Python, una función Lambda se refiere a una pequeña función anónima. Las llamamos “funciones anónimas” porque técnicamente carecen de nombre. Al contrario que una función normal, no la definimos con la palabra clave estándar </a:t>
+            </a:r>
+            <a:r>
+              <a:rPr lang="es-MX" sz="1400" dirty="0" err="1"/>
+              <a:t>def</a:t>
+            </a:r>
+            <a:r>
+              <a:rPr lang="es-MX" sz="1400" dirty="0"/>
+              <a:t> que utilizamos en Python. En su lugar, las funciones Lambda se definen como una línea que ejecuta una sola expresión. Este tipo de funciones pueden tomar cualquier número de argumentos, pero solo pueden tener una expresión. </a:t>
+            </a:r>
+          </a:p>
+          <a:p>
+            <a:r>
+              <a:rPr lang="es-MX" sz="1400" dirty="0"/>
+              <a:t>Sintaxis básica </a:t>
+            </a:r>
+          </a:p>
+          <a:p>
+            <a:r>
+              <a:rPr lang="es-MX" sz="1400" dirty="0"/>
+              <a:t>Todas las funciones Lambda en Python tienen exactamente la misma sintaxis</a:t>
+            </a:r>
+          </a:p>
+        </p:txBody>
+      </p:sp>
+      <p:pic>
+        <p:nvPicPr>
+          <p:cNvPr id="21" name="Imagen 20">
+            <a:extLst>
+              <a:ext uri="{FF2B5EF4-FFF2-40B4-BE49-F238E27FC236}">
+                <a16:creationId xmlns:a16="http://schemas.microsoft.com/office/drawing/2014/main" id="{51BF4BE5-05C9-29D1-6155-FE896739A427}"/>
+              </a:ext>
+            </a:extLst>
+          </p:cNvPr>
+          <p:cNvPicPr>
+            <a:picLocks noChangeAspect="1"/>
+          </p:cNvPicPr>
+          <p:nvPr/>
+        </p:nvPicPr>
+        <p:blipFill>
+          <a:blip r:embed="rId4"/>
+          <a:stretch>
+            <a:fillRect/>
+          </a:stretch>
+        </p:blipFill>
+        <p:spPr>
+          <a:xfrm>
+            <a:off x="6144634" y="2903277"/>
+            <a:ext cx="6000750" cy="952500"/>
+          </a:xfrm>
+          <a:prstGeom prst="rect">
+            <a:avLst/>
+          </a:prstGeom>
+        </p:spPr>
+      </p:pic>
+      <p:sp>
+        <p:nvSpPr>
+          <p:cNvPr id="23" name="CuadroTexto 22">
+            <a:extLst>
+              <a:ext uri="{FF2B5EF4-FFF2-40B4-BE49-F238E27FC236}">
+                <a16:creationId xmlns:a16="http://schemas.microsoft.com/office/drawing/2014/main" id="{FD952208-0ABB-F52E-1863-FC92077EF330}"/>
+              </a:ext>
+            </a:extLst>
+          </p:cNvPr>
+          <p:cNvSpPr txBox="1"/>
+          <p:nvPr/>
+        </p:nvSpPr>
+        <p:spPr>
+          <a:xfrm>
+            <a:off x="6037118" y="4035229"/>
+            <a:ext cx="9535894" cy="307777"/>
+          </a:xfrm>
+          <a:prstGeom prst="rect">
+            <a:avLst/>
+          </a:prstGeom>
+          <a:noFill/>
+        </p:spPr>
+        <p:txBody>
+          <a:bodyPr wrap="square">
+            <a:spAutoFit/>
+          </a:bodyPr>
+          <a:lstStyle/>
+          <a:p>
+            <a:r>
+              <a:rPr lang="es-MX" sz="1400" dirty="0"/>
+              <a:t>Como mejor te lo puedo explicar es enseñándote un ejemplo básico, vamos a ver una función normal y un ejemplo de Lambda:</a:t>
+            </a:r>
+          </a:p>
+        </p:txBody>
+      </p:sp>
+      <p:pic>
+        <p:nvPicPr>
+          <p:cNvPr id="25" name="Imagen 24">
+            <a:extLst>
+              <a:ext uri="{FF2B5EF4-FFF2-40B4-BE49-F238E27FC236}">
+                <a16:creationId xmlns:a16="http://schemas.microsoft.com/office/drawing/2014/main" id="{392E1C2B-F99B-E4D2-F6DD-AD5FEA47ED24}"/>
+              </a:ext>
+            </a:extLst>
+          </p:cNvPr>
+          <p:cNvPicPr>
+            <a:picLocks noChangeAspect="1"/>
+          </p:cNvPicPr>
+          <p:nvPr/>
+        </p:nvPicPr>
+        <p:blipFill>
+          <a:blip r:embed="rId5"/>
+          <a:stretch>
+            <a:fillRect/>
+          </a:stretch>
+        </p:blipFill>
+        <p:spPr>
+          <a:xfrm>
+            <a:off x="6144634" y="4407117"/>
+            <a:ext cx="6543675" cy="2314575"/>
+          </a:xfrm>
+          <a:prstGeom prst="rect">
+            <a:avLst/>
+          </a:prstGeom>
+        </p:spPr>
+      </p:pic>
+      <p:sp>
+        <p:nvSpPr>
+          <p:cNvPr id="27" name="CuadroTexto 26">
+            <a:extLst>
+              <a:ext uri="{FF2B5EF4-FFF2-40B4-BE49-F238E27FC236}">
+                <a16:creationId xmlns:a16="http://schemas.microsoft.com/office/drawing/2014/main" id="{22C192B9-AD7C-179C-504A-066F3FFE3A2F}"/>
+              </a:ext>
+            </a:extLst>
+          </p:cNvPr>
+          <p:cNvSpPr txBox="1"/>
+          <p:nvPr/>
+        </p:nvSpPr>
+        <p:spPr>
+          <a:xfrm>
+            <a:off x="12822383" y="4313055"/>
+            <a:ext cx="3293918" cy="2492990"/>
+          </a:xfrm>
+          <a:prstGeom prst="rect">
+            <a:avLst/>
+          </a:prstGeom>
+          <a:noFill/>
+        </p:spPr>
+        <p:txBody>
+          <a:bodyPr wrap="square">
+            <a:spAutoFit/>
+          </a:bodyPr>
+          <a:lstStyle/>
+          <a:p>
+            <a:r>
+              <a:rPr lang="es-MX" sz="1200" dirty="0"/>
+              <a:t>Al igual que ocurre en las </a:t>
+            </a:r>
+            <a:r>
+              <a:rPr lang="es-MX" sz="1200" dirty="0" err="1"/>
+              <a:t>list</a:t>
+            </a:r>
+            <a:r>
+              <a:rPr lang="es-MX" sz="1200" dirty="0"/>
+              <a:t>, lo que hemos hecho es escribir el código en una sola línea y limpiar la sintaxis innecesaria. En lugar de usar </a:t>
+            </a:r>
+            <a:r>
+              <a:rPr lang="es-MX" sz="1200" dirty="0" err="1"/>
+              <a:t>def</a:t>
+            </a:r>
+            <a:r>
+              <a:rPr lang="es-MX" sz="1200" dirty="0"/>
+              <a:t> para definir nuestra función, hemos utilizado la palabra clave lambda; a continuación escribimos x, y como argumentos de la función, y x + y como expresión. Además, se omite la palabra clave </a:t>
+            </a:r>
+            <a:r>
+              <a:rPr lang="es-MX" sz="1200" dirty="0" err="1"/>
+              <a:t>return</a:t>
+            </a:r>
+            <a:r>
+              <a:rPr lang="es-MX" sz="1200" dirty="0"/>
+              <a:t>, condensando aún más la sintaxis. Por último, y  aunque la definición es anónima, la almacenamos en la variable </a:t>
+            </a:r>
+            <a:r>
+              <a:rPr lang="es-MX" sz="1200" dirty="0" err="1"/>
+              <a:t>suma_dos</a:t>
+            </a:r>
+            <a:r>
+              <a:rPr lang="es-MX" sz="1200" dirty="0"/>
+              <a:t> para poder llamarla desde cualquier parte del código, de no ser así tan solo podríamos hacer uso de ella en la línea donde la definamos.</a:t>
+            </a:r>
+          </a:p>
+        </p:txBody>
+      </p:sp>
+    </p:spTree>
+    <p:extLst>
+      <p:ext uri="{BB962C8B-B14F-4D97-AF65-F5344CB8AC3E}">
+        <p14:creationId xmlns:p14="http://schemas.microsoft.com/office/powerpoint/2010/main" val="2579045422"/>
+      </p:ext>
+    </p:extLst>
+  </p:cSld>
+  <p:clrMapOvr>
+    <a:masterClrMapping/>
+  </p:clrMapOvr>
+</p:sld>
+</file>
+
+<file path=ppt/slides/slide24.xml><?xml version="1.0" encoding="utf-8"?>
+<p:sld xmlns:a="http://schemas.openxmlformats.org/drawingml/2006/main" xmlns:r="http://schemas.openxmlformats.org/officeDocument/2006/relationships" xmlns:p="http://schemas.openxmlformats.org/presentationml/2006/main">
+  <p:cSld>
+    <p:spTree>
+      <p:nvGrpSpPr>
+        <p:cNvPr id="1" name=""/>
+        <p:cNvGrpSpPr/>
+        <p:nvPr/>
+      </p:nvGrpSpPr>
+      <p:grpSpPr>
+        <a:xfrm>
+          <a:off x="0" y="0"/>
+          <a:ext cx="0" cy="0"/>
+          <a:chOff x="0" y="0"/>
+          <a:chExt cx="0" cy="0"/>
+        </a:xfrm>
+      </p:grpSpPr>
+      <p:sp>
+        <p:nvSpPr>
+          <p:cNvPr id="17" name="Marcador de número de diapositiva 19">
+            <a:extLst>
+              <a:ext uri="{FF2B5EF4-FFF2-40B4-BE49-F238E27FC236}">
+                <a16:creationId xmlns:a16="http://schemas.microsoft.com/office/drawing/2014/main" id="{5C929FC2-CE12-1BD5-686A-E2CB55C0B797}"/>
+              </a:ext>
+            </a:extLst>
+          </p:cNvPr>
+          <p:cNvSpPr>
+            <a:spLocks noGrp="1"/>
+          </p:cNvSpPr>
+          <p:nvPr>
+            <p:ph type="sldNum" sz="quarter" idx="12"/>
+          </p:nvPr>
+        </p:nvSpPr>
+        <p:spPr>
+          <a:xfrm>
+            <a:off x="0" y="0"/>
+            <a:ext cx="568411" cy="620925"/>
+          </a:xfrm>
+          <a:solidFill>
+            <a:schemeClr val="accent1">
+              <a:lumMod val="75000"/>
+            </a:schemeClr>
+          </a:solidFill>
+        </p:spPr>
+        <p:txBody>
+          <a:bodyPr numCol="1"/>
+          <a:lstStyle/>
+          <a:p>
+            <a:pPr algn="ctr"/>
+            <a:fld id="{FE569E57-A1D0-47AE-A3E4-85DA6C503064}" type="slidenum">
+              <a:rPr lang="es-MX" sz="2800" smtClean="0"/>
+              <a:pPr algn="ctr"/>
+              <a:t>24</a:t>
+            </a:fld>
+            <a:endParaRPr lang="es-MX" sz="2800" dirty="0"/>
+          </a:p>
+        </p:txBody>
+      </p:sp>
+      <p:sp>
+        <p:nvSpPr>
+          <p:cNvPr id="2" name="Título 1">
+            <a:extLst>
+              <a:ext uri="{FF2B5EF4-FFF2-40B4-BE49-F238E27FC236}">
+                <a16:creationId xmlns:a16="http://schemas.microsoft.com/office/drawing/2014/main" id="{6F55C69E-1BF1-41EF-B645-FF25DE892C1C}"/>
+              </a:ext>
+            </a:extLst>
+          </p:cNvPr>
+          <p:cNvSpPr txBox="1">
+            <a:spLocks/>
+          </p:cNvSpPr>
+          <p:nvPr/>
+        </p:nvSpPr>
+        <p:spPr>
+          <a:xfrm rot="16200000">
+            <a:off x="-2769333" y="2914868"/>
+            <a:ext cx="6401774" cy="788616"/>
+          </a:xfrm>
+          <a:prstGeom prst="rect">
+            <a:avLst/>
+          </a:prstGeom>
+        </p:spPr>
+        <p:txBody>
+          <a:bodyPr vert="horz" lIns="91440" tIns="45720" rIns="91440" bIns="45720" rtlCol="0" anchor="t">
+            <a:noAutofit/>
+          </a:bodyPr>
+          <a:lstStyle>
+            <a:lvl1pPr algn="l" defTabSz="479969" rtl="0" eaLnBrk="1" latinLnBrk="0" hangingPunct="1">
+              <a:spcBef>
+                <a:spcPct val="0"/>
+              </a:spcBef>
+              <a:buNone/>
+              <a:defRPr sz="4409" b="0" i="0" kern="1200">
+                <a:solidFill>
+                  <a:schemeClr val="tx2"/>
+                </a:solidFill>
+                <a:latin typeface="+mj-lt"/>
+                <a:ea typeface="+mj-ea"/>
+                <a:cs typeface="+mj-cs"/>
+              </a:defRPr>
+            </a:lvl1pPr>
+            <a:lvl2pPr eaLnBrk="1" hangingPunct="1">
+              <a:defRPr>
+                <a:solidFill>
+                  <a:schemeClr val="tx2"/>
+                </a:solidFill>
+              </a:defRPr>
+            </a:lvl2pPr>
+            <a:lvl3pPr eaLnBrk="1" hangingPunct="1">
+              <a:defRPr>
+                <a:solidFill>
+                  <a:schemeClr val="tx2"/>
+                </a:solidFill>
+              </a:defRPr>
+            </a:lvl3pPr>
+            <a:lvl4pPr eaLnBrk="1" hangingPunct="1">
+              <a:defRPr>
+                <a:solidFill>
+                  <a:schemeClr val="tx2"/>
+                </a:solidFill>
+              </a:defRPr>
+            </a:lvl4pPr>
+            <a:lvl5pPr eaLnBrk="1" hangingPunct="1">
+              <a:defRPr>
+                <a:solidFill>
+                  <a:schemeClr val="tx2"/>
+                </a:solidFill>
+              </a:defRPr>
+            </a:lvl5pPr>
+            <a:lvl6pPr eaLnBrk="1" hangingPunct="1">
+              <a:defRPr>
+                <a:solidFill>
+                  <a:schemeClr val="tx2"/>
+                </a:solidFill>
+              </a:defRPr>
+            </a:lvl6pPr>
+            <a:lvl7pPr eaLnBrk="1" hangingPunct="1">
+              <a:defRPr>
+                <a:solidFill>
+                  <a:schemeClr val="tx2"/>
+                </a:solidFill>
+              </a:defRPr>
+            </a:lvl7pPr>
+            <a:lvl8pPr eaLnBrk="1" hangingPunct="1">
+              <a:defRPr>
+                <a:solidFill>
+                  <a:schemeClr val="tx2"/>
+                </a:solidFill>
+              </a:defRPr>
+            </a:lvl8pPr>
+            <a:lvl9pPr eaLnBrk="1" hangingPunct="1">
+              <a:defRPr>
+                <a:solidFill>
+                  <a:schemeClr val="tx2"/>
+                </a:solidFill>
+              </a:defRPr>
+            </a:lvl9pPr>
+          </a:lstStyle>
+          <a:p>
+            <a:pPr algn="ctr"/>
+            <a:r>
+              <a:rPr lang="es-MX" sz="3600" dirty="0"/>
+              <a:t>Comprensión de listas</a:t>
+            </a:r>
+          </a:p>
+        </p:txBody>
+      </p:sp>
+      <p:sp>
+        <p:nvSpPr>
+          <p:cNvPr id="4" name="CuadroTexto 3">
+            <a:extLst>
+              <a:ext uri="{FF2B5EF4-FFF2-40B4-BE49-F238E27FC236}">
+                <a16:creationId xmlns:a16="http://schemas.microsoft.com/office/drawing/2014/main" id="{BCD48ADC-EF92-AFAD-9B76-28191DA4F55C}"/>
+              </a:ext>
+            </a:extLst>
+          </p:cNvPr>
+          <p:cNvSpPr txBox="1"/>
+          <p:nvPr/>
+        </p:nvSpPr>
+        <p:spPr>
+          <a:xfrm>
+            <a:off x="1018971" y="466325"/>
+            <a:ext cx="14889510" cy="523220"/>
+          </a:xfrm>
+          <a:prstGeom prst="rect">
+            <a:avLst/>
+          </a:prstGeom>
+          <a:noFill/>
+        </p:spPr>
+        <p:txBody>
+          <a:bodyPr wrap="square">
+            <a:spAutoFit/>
+          </a:bodyPr>
+          <a:lstStyle/>
+          <a:p>
+            <a:r>
+              <a:rPr lang="es-MX" sz="1400" dirty="0"/>
+              <a:t>La comprensión de listas, del inglés </a:t>
+            </a:r>
+            <a:r>
+              <a:rPr lang="es-MX" sz="1400" dirty="0" err="1"/>
+              <a:t>list</a:t>
+            </a:r>
+            <a:r>
+              <a:rPr lang="es-MX" sz="1400" dirty="0"/>
+              <a:t> </a:t>
+            </a:r>
+            <a:r>
+              <a:rPr lang="es-MX" sz="1400" dirty="0" err="1"/>
+              <a:t>comprehensions</a:t>
+            </a:r>
+            <a:r>
+              <a:rPr lang="es-MX" sz="1400" dirty="0"/>
+              <a:t>, es una funcionalidad que nos permite crear listas avanzadas en una misma línea de código. Esto se ve mucho mejor en la práctica, así que a lo largo de esta lección vamos a trabajar distintos ejemplos. </a:t>
+            </a:r>
+          </a:p>
+        </p:txBody>
+      </p:sp>
+      <p:sp>
+        <p:nvSpPr>
+          <p:cNvPr id="6" name="CuadroTexto 5">
+            <a:extLst>
+              <a:ext uri="{FF2B5EF4-FFF2-40B4-BE49-F238E27FC236}">
+                <a16:creationId xmlns:a16="http://schemas.microsoft.com/office/drawing/2014/main" id="{98293A6B-11A0-71CE-613C-A0AE24CDCA0D}"/>
+              </a:ext>
+            </a:extLst>
+          </p:cNvPr>
+          <p:cNvSpPr txBox="1"/>
+          <p:nvPr/>
+        </p:nvSpPr>
+        <p:spPr>
+          <a:xfrm>
+            <a:off x="1018971" y="1122666"/>
+            <a:ext cx="4083627" cy="307777"/>
+          </a:xfrm>
+          <a:prstGeom prst="rect">
+            <a:avLst/>
+          </a:prstGeom>
+          <a:noFill/>
+        </p:spPr>
+        <p:txBody>
+          <a:bodyPr wrap="square">
+            <a:spAutoFit/>
+          </a:bodyPr>
+          <a:lstStyle/>
+          <a:p>
+            <a:r>
+              <a:rPr lang="es-MX" sz="1400" dirty="0"/>
+              <a:t>Crear una lista con las letras de una palabra:</a:t>
+            </a:r>
+          </a:p>
+        </p:txBody>
+      </p:sp>
+      <p:pic>
+        <p:nvPicPr>
+          <p:cNvPr id="8" name="Imagen 7">
+            <a:extLst>
+              <a:ext uri="{FF2B5EF4-FFF2-40B4-BE49-F238E27FC236}">
+                <a16:creationId xmlns:a16="http://schemas.microsoft.com/office/drawing/2014/main" id="{490CCCED-2DB9-C5BD-41B0-2F46D7906FCC}"/>
+              </a:ext>
+            </a:extLst>
+          </p:cNvPr>
+          <p:cNvPicPr>
+            <a:picLocks noChangeAspect="1"/>
+          </p:cNvPicPr>
+          <p:nvPr/>
+        </p:nvPicPr>
+        <p:blipFill>
+          <a:blip r:embed="rId2"/>
+          <a:stretch>
+            <a:fillRect/>
+          </a:stretch>
+        </p:blipFill>
+        <p:spPr>
+          <a:xfrm>
+            <a:off x="1156030" y="1495229"/>
+            <a:ext cx="3057525" cy="2276475"/>
+          </a:xfrm>
+          <a:prstGeom prst="rect">
+            <a:avLst/>
+          </a:prstGeom>
+        </p:spPr>
+      </p:pic>
+      <p:pic>
+        <p:nvPicPr>
+          <p:cNvPr id="10" name="Imagen 9">
+            <a:extLst>
+              <a:ext uri="{FF2B5EF4-FFF2-40B4-BE49-F238E27FC236}">
+                <a16:creationId xmlns:a16="http://schemas.microsoft.com/office/drawing/2014/main" id="{BFC242CF-CB99-861D-16F0-CF7D5F61A07F}"/>
+              </a:ext>
+            </a:extLst>
+          </p:cNvPr>
+          <p:cNvPicPr>
+            <a:picLocks noChangeAspect="1"/>
+          </p:cNvPicPr>
+          <p:nvPr/>
+        </p:nvPicPr>
+        <p:blipFill>
+          <a:blip r:embed="rId3"/>
+          <a:stretch>
+            <a:fillRect/>
+          </a:stretch>
+        </p:blipFill>
+        <p:spPr>
+          <a:xfrm>
+            <a:off x="1131971" y="5068127"/>
+            <a:ext cx="3857625" cy="1924050"/>
+          </a:xfrm>
+          <a:prstGeom prst="rect">
+            <a:avLst/>
+          </a:prstGeom>
+        </p:spPr>
+      </p:pic>
+      <p:sp>
+        <p:nvSpPr>
+          <p:cNvPr id="12" name="CuadroTexto 11">
+            <a:extLst>
+              <a:ext uri="{FF2B5EF4-FFF2-40B4-BE49-F238E27FC236}">
+                <a16:creationId xmlns:a16="http://schemas.microsoft.com/office/drawing/2014/main" id="{C7BD99F3-E8D5-CA0B-8274-4EA036233B91}"/>
+              </a:ext>
+            </a:extLst>
+          </p:cNvPr>
+          <p:cNvSpPr txBox="1"/>
+          <p:nvPr/>
+        </p:nvSpPr>
+        <p:spPr>
+          <a:xfrm>
+            <a:off x="1018971" y="3952236"/>
+            <a:ext cx="4083627" cy="954107"/>
+          </a:xfrm>
+          <a:prstGeom prst="rect">
+            <a:avLst/>
+          </a:prstGeom>
+          <a:noFill/>
+        </p:spPr>
+        <p:txBody>
+          <a:bodyPr wrap="square">
+            <a:spAutoFit/>
+          </a:bodyPr>
+          <a:lstStyle/>
+          <a:p>
+            <a:r>
+              <a:rPr lang="es-MX" sz="1400" dirty="0"/>
+              <a:t>Como vemos, gracias a la comprensión de listas podemos indicar directamente cada elemento que va a formar la lista, en este caso la letra, a la vez que definimos el </a:t>
+            </a:r>
+            <a:r>
+              <a:rPr lang="es-MX" sz="1400" dirty="0" err="1"/>
+              <a:t>for</a:t>
+            </a:r>
+            <a:r>
+              <a:rPr lang="es-MX" sz="1400" dirty="0"/>
+              <a:t>:</a:t>
+            </a:r>
+          </a:p>
+        </p:txBody>
+      </p:sp>
+      <p:sp>
+        <p:nvSpPr>
+          <p:cNvPr id="14" name="CuadroTexto 13">
+            <a:extLst>
+              <a:ext uri="{FF2B5EF4-FFF2-40B4-BE49-F238E27FC236}">
+                <a16:creationId xmlns:a16="http://schemas.microsoft.com/office/drawing/2014/main" id="{3BDCAC1B-20DA-C736-D03A-59CBF2F90634}"/>
+              </a:ext>
+            </a:extLst>
+          </p:cNvPr>
+          <p:cNvSpPr txBox="1"/>
+          <p:nvPr/>
+        </p:nvSpPr>
+        <p:spPr>
+          <a:xfrm>
+            <a:off x="6940510" y="1276554"/>
+            <a:ext cx="5244811" cy="307777"/>
+          </a:xfrm>
+          <a:prstGeom prst="rect">
+            <a:avLst/>
+          </a:prstGeom>
+          <a:noFill/>
+        </p:spPr>
+        <p:txBody>
+          <a:bodyPr wrap="square">
+            <a:spAutoFit/>
+          </a:bodyPr>
+          <a:lstStyle/>
+          <a:p>
+            <a:r>
+              <a:rPr lang="es-MX" sz="1400" dirty="0"/>
+              <a:t>Crear una lista con las potencias de 2 de los primeros 10 números: </a:t>
+            </a:r>
+          </a:p>
+        </p:txBody>
+      </p:sp>
+      <p:pic>
+        <p:nvPicPr>
+          <p:cNvPr id="16" name="Imagen 15">
+            <a:extLst>
+              <a:ext uri="{FF2B5EF4-FFF2-40B4-BE49-F238E27FC236}">
+                <a16:creationId xmlns:a16="http://schemas.microsoft.com/office/drawing/2014/main" id="{7D766A9A-0A09-BF92-B768-BC270638F2AA}"/>
+              </a:ext>
+            </a:extLst>
+          </p:cNvPr>
+          <p:cNvPicPr>
+            <a:picLocks noChangeAspect="1"/>
+          </p:cNvPicPr>
+          <p:nvPr/>
+        </p:nvPicPr>
+        <p:blipFill>
+          <a:blip r:embed="rId4"/>
+          <a:stretch>
+            <a:fillRect/>
+          </a:stretch>
+        </p:blipFill>
+        <p:spPr>
+          <a:xfrm>
+            <a:off x="7021368" y="1584331"/>
+            <a:ext cx="4314825" cy="2219325"/>
+          </a:xfrm>
+          <a:prstGeom prst="rect">
+            <a:avLst/>
+          </a:prstGeom>
+        </p:spPr>
+      </p:pic>
+      <p:cxnSp>
+        <p:nvCxnSpPr>
+          <p:cNvPr id="19" name="Conector recto 18">
+            <a:extLst>
+              <a:ext uri="{FF2B5EF4-FFF2-40B4-BE49-F238E27FC236}">
+                <a16:creationId xmlns:a16="http://schemas.microsoft.com/office/drawing/2014/main" id="{7B710847-E9CC-DC27-01BB-AD97F9B91886}"/>
+              </a:ext>
+            </a:extLst>
+          </p:cNvPr>
+          <p:cNvCxnSpPr/>
+          <p:nvPr/>
+        </p:nvCxnSpPr>
+        <p:spPr>
+          <a:xfrm>
+            <a:off x="6348845" y="1495229"/>
+            <a:ext cx="0" cy="5237759"/>
+          </a:xfrm>
+          <a:prstGeom prst="line">
+            <a:avLst/>
+          </a:prstGeom>
+        </p:spPr>
+        <p:style>
+          <a:lnRef idx="1">
+            <a:schemeClr val="accent1"/>
+          </a:lnRef>
+          <a:fillRef idx="0">
+            <a:schemeClr val="accent1"/>
+          </a:fillRef>
+          <a:effectRef idx="0">
+            <a:schemeClr val="accent1"/>
+          </a:effectRef>
+          <a:fontRef idx="minor">
+            <a:schemeClr val="tx1"/>
+          </a:fontRef>
+        </p:style>
+      </p:cxnSp>
+      <p:pic>
+        <p:nvPicPr>
+          <p:cNvPr id="21" name="Imagen 20">
+            <a:extLst>
+              <a:ext uri="{FF2B5EF4-FFF2-40B4-BE49-F238E27FC236}">
+                <a16:creationId xmlns:a16="http://schemas.microsoft.com/office/drawing/2014/main" id="{9953B97B-E892-0559-B8DF-56929EE84CBF}"/>
+              </a:ext>
+            </a:extLst>
+          </p:cNvPr>
+          <p:cNvPicPr>
+            <a:picLocks noChangeAspect="1"/>
+          </p:cNvPicPr>
+          <p:nvPr/>
+        </p:nvPicPr>
+        <p:blipFill>
+          <a:blip r:embed="rId5"/>
+          <a:stretch>
+            <a:fillRect/>
+          </a:stretch>
+        </p:blipFill>
+        <p:spPr>
+          <a:xfrm>
+            <a:off x="7021368" y="4752049"/>
+            <a:ext cx="4867275" cy="1905000"/>
+          </a:xfrm>
+          <a:prstGeom prst="rect">
+            <a:avLst/>
+          </a:prstGeom>
+        </p:spPr>
+      </p:pic>
+      <p:sp>
+        <p:nvSpPr>
+          <p:cNvPr id="23" name="CuadroTexto 22">
+            <a:extLst>
+              <a:ext uri="{FF2B5EF4-FFF2-40B4-BE49-F238E27FC236}">
+                <a16:creationId xmlns:a16="http://schemas.microsoft.com/office/drawing/2014/main" id="{B4E8426F-AD98-B59C-7034-3C331EF9A91F}"/>
+              </a:ext>
+            </a:extLst>
+          </p:cNvPr>
+          <p:cNvSpPr txBox="1"/>
+          <p:nvPr/>
+        </p:nvSpPr>
+        <p:spPr>
+          <a:xfrm>
+            <a:off x="6940510" y="3952236"/>
+            <a:ext cx="4395682" cy="523220"/>
+          </a:xfrm>
+          <a:prstGeom prst="rect">
+            <a:avLst/>
+          </a:prstGeom>
+          <a:noFill/>
+        </p:spPr>
+        <p:txBody>
+          <a:bodyPr wrap="square">
+            <a:spAutoFit/>
+          </a:bodyPr>
+          <a:lstStyle/>
+          <a:p>
+            <a:r>
+              <a:rPr lang="es-MX" sz="1400" dirty="0"/>
+              <a:t>De este ejemplo podemos aprender que es posible modificar al vuelo los elementos que van a formar la lista.</a:t>
+            </a:r>
+          </a:p>
+        </p:txBody>
+      </p:sp>
+    </p:spTree>
+    <p:extLst>
+      <p:ext uri="{BB962C8B-B14F-4D97-AF65-F5344CB8AC3E}">
+        <p14:creationId xmlns:p14="http://schemas.microsoft.com/office/powerpoint/2010/main" val="2365283497"/>
+      </p:ext>
+    </p:extLst>
+  </p:cSld>
+  <p:clrMapOvr>
+    <a:masterClrMapping/>
+  </p:clrMapOvr>
+</p:sld>
+</file>
+
+<file path=ppt/slides/slide25.xml><?xml version="1.0" encoding="utf-8"?>
+<p:sld xmlns:a="http://schemas.openxmlformats.org/drawingml/2006/main" xmlns:r="http://schemas.openxmlformats.org/officeDocument/2006/relationships" xmlns:p="http://schemas.openxmlformats.org/presentationml/2006/main">
+  <p:cSld>
+    <p:spTree>
+      <p:nvGrpSpPr>
+        <p:cNvPr id="1" name=""/>
+        <p:cNvGrpSpPr/>
+        <p:nvPr/>
+      </p:nvGrpSpPr>
+      <p:grpSpPr>
+        <a:xfrm>
+          <a:off x="0" y="0"/>
+          <a:ext cx="0" cy="0"/>
+          <a:chOff x="0" y="0"/>
+          <a:chExt cx="0" cy="0"/>
+        </a:xfrm>
+      </p:grpSpPr>
+      <p:sp>
+        <p:nvSpPr>
+          <p:cNvPr id="17" name="Marcador de número de diapositiva 19">
+            <a:extLst>
+              <a:ext uri="{FF2B5EF4-FFF2-40B4-BE49-F238E27FC236}">
+                <a16:creationId xmlns:a16="http://schemas.microsoft.com/office/drawing/2014/main" id="{5C929FC2-CE12-1BD5-686A-E2CB55C0B797}"/>
+              </a:ext>
+            </a:extLst>
+          </p:cNvPr>
+          <p:cNvSpPr>
+            <a:spLocks noGrp="1"/>
+          </p:cNvSpPr>
+          <p:nvPr>
+            <p:ph type="sldNum" sz="quarter" idx="12"/>
+          </p:nvPr>
+        </p:nvSpPr>
+        <p:spPr>
+          <a:xfrm>
+            <a:off x="0" y="0"/>
+            <a:ext cx="568411" cy="620925"/>
+          </a:xfrm>
+          <a:solidFill>
+            <a:schemeClr val="accent1">
+              <a:lumMod val="75000"/>
+            </a:schemeClr>
+          </a:solidFill>
+        </p:spPr>
+        <p:txBody>
+          <a:bodyPr numCol="1"/>
+          <a:lstStyle/>
+          <a:p>
+            <a:pPr algn="ctr"/>
+            <a:fld id="{FE569E57-A1D0-47AE-A3E4-85DA6C503064}" type="slidenum">
+              <a:rPr lang="es-MX" sz="2800" smtClean="0"/>
+              <a:pPr algn="ctr"/>
+              <a:t>25</a:t>
+            </a:fld>
+            <a:endParaRPr lang="es-MX" sz="2800" dirty="0"/>
+          </a:p>
+        </p:txBody>
+      </p:sp>
+      <p:sp>
+        <p:nvSpPr>
+          <p:cNvPr id="2" name="Título 1">
+            <a:extLst>
+              <a:ext uri="{FF2B5EF4-FFF2-40B4-BE49-F238E27FC236}">
+                <a16:creationId xmlns:a16="http://schemas.microsoft.com/office/drawing/2014/main" id="{6F55C69E-1BF1-41EF-B645-FF25DE892C1C}"/>
+              </a:ext>
+            </a:extLst>
+          </p:cNvPr>
+          <p:cNvSpPr txBox="1">
+            <a:spLocks/>
+          </p:cNvSpPr>
+          <p:nvPr/>
+        </p:nvSpPr>
+        <p:spPr>
+          <a:xfrm rot="16200000">
+            <a:off x="-2769333" y="2914868"/>
+            <a:ext cx="6401774" cy="788616"/>
+          </a:xfrm>
+          <a:prstGeom prst="rect">
+            <a:avLst/>
+          </a:prstGeom>
+        </p:spPr>
+        <p:txBody>
+          <a:bodyPr vert="horz" lIns="91440" tIns="45720" rIns="91440" bIns="45720" rtlCol="0" anchor="t">
+            <a:noAutofit/>
+          </a:bodyPr>
+          <a:lstStyle>
+            <a:lvl1pPr algn="l" defTabSz="479969" rtl="0" eaLnBrk="1" latinLnBrk="0" hangingPunct="1">
+              <a:spcBef>
+                <a:spcPct val="0"/>
+              </a:spcBef>
+              <a:buNone/>
+              <a:defRPr sz="4409" b="0" i="0" kern="1200">
+                <a:solidFill>
+                  <a:schemeClr val="tx2"/>
+                </a:solidFill>
+                <a:latin typeface="+mj-lt"/>
+                <a:ea typeface="+mj-ea"/>
+                <a:cs typeface="+mj-cs"/>
+              </a:defRPr>
+            </a:lvl1pPr>
+            <a:lvl2pPr eaLnBrk="1" hangingPunct="1">
+              <a:defRPr>
+                <a:solidFill>
+                  <a:schemeClr val="tx2"/>
+                </a:solidFill>
+              </a:defRPr>
+            </a:lvl2pPr>
+            <a:lvl3pPr eaLnBrk="1" hangingPunct="1">
+              <a:defRPr>
+                <a:solidFill>
+                  <a:schemeClr val="tx2"/>
+                </a:solidFill>
+              </a:defRPr>
+            </a:lvl3pPr>
+            <a:lvl4pPr eaLnBrk="1" hangingPunct="1">
+              <a:defRPr>
+                <a:solidFill>
+                  <a:schemeClr val="tx2"/>
+                </a:solidFill>
+              </a:defRPr>
+            </a:lvl4pPr>
+            <a:lvl5pPr eaLnBrk="1" hangingPunct="1">
+              <a:defRPr>
+                <a:solidFill>
+                  <a:schemeClr val="tx2"/>
+                </a:solidFill>
+              </a:defRPr>
+            </a:lvl5pPr>
+            <a:lvl6pPr eaLnBrk="1" hangingPunct="1">
+              <a:defRPr>
+                <a:solidFill>
+                  <a:schemeClr val="tx2"/>
+                </a:solidFill>
+              </a:defRPr>
+            </a:lvl6pPr>
+            <a:lvl7pPr eaLnBrk="1" hangingPunct="1">
+              <a:defRPr>
+                <a:solidFill>
+                  <a:schemeClr val="tx2"/>
+                </a:solidFill>
+              </a:defRPr>
+            </a:lvl7pPr>
+            <a:lvl8pPr eaLnBrk="1" hangingPunct="1">
+              <a:defRPr>
+                <a:solidFill>
+                  <a:schemeClr val="tx2"/>
+                </a:solidFill>
+              </a:defRPr>
+            </a:lvl8pPr>
+            <a:lvl9pPr eaLnBrk="1" hangingPunct="1">
+              <a:defRPr>
+                <a:solidFill>
+                  <a:schemeClr val="tx2"/>
+                </a:solidFill>
+              </a:defRPr>
+            </a:lvl9pPr>
+          </a:lstStyle>
+          <a:p>
+            <a:pPr algn="ctr"/>
+            <a:r>
+              <a:rPr lang="es-MX" sz="3600" dirty="0"/>
+              <a:t>Generadores</a:t>
+            </a:r>
+          </a:p>
+        </p:txBody>
+      </p:sp>
+      <p:sp>
+        <p:nvSpPr>
+          <p:cNvPr id="9" name="CuadroTexto 8">
+            <a:extLst>
+              <a:ext uri="{FF2B5EF4-FFF2-40B4-BE49-F238E27FC236}">
+                <a16:creationId xmlns:a16="http://schemas.microsoft.com/office/drawing/2014/main" id="{05B79AA6-9FDD-7F35-D548-49A30C198CF6}"/>
+              </a:ext>
+            </a:extLst>
+          </p:cNvPr>
+          <p:cNvSpPr txBox="1"/>
+          <p:nvPr/>
+        </p:nvSpPr>
+        <p:spPr>
+          <a:xfrm>
+            <a:off x="976746" y="310462"/>
+            <a:ext cx="14983690" cy="523220"/>
+          </a:xfrm>
+          <a:prstGeom prst="rect">
+            <a:avLst/>
+          </a:prstGeom>
+          <a:noFill/>
+        </p:spPr>
+        <p:txBody>
+          <a:bodyPr wrap="square">
+            <a:spAutoFit/>
+          </a:bodyPr>
+          <a:lstStyle/>
+          <a:p>
+            <a:r>
+              <a:rPr lang="es-MX" sz="1400" dirty="0"/>
+              <a:t>Un generador es una función que produce una secuencia de resultados en lugar de un único valor. Es decir, cada vez que llamemos a la función nos darán un nuevo resultado. Para construir generadores sólo tenemos que usar la orden </a:t>
+            </a:r>
+            <a:r>
+              <a:rPr lang="es-MX" sz="1400" dirty="0" err="1"/>
+              <a:t>yield</a:t>
+            </a:r>
+            <a:r>
+              <a:rPr lang="es-MX" sz="1400" dirty="0"/>
+              <a:t>. Esta orden devolverá un valor igual que hace </a:t>
+            </a:r>
+            <a:r>
+              <a:rPr lang="es-MX" sz="1400" dirty="0" err="1"/>
+              <a:t>return</a:t>
+            </a:r>
+            <a:r>
+              <a:rPr lang="es-MX" sz="1400" dirty="0"/>
+              <a:t> pero, además, pasará la ejecución de la función hasta la próxima vez que le pidamos un valor.</a:t>
+            </a:r>
+          </a:p>
+        </p:txBody>
+      </p:sp>
+      <p:pic>
+        <p:nvPicPr>
+          <p:cNvPr id="13" name="Imagen 12">
+            <a:extLst>
+              <a:ext uri="{FF2B5EF4-FFF2-40B4-BE49-F238E27FC236}">
+                <a16:creationId xmlns:a16="http://schemas.microsoft.com/office/drawing/2014/main" id="{FDF1F15E-C51C-579B-EA53-B81A6033A195}"/>
+              </a:ext>
+            </a:extLst>
+          </p:cNvPr>
+          <p:cNvPicPr>
+            <a:picLocks noChangeAspect="1"/>
+          </p:cNvPicPr>
+          <p:nvPr/>
+        </p:nvPicPr>
+        <p:blipFill>
+          <a:blip r:embed="rId2"/>
+          <a:stretch>
+            <a:fillRect/>
+          </a:stretch>
+        </p:blipFill>
+        <p:spPr>
+          <a:xfrm>
+            <a:off x="1089025" y="934821"/>
+            <a:ext cx="5534025" cy="1381125"/>
+          </a:xfrm>
+          <a:prstGeom prst="rect">
+            <a:avLst/>
+          </a:prstGeom>
+        </p:spPr>
+      </p:pic>
+      <p:sp>
+        <p:nvSpPr>
+          <p:cNvPr id="18" name="CuadroTexto 17">
+            <a:extLst>
+              <a:ext uri="{FF2B5EF4-FFF2-40B4-BE49-F238E27FC236}">
+                <a16:creationId xmlns:a16="http://schemas.microsoft.com/office/drawing/2014/main" id="{C5E8D35F-9281-DF82-0F48-81617AD5CD64}"/>
+              </a:ext>
+            </a:extLst>
+          </p:cNvPr>
+          <p:cNvSpPr txBox="1"/>
+          <p:nvPr/>
+        </p:nvSpPr>
+        <p:spPr>
+          <a:xfrm>
+            <a:off x="976746" y="2431877"/>
+            <a:ext cx="15384884" cy="954107"/>
+          </a:xfrm>
+          <a:prstGeom prst="rect">
+            <a:avLst/>
+          </a:prstGeom>
+          <a:noFill/>
+        </p:spPr>
+        <p:txBody>
+          <a:bodyPr wrap="square">
+            <a:spAutoFit/>
+          </a:bodyPr>
+          <a:lstStyle/>
+          <a:p>
+            <a:r>
+              <a:rPr lang="es-MX" sz="1400" dirty="0"/>
+              <a:t>La verdad es que </a:t>
+            </a:r>
+            <a:r>
+              <a:rPr lang="es-MX" sz="1400" dirty="0" err="1"/>
+              <a:t>range</a:t>
+            </a:r>
+            <a:r>
+              <a:rPr lang="es-MX" sz="1400" dirty="0"/>
+              <a:t> es una especie de función generadora. Por regla general las funciones devuelven un valor con </a:t>
+            </a:r>
+            <a:r>
+              <a:rPr lang="es-MX" sz="1400" dirty="0" err="1"/>
+              <a:t>return</a:t>
+            </a:r>
+            <a:r>
+              <a:rPr lang="es-MX" sz="1400" dirty="0"/>
+              <a:t>, pero la peculiaridad de los generadores es que van cediendo valores sobre la marcha, en tiempo de ejecución. La función generadora </a:t>
+            </a:r>
+            <a:r>
+              <a:rPr lang="es-MX" sz="1400" dirty="0" err="1"/>
+              <a:t>range</a:t>
+            </a:r>
+            <a:r>
+              <a:rPr lang="es-MX" sz="1400" dirty="0"/>
+              <a:t>(0,11), empieza cediendo el 0, luego se procesa el </a:t>
+            </a:r>
+            <a:r>
+              <a:rPr lang="es-MX" sz="1400" dirty="0" err="1"/>
+              <a:t>for</a:t>
+            </a:r>
+            <a:r>
+              <a:rPr lang="es-MX" sz="1400" dirty="0"/>
+              <a:t> comprobando si es par y lo añade a la lista, en la siguiente iteración se cede el 1, se procesa el </a:t>
+            </a:r>
+            <a:r>
+              <a:rPr lang="es-MX" sz="1400" dirty="0" err="1"/>
+              <a:t>for</a:t>
+            </a:r>
+            <a:r>
+              <a:rPr lang="es-MX" sz="1400" dirty="0"/>
+              <a:t> se comprueba si es par, en la siguiente se cede el 2, etc. Con esto se logra ocupar el mínimo de espacio en la memoria y podemos generar listas de millones de elementos sin necesidad de almacenarlos previamente</a:t>
+            </a:r>
+          </a:p>
+        </p:txBody>
+      </p:sp>
+      <p:sp>
+        <p:nvSpPr>
+          <p:cNvPr id="22" name="CuadroTexto 21">
+            <a:extLst>
+              <a:ext uri="{FF2B5EF4-FFF2-40B4-BE49-F238E27FC236}">
+                <a16:creationId xmlns:a16="http://schemas.microsoft.com/office/drawing/2014/main" id="{1634CE6C-4419-3B6A-51DD-C8FEFCD216D5}"/>
+              </a:ext>
+            </a:extLst>
+          </p:cNvPr>
+          <p:cNvSpPr txBox="1"/>
+          <p:nvPr/>
+        </p:nvSpPr>
+        <p:spPr>
+          <a:xfrm>
+            <a:off x="976746" y="3544809"/>
+            <a:ext cx="8229600" cy="307777"/>
+          </a:xfrm>
+          <a:prstGeom prst="rect">
+            <a:avLst/>
+          </a:prstGeom>
+          <a:noFill/>
+        </p:spPr>
+        <p:txBody>
+          <a:bodyPr wrap="square">
+            <a:spAutoFit/>
+          </a:bodyPr>
+          <a:lstStyle/>
+          <a:p>
+            <a:r>
+              <a:rPr lang="es-MX" sz="1400" dirty="0"/>
+              <a:t>Veamos a ver cómo crear una función generadora de pares:</a:t>
+            </a:r>
+          </a:p>
+        </p:txBody>
+      </p:sp>
+      <p:pic>
+        <p:nvPicPr>
+          <p:cNvPr id="25" name="Imagen 24">
+            <a:extLst>
+              <a:ext uri="{FF2B5EF4-FFF2-40B4-BE49-F238E27FC236}">
+                <a16:creationId xmlns:a16="http://schemas.microsoft.com/office/drawing/2014/main" id="{7FA777D2-8D3D-EB64-97F4-8434FD39DFE2}"/>
+              </a:ext>
+            </a:extLst>
+          </p:cNvPr>
+          <p:cNvPicPr>
+            <a:picLocks noChangeAspect="1"/>
+          </p:cNvPicPr>
+          <p:nvPr/>
+        </p:nvPicPr>
+        <p:blipFill>
+          <a:blip r:embed="rId3"/>
+          <a:stretch>
+            <a:fillRect/>
+          </a:stretch>
+        </p:blipFill>
+        <p:spPr>
+          <a:xfrm>
+            <a:off x="1089025" y="4011411"/>
+            <a:ext cx="3228975" cy="1495425"/>
+          </a:xfrm>
+          <a:prstGeom prst="rect">
+            <a:avLst/>
+          </a:prstGeom>
+        </p:spPr>
+      </p:pic>
+      <p:sp>
+        <p:nvSpPr>
+          <p:cNvPr id="27" name="CuadroTexto 26">
+            <a:extLst>
+              <a:ext uri="{FF2B5EF4-FFF2-40B4-BE49-F238E27FC236}">
+                <a16:creationId xmlns:a16="http://schemas.microsoft.com/office/drawing/2014/main" id="{D7D21D95-D419-825E-1EBD-5278B4705D40}"/>
+              </a:ext>
+            </a:extLst>
+          </p:cNvPr>
+          <p:cNvSpPr txBox="1"/>
+          <p:nvPr/>
+        </p:nvSpPr>
+        <p:spPr>
+          <a:xfrm>
+            <a:off x="6623050" y="4385833"/>
+            <a:ext cx="8229600" cy="1169551"/>
+          </a:xfrm>
+          <a:prstGeom prst="rect">
+            <a:avLst/>
+          </a:prstGeom>
+          <a:noFill/>
+        </p:spPr>
+        <p:txBody>
+          <a:bodyPr wrap="square">
+            <a:spAutoFit/>
+          </a:bodyPr>
+          <a:lstStyle/>
+          <a:p>
+            <a:r>
+              <a:rPr lang="es-MX" sz="1400" dirty="0"/>
+              <a:t>Como vemos, en lugar de utilizar el </a:t>
+            </a:r>
+            <a:r>
+              <a:rPr lang="es-MX" sz="1400" dirty="0" err="1"/>
+              <a:t>return</a:t>
+            </a:r>
+            <a:r>
+              <a:rPr lang="es-MX" sz="1400" dirty="0"/>
+              <a:t>, la función generadora utiliza el </a:t>
+            </a:r>
+            <a:r>
+              <a:rPr lang="es-MX" sz="1400" dirty="0" err="1"/>
+              <a:t>yield</a:t>
+            </a:r>
+            <a:r>
+              <a:rPr lang="es-MX" sz="1400" dirty="0"/>
+              <a:t>, que significa ceder. Tomando un número busca todos los pares desde 0 hasta el número+1 sirviéndose de un </a:t>
+            </a:r>
+            <a:r>
+              <a:rPr lang="es-MX" sz="1400" dirty="0" err="1"/>
+              <a:t>range</a:t>
+            </a:r>
+            <a:r>
+              <a:rPr lang="es-MX" sz="1400" dirty="0"/>
+              <a:t>(). Sin embargo, fijaros que al imprimir el resultado, éste nos devuelve un objeto de tipo generador. De la misma forma que recorremos un </a:t>
+            </a:r>
+            <a:r>
+              <a:rPr lang="es-MX" sz="1400" dirty="0" err="1"/>
+              <a:t>range</a:t>
+            </a:r>
+            <a:r>
+              <a:rPr lang="es-MX" sz="1400" dirty="0"/>
+              <a:t>() podemos utilizar el bucle </a:t>
+            </a:r>
+            <a:r>
+              <a:rPr lang="es-MX" sz="1400" dirty="0" err="1"/>
+              <a:t>for</a:t>
+            </a:r>
+            <a:r>
+              <a:rPr lang="es-MX" sz="1400" dirty="0"/>
+              <a:t> para recorrer todos los elementos que devuelve el generador.</a:t>
+            </a:r>
+          </a:p>
+        </p:txBody>
+      </p:sp>
+    </p:spTree>
+    <p:extLst>
+      <p:ext uri="{BB962C8B-B14F-4D97-AF65-F5344CB8AC3E}">
+        <p14:creationId xmlns:p14="http://schemas.microsoft.com/office/powerpoint/2010/main" val="396337529"/>
+      </p:ext>
+    </p:extLst>
+  </p:cSld>
+  <p:clrMapOvr>
+    <a:masterClrMapping/>
+  </p:clrMapOvr>
+</p:sld>
+</file>
+
+<file path=ppt/slides/slide26.xml><?xml version="1.0" encoding="utf-8"?>
+<p:sld xmlns:a="http://schemas.openxmlformats.org/drawingml/2006/main" xmlns:r="http://schemas.openxmlformats.org/officeDocument/2006/relationships" xmlns:p="http://schemas.openxmlformats.org/presentationml/2006/main">
+  <p:cSld>
+    <p:spTree>
+      <p:nvGrpSpPr>
+        <p:cNvPr id="1" name=""/>
+        <p:cNvGrpSpPr/>
+        <p:nvPr/>
+      </p:nvGrpSpPr>
+      <p:grpSpPr>
+        <a:xfrm>
+          <a:off x="0" y="0"/>
+          <a:ext cx="0" cy="0"/>
+          <a:chOff x="0" y="0"/>
+          <a:chExt cx="0" cy="0"/>
+        </a:xfrm>
+      </p:grpSpPr>
+      <p:sp>
+        <p:nvSpPr>
+          <p:cNvPr id="17" name="Marcador de número de diapositiva 19">
+            <a:extLst>
+              <a:ext uri="{FF2B5EF4-FFF2-40B4-BE49-F238E27FC236}">
+                <a16:creationId xmlns:a16="http://schemas.microsoft.com/office/drawing/2014/main" id="{5C929FC2-CE12-1BD5-686A-E2CB55C0B797}"/>
+              </a:ext>
+            </a:extLst>
+          </p:cNvPr>
+          <p:cNvSpPr>
+            <a:spLocks noGrp="1"/>
+          </p:cNvSpPr>
+          <p:nvPr>
+            <p:ph type="sldNum" sz="quarter" idx="12"/>
+          </p:nvPr>
+        </p:nvSpPr>
+        <p:spPr>
+          <a:xfrm>
+            <a:off x="0" y="0"/>
+            <a:ext cx="568411" cy="620925"/>
+          </a:xfrm>
+          <a:solidFill>
+            <a:schemeClr val="accent1">
+              <a:lumMod val="75000"/>
+            </a:schemeClr>
+          </a:solidFill>
+        </p:spPr>
+        <p:txBody>
+          <a:bodyPr numCol="1"/>
+          <a:lstStyle/>
+          <a:p>
+            <a:pPr algn="ctr"/>
+            <a:fld id="{FE569E57-A1D0-47AE-A3E4-85DA6C503064}" type="slidenum">
+              <a:rPr lang="es-MX" sz="2800" smtClean="0"/>
+              <a:pPr algn="ctr"/>
+              <a:t>26</a:t>
+            </a:fld>
+            <a:endParaRPr lang="es-MX" sz="2800" dirty="0"/>
+          </a:p>
+        </p:txBody>
+      </p:sp>
+      <p:sp>
+        <p:nvSpPr>
+          <p:cNvPr id="2" name="Título 1">
+            <a:extLst>
+              <a:ext uri="{FF2B5EF4-FFF2-40B4-BE49-F238E27FC236}">
+                <a16:creationId xmlns:a16="http://schemas.microsoft.com/office/drawing/2014/main" id="{6F55C69E-1BF1-41EF-B645-FF25DE892C1C}"/>
+              </a:ext>
+            </a:extLst>
+          </p:cNvPr>
+          <p:cNvSpPr txBox="1">
+            <a:spLocks/>
+          </p:cNvSpPr>
+          <p:nvPr/>
+        </p:nvSpPr>
+        <p:spPr>
+          <a:xfrm rot="16200000">
+            <a:off x="-2769333" y="2914868"/>
+            <a:ext cx="6401774" cy="788616"/>
+          </a:xfrm>
+          <a:prstGeom prst="rect">
+            <a:avLst/>
+          </a:prstGeom>
+        </p:spPr>
+        <p:txBody>
+          <a:bodyPr vert="horz" lIns="91440" tIns="45720" rIns="91440" bIns="45720" rtlCol="0" anchor="t">
+            <a:noAutofit/>
+          </a:bodyPr>
+          <a:lstStyle>
+            <a:lvl1pPr algn="l" defTabSz="479969" rtl="0" eaLnBrk="1" latinLnBrk="0" hangingPunct="1">
+              <a:spcBef>
+                <a:spcPct val="0"/>
+              </a:spcBef>
+              <a:buNone/>
+              <a:defRPr sz="4409" b="0" i="0" kern="1200">
+                <a:solidFill>
+                  <a:schemeClr val="tx2"/>
+                </a:solidFill>
+                <a:latin typeface="+mj-lt"/>
+                <a:ea typeface="+mj-ea"/>
+                <a:cs typeface="+mj-cs"/>
+              </a:defRPr>
+            </a:lvl1pPr>
+            <a:lvl2pPr eaLnBrk="1" hangingPunct="1">
+              <a:defRPr>
+                <a:solidFill>
+                  <a:schemeClr val="tx2"/>
+                </a:solidFill>
+              </a:defRPr>
+            </a:lvl2pPr>
+            <a:lvl3pPr eaLnBrk="1" hangingPunct="1">
+              <a:defRPr>
+                <a:solidFill>
+                  <a:schemeClr val="tx2"/>
+                </a:solidFill>
+              </a:defRPr>
+            </a:lvl3pPr>
+            <a:lvl4pPr eaLnBrk="1" hangingPunct="1">
+              <a:defRPr>
+                <a:solidFill>
+                  <a:schemeClr val="tx2"/>
+                </a:solidFill>
+              </a:defRPr>
+            </a:lvl4pPr>
+            <a:lvl5pPr eaLnBrk="1" hangingPunct="1">
+              <a:defRPr>
+                <a:solidFill>
+                  <a:schemeClr val="tx2"/>
+                </a:solidFill>
+              </a:defRPr>
+            </a:lvl5pPr>
+            <a:lvl6pPr eaLnBrk="1" hangingPunct="1">
+              <a:defRPr>
+                <a:solidFill>
+                  <a:schemeClr val="tx2"/>
+                </a:solidFill>
+              </a:defRPr>
+            </a:lvl6pPr>
+            <a:lvl7pPr eaLnBrk="1" hangingPunct="1">
+              <a:defRPr>
+                <a:solidFill>
+                  <a:schemeClr val="tx2"/>
+                </a:solidFill>
+              </a:defRPr>
+            </a:lvl7pPr>
+            <a:lvl8pPr eaLnBrk="1" hangingPunct="1">
+              <a:defRPr>
+                <a:solidFill>
+                  <a:schemeClr val="tx2"/>
+                </a:solidFill>
+              </a:defRPr>
+            </a:lvl8pPr>
+            <a:lvl9pPr eaLnBrk="1" hangingPunct="1">
+              <a:defRPr>
+                <a:solidFill>
+                  <a:schemeClr val="tx2"/>
+                </a:solidFill>
+              </a:defRPr>
+            </a:lvl9pPr>
+          </a:lstStyle>
+          <a:p>
+            <a:pPr algn="ctr"/>
+            <a:r>
+              <a:rPr lang="es-MX" sz="3600" dirty="0"/>
+              <a:t>Clases Decoradoras</a:t>
+            </a:r>
+          </a:p>
+        </p:txBody>
+      </p:sp>
+      <p:sp>
+        <p:nvSpPr>
+          <p:cNvPr id="4" name="CuadroTexto 3">
+            <a:extLst>
+              <a:ext uri="{FF2B5EF4-FFF2-40B4-BE49-F238E27FC236}">
+                <a16:creationId xmlns:a16="http://schemas.microsoft.com/office/drawing/2014/main" id="{175E21EC-8A78-D72B-3058-5A6B1F5C78FA}"/>
+              </a:ext>
+            </a:extLst>
+          </p:cNvPr>
+          <p:cNvSpPr txBox="1"/>
+          <p:nvPr/>
+        </p:nvSpPr>
+        <p:spPr>
+          <a:xfrm>
+            <a:off x="863108" y="503049"/>
+            <a:ext cx="14868728" cy="738664"/>
+          </a:xfrm>
+          <a:prstGeom prst="rect">
+            <a:avLst/>
+          </a:prstGeom>
+          <a:noFill/>
+        </p:spPr>
+        <p:txBody>
+          <a:bodyPr wrap="square">
+            <a:spAutoFit/>
+          </a:bodyPr>
+          <a:lstStyle/>
+          <a:p>
+            <a:r>
+              <a:rPr lang="es-MX" sz="1400" dirty="0"/>
+              <a:t>Los decoradores son un patrón de diseño de software que alteran dinámicamente y agregan funcionalidades adicionales a los métodos, funciones o clases de Python sin tener que usar subclases o cambiar el código fuente decorada. Estos generalmente son herramientas muy útiles para el desarrollador ya que son muy fáciles de implementar, son legibles, reducen código, entre otras ventajas. En Python hay múltiples formas de crear decoradores y en este tutorial vamos a abarcar todas esas maneras mediante ejemplos prácticos y explicaciones detalladas. </a:t>
+            </a:r>
+          </a:p>
+        </p:txBody>
+      </p:sp>
+      <p:pic>
+        <p:nvPicPr>
+          <p:cNvPr id="6" name="Imagen 5">
+            <a:extLst>
+              <a:ext uri="{FF2B5EF4-FFF2-40B4-BE49-F238E27FC236}">
+                <a16:creationId xmlns:a16="http://schemas.microsoft.com/office/drawing/2014/main" id="{D406BDBB-D2B2-CD46-8291-AAA0DA4ADB64}"/>
+              </a:ext>
+            </a:extLst>
+          </p:cNvPr>
+          <p:cNvPicPr>
+            <a:picLocks noChangeAspect="1"/>
+          </p:cNvPicPr>
+          <p:nvPr/>
+        </p:nvPicPr>
+        <p:blipFill>
+          <a:blip r:embed="rId2"/>
+          <a:stretch>
+            <a:fillRect/>
+          </a:stretch>
+        </p:blipFill>
+        <p:spPr>
+          <a:xfrm>
+            <a:off x="940955" y="1332706"/>
+            <a:ext cx="2664690" cy="3701578"/>
+          </a:xfrm>
+          <a:prstGeom prst="rect">
+            <a:avLst/>
+          </a:prstGeom>
+        </p:spPr>
+      </p:pic>
+      <p:sp>
+        <p:nvSpPr>
+          <p:cNvPr id="8" name="CuadroTexto 7">
+            <a:extLst>
+              <a:ext uri="{FF2B5EF4-FFF2-40B4-BE49-F238E27FC236}">
+                <a16:creationId xmlns:a16="http://schemas.microsoft.com/office/drawing/2014/main" id="{012A2C39-D5D3-E79B-E1B4-3639968978B3}"/>
+              </a:ext>
+            </a:extLst>
+          </p:cNvPr>
+          <p:cNvSpPr txBox="1"/>
+          <p:nvPr/>
+        </p:nvSpPr>
+        <p:spPr>
+          <a:xfrm>
+            <a:off x="4696690" y="1368937"/>
+            <a:ext cx="10525991" cy="523220"/>
+          </a:xfrm>
+          <a:prstGeom prst="rect">
+            <a:avLst/>
+          </a:prstGeom>
+          <a:noFill/>
+        </p:spPr>
+        <p:txBody>
+          <a:bodyPr wrap="square">
+            <a:spAutoFit/>
+          </a:bodyPr>
+          <a:lstStyle/>
+          <a:p>
+            <a:r>
+              <a:rPr lang="es-MX" sz="1400" dirty="0"/>
+              <a:t>La notación del decorador es mediante el símbolo @ seguido del nombre de la función que cumple el papel de decorador, esto equivale a hacer esto: </a:t>
+            </a:r>
+          </a:p>
+        </p:txBody>
+      </p:sp>
+      <p:pic>
+        <p:nvPicPr>
+          <p:cNvPr id="10" name="Imagen 9">
+            <a:extLst>
+              <a:ext uri="{FF2B5EF4-FFF2-40B4-BE49-F238E27FC236}">
+                <a16:creationId xmlns:a16="http://schemas.microsoft.com/office/drawing/2014/main" id="{4E50432A-C955-9F5F-B335-BDE1AC835AED}"/>
+              </a:ext>
+            </a:extLst>
+          </p:cNvPr>
+          <p:cNvPicPr>
+            <a:picLocks noChangeAspect="1"/>
+          </p:cNvPicPr>
+          <p:nvPr/>
+        </p:nvPicPr>
+        <p:blipFill>
+          <a:blip r:embed="rId3"/>
+          <a:stretch>
+            <a:fillRect/>
+          </a:stretch>
+        </p:blipFill>
+        <p:spPr>
+          <a:xfrm>
+            <a:off x="4802474" y="1961437"/>
+            <a:ext cx="2813761" cy="523220"/>
+          </a:xfrm>
+          <a:prstGeom prst="rect">
+            <a:avLst/>
+          </a:prstGeom>
+        </p:spPr>
+      </p:pic>
+      <p:sp>
+        <p:nvSpPr>
+          <p:cNvPr id="12" name="CuadroTexto 11">
+            <a:extLst>
+              <a:ext uri="{FF2B5EF4-FFF2-40B4-BE49-F238E27FC236}">
+                <a16:creationId xmlns:a16="http://schemas.microsoft.com/office/drawing/2014/main" id="{6B9DC3A2-2CA6-62C2-2CB9-C39D33D6189F}"/>
+              </a:ext>
+            </a:extLst>
+          </p:cNvPr>
+          <p:cNvSpPr txBox="1"/>
+          <p:nvPr/>
+        </p:nvSpPr>
+        <p:spPr>
+          <a:xfrm>
+            <a:off x="4696691" y="2646995"/>
+            <a:ext cx="10401300" cy="523220"/>
+          </a:xfrm>
+          <a:prstGeom prst="rect">
+            <a:avLst/>
+          </a:prstGeom>
+          <a:noFill/>
+        </p:spPr>
+        <p:txBody>
+          <a:bodyPr wrap="square">
+            <a:spAutoFit/>
+          </a:bodyPr>
+          <a:lstStyle/>
+          <a:p>
+            <a:r>
+              <a:rPr lang="es-MX" sz="1400" dirty="0"/>
+              <a:t>Es importante tener esto en cuenta para comprender cómo funcionan los decoradores. Esta sintaxis deja bien en claro el porqué los decoradores toman una función como argumento y luego retornan también una función. ¿Qué pasa si no retorna nada?</a:t>
+            </a:r>
+          </a:p>
+        </p:txBody>
+      </p:sp>
+      <p:pic>
+        <p:nvPicPr>
+          <p:cNvPr id="14" name="Imagen 13">
+            <a:extLst>
+              <a:ext uri="{FF2B5EF4-FFF2-40B4-BE49-F238E27FC236}">
+                <a16:creationId xmlns:a16="http://schemas.microsoft.com/office/drawing/2014/main" id="{2C8952D9-DF0F-E6FA-D9D9-DE3E08EA2604}"/>
+              </a:ext>
+            </a:extLst>
+          </p:cNvPr>
+          <p:cNvPicPr>
+            <a:picLocks noChangeAspect="1"/>
+          </p:cNvPicPr>
+          <p:nvPr/>
+        </p:nvPicPr>
+        <p:blipFill>
+          <a:blip r:embed="rId4"/>
+          <a:stretch>
+            <a:fillRect/>
+          </a:stretch>
+        </p:blipFill>
+        <p:spPr>
+          <a:xfrm>
+            <a:off x="4802474" y="3332553"/>
+            <a:ext cx="6457950" cy="3190875"/>
+          </a:xfrm>
+          <a:prstGeom prst="rect">
+            <a:avLst/>
+          </a:prstGeom>
+        </p:spPr>
+      </p:pic>
+      <p:sp>
+        <p:nvSpPr>
+          <p:cNvPr id="16" name="CuadroTexto 15">
+            <a:extLst>
+              <a:ext uri="{FF2B5EF4-FFF2-40B4-BE49-F238E27FC236}">
+                <a16:creationId xmlns:a16="http://schemas.microsoft.com/office/drawing/2014/main" id="{D467032C-CC7A-C037-611C-A0AC56653479}"/>
+              </a:ext>
+            </a:extLst>
+          </p:cNvPr>
+          <p:cNvSpPr txBox="1"/>
+          <p:nvPr/>
+        </p:nvSpPr>
+        <p:spPr>
+          <a:xfrm>
+            <a:off x="12143220" y="4295620"/>
+            <a:ext cx="3314700" cy="954107"/>
+          </a:xfrm>
+          <a:prstGeom prst="rect">
+            <a:avLst/>
+          </a:prstGeom>
+          <a:noFill/>
+        </p:spPr>
+        <p:txBody>
+          <a:bodyPr wrap="square">
+            <a:spAutoFit/>
+          </a:bodyPr>
+          <a:lstStyle/>
+          <a:p>
+            <a:r>
+              <a:rPr lang="es-MX" sz="1400" dirty="0"/>
+              <a:t>Como lo observamos con el ejemplo anterior si el decorador no retorna la función, esta se ejecutará y lanzará un Error </a:t>
+            </a:r>
+            <a:r>
+              <a:rPr lang="es-MX" sz="1400" dirty="0" err="1"/>
+              <a:t>NoneType</a:t>
+            </a:r>
+            <a:r>
+              <a:rPr lang="es-MX" sz="1400" dirty="0"/>
+              <a:t> </a:t>
+            </a:r>
+          </a:p>
+        </p:txBody>
+      </p:sp>
+    </p:spTree>
+    <p:extLst>
+      <p:ext uri="{BB962C8B-B14F-4D97-AF65-F5344CB8AC3E}">
+        <p14:creationId xmlns:p14="http://schemas.microsoft.com/office/powerpoint/2010/main" val="3572477595"/>
+      </p:ext>
+    </p:extLst>
+  </p:cSld>
+  <p:clrMapOvr>
+    <a:masterClrMapping/>
+  </p:clrMapOvr>
+</p:sld>
+</file>
+
+<file path=ppt/slides/slide27.xml><?xml version="1.0" encoding="utf-8"?>
+<p:sld xmlns:a="http://schemas.openxmlformats.org/drawingml/2006/main" xmlns:r="http://schemas.openxmlformats.org/officeDocument/2006/relationships" xmlns:p="http://schemas.openxmlformats.org/presentationml/2006/main">
+  <p:cSld>
+    <p:spTree>
+      <p:nvGrpSpPr>
+        <p:cNvPr id="1" name=""/>
+        <p:cNvGrpSpPr/>
+        <p:nvPr/>
+      </p:nvGrpSpPr>
+      <p:grpSpPr>
+        <a:xfrm>
+          <a:off x="0" y="0"/>
+          <a:ext cx="0" cy="0"/>
+          <a:chOff x="0" y="0"/>
+          <a:chExt cx="0" cy="0"/>
+        </a:xfrm>
+      </p:grpSpPr>
+      <p:sp>
+        <p:nvSpPr>
+          <p:cNvPr id="17" name="Marcador de número de diapositiva 19">
+            <a:extLst>
+              <a:ext uri="{FF2B5EF4-FFF2-40B4-BE49-F238E27FC236}">
+                <a16:creationId xmlns:a16="http://schemas.microsoft.com/office/drawing/2014/main" id="{5C929FC2-CE12-1BD5-686A-E2CB55C0B797}"/>
+              </a:ext>
+            </a:extLst>
+          </p:cNvPr>
+          <p:cNvSpPr>
+            <a:spLocks noGrp="1"/>
+          </p:cNvSpPr>
+          <p:nvPr>
+            <p:ph type="sldNum" sz="quarter" idx="12"/>
+          </p:nvPr>
+        </p:nvSpPr>
+        <p:spPr>
+          <a:xfrm>
+            <a:off x="0" y="0"/>
+            <a:ext cx="568411" cy="620925"/>
+          </a:xfrm>
+          <a:solidFill>
+            <a:schemeClr val="accent1">
+              <a:lumMod val="75000"/>
+            </a:schemeClr>
+          </a:solidFill>
+        </p:spPr>
+        <p:txBody>
+          <a:bodyPr numCol="1"/>
+          <a:lstStyle/>
+          <a:p>
+            <a:pPr algn="ctr"/>
+            <a:fld id="{FE569E57-A1D0-47AE-A3E4-85DA6C503064}" type="slidenum">
+              <a:rPr lang="es-MX" sz="2800" smtClean="0"/>
+              <a:pPr algn="ctr"/>
+              <a:t>27</a:t>
+            </a:fld>
+            <a:endParaRPr lang="es-MX" sz="2800" dirty="0"/>
+          </a:p>
+        </p:txBody>
+      </p:sp>
+      <p:sp>
+        <p:nvSpPr>
+          <p:cNvPr id="2" name="Título 1">
+            <a:extLst>
+              <a:ext uri="{FF2B5EF4-FFF2-40B4-BE49-F238E27FC236}">
+                <a16:creationId xmlns:a16="http://schemas.microsoft.com/office/drawing/2014/main" id="{6F55C69E-1BF1-41EF-B645-FF25DE892C1C}"/>
+              </a:ext>
+            </a:extLst>
+          </p:cNvPr>
+          <p:cNvSpPr txBox="1">
+            <a:spLocks/>
+          </p:cNvSpPr>
+          <p:nvPr/>
+        </p:nvSpPr>
+        <p:spPr>
+          <a:xfrm rot="16200000">
+            <a:off x="-2769333" y="2914868"/>
+            <a:ext cx="6401774" cy="788616"/>
+          </a:xfrm>
+          <a:prstGeom prst="rect">
+            <a:avLst/>
+          </a:prstGeom>
+        </p:spPr>
+        <p:txBody>
+          <a:bodyPr vert="horz" lIns="91440" tIns="45720" rIns="91440" bIns="45720" rtlCol="0" anchor="t">
+            <a:noAutofit/>
+          </a:bodyPr>
+          <a:lstStyle>
+            <a:lvl1pPr algn="l" defTabSz="479969" rtl="0" eaLnBrk="1" latinLnBrk="0" hangingPunct="1">
+              <a:spcBef>
+                <a:spcPct val="0"/>
+              </a:spcBef>
+              <a:buNone/>
+              <a:defRPr sz="4409" b="0" i="0" kern="1200">
+                <a:solidFill>
+                  <a:schemeClr val="tx2"/>
+                </a:solidFill>
+                <a:latin typeface="+mj-lt"/>
+                <a:ea typeface="+mj-ea"/>
+                <a:cs typeface="+mj-cs"/>
+              </a:defRPr>
+            </a:lvl1pPr>
+            <a:lvl2pPr eaLnBrk="1" hangingPunct="1">
+              <a:defRPr>
+                <a:solidFill>
+                  <a:schemeClr val="tx2"/>
+                </a:solidFill>
+              </a:defRPr>
+            </a:lvl2pPr>
+            <a:lvl3pPr eaLnBrk="1" hangingPunct="1">
+              <a:defRPr>
+                <a:solidFill>
+                  <a:schemeClr val="tx2"/>
+                </a:solidFill>
+              </a:defRPr>
+            </a:lvl3pPr>
+            <a:lvl4pPr eaLnBrk="1" hangingPunct="1">
+              <a:defRPr>
+                <a:solidFill>
+                  <a:schemeClr val="tx2"/>
+                </a:solidFill>
+              </a:defRPr>
+            </a:lvl4pPr>
+            <a:lvl5pPr eaLnBrk="1" hangingPunct="1">
+              <a:defRPr>
+                <a:solidFill>
+                  <a:schemeClr val="tx2"/>
+                </a:solidFill>
+              </a:defRPr>
+            </a:lvl5pPr>
+            <a:lvl6pPr eaLnBrk="1" hangingPunct="1">
+              <a:defRPr>
+                <a:solidFill>
+                  <a:schemeClr val="tx2"/>
+                </a:solidFill>
+              </a:defRPr>
+            </a:lvl6pPr>
+            <a:lvl7pPr eaLnBrk="1" hangingPunct="1">
+              <a:defRPr>
+                <a:solidFill>
+                  <a:schemeClr val="tx2"/>
+                </a:solidFill>
+              </a:defRPr>
+            </a:lvl7pPr>
+            <a:lvl8pPr eaLnBrk="1" hangingPunct="1">
+              <a:defRPr>
+                <a:solidFill>
+                  <a:schemeClr val="tx2"/>
+                </a:solidFill>
+              </a:defRPr>
+            </a:lvl8pPr>
+            <a:lvl9pPr eaLnBrk="1" hangingPunct="1">
+              <a:defRPr>
+                <a:solidFill>
+                  <a:schemeClr val="tx2"/>
+                </a:solidFill>
+              </a:defRPr>
+            </a:lvl9pPr>
+          </a:lstStyle>
+          <a:p>
+            <a:pPr algn="ctr"/>
+            <a:r>
+              <a:rPr lang="es-MX" sz="3600" dirty="0"/>
+              <a:t>Excepciones</a:t>
+            </a:r>
+          </a:p>
+        </p:txBody>
+      </p:sp>
+      <p:sp>
+        <p:nvSpPr>
+          <p:cNvPr id="5" name="CuadroTexto 4">
+            <a:extLst>
+              <a:ext uri="{FF2B5EF4-FFF2-40B4-BE49-F238E27FC236}">
+                <a16:creationId xmlns:a16="http://schemas.microsoft.com/office/drawing/2014/main" id="{B915AF7A-522F-F9BF-210A-E9F22A23E65E}"/>
+              </a:ext>
+            </a:extLst>
+          </p:cNvPr>
+          <p:cNvSpPr txBox="1"/>
+          <p:nvPr/>
+        </p:nvSpPr>
+        <p:spPr>
+          <a:xfrm>
+            <a:off x="1007918" y="310462"/>
+            <a:ext cx="14723917" cy="1169551"/>
+          </a:xfrm>
+          <a:prstGeom prst="rect">
+            <a:avLst/>
+          </a:prstGeom>
+          <a:noFill/>
+        </p:spPr>
+        <p:txBody>
+          <a:bodyPr wrap="square">
+            <a:spAutoFit/>
+          </a:bodyPr>
+          <a:lstStyle/>
+          <a:p>
+            <a:r>
+              <a:rPr lang="es-MX" sz="1400" dirty="0"/>
+              <a:t>Los errores de ejecución son llamados comúnmente excepciones y por eso de ahora en más utilizaremos ese nombre. Durante la ejecución de un programa, si dentro de una función surge una excepción y la función no la maneja, la excepción se propaga hacia la función que la invocó, si esta otra tampoco la maneja, la excepción continúa propagándose hasta llegar a la función inicial del programa y si esta tampoco la maneja se interrumpe la ejecución del programa. Veamos entonces cómo manejar excepciones. Para el manejo de excepciones los lenguajes proveen ciertas palabras reservadas, que nos permiten manejar las excepciones que puedan surgir y tomar acciones de recuperación para evitar la interrupción del programa o, al menos, para realizar algunas acciones adicionales antes de interrumpir el programa. En el caso de Python, el manejo de excepciones se hace mediante los bloques que utilizan las sentencias try, </a:t>
+            </a:r>
+            <a:r>
+              <a:rPr lang="es-MX" sz="1400" dirty="0" err="1"/>
+              <a:t>except</a:t>
+            </a:r>
+            <a:r>
+              <a:rPr lang="es-MX" sz="1400" dirty="0"/>
+              <a:t> y </a:t>
+            </a:r>
+            <a:r>
+              <a:rPr lang="es-MX" sz="1400" dirty="0" err="1"/>
+              <a:t>finally</a:t>
+            </a:r>
+            <a:r>
+              <a:rPr lang="es-MX" sz="1400" dirty="0"/>
+              <a:t>.</a:t>
+            </a:r>
+          </a:p>
+        </p:txBody>
+      </p:sp>
+      <p:pic>
+        <p:nvPicPr>
+          <p:cNvPr id="9" name="Imagen 8">
+            <a:extLst>
+              <a:ext uri="{FF2B5EF4-FFF2-40B4-BE49-F238E27FC236}">
+                <a16:creationId xmlns:a16="http://schemas.microsoft.com/office/drawing/2014/main" id="{EA30C843-257D-BD17-23AD-CCAF3A6BE71F}"/>
+              </a:ext>
+            </a:extLst>
+          </p:cNvPr>
+          <p:cNvPicPr>
+            <a:picLocks noChangeAspect="1"/>
+          </p:cNvPicPr>
+          <p:nvPr/>
+        </p:nvPicPr>
+        <p:blipFill>
+          <a:blip r:embed="rId2"/>
+          <a:stretch>
+            <a:fillRect/>
+          </a:stretch>
+        </p:blipFill>
+        <p:spPr>
+          <a:xfrm>
+            <a:off x="1116734" y="1480013"/>
+            <a:ext cx="4772025" cy="1895475"/>
+          </a:xfrm>
+          <a:prstGeom prst="rect">
+            <a:avLst/>
+          </a:prstGeom>
+        </p:spPr>
+      </p:pic>
+      <p:sp>
+        <p:nvSpPr>
+          <p:cNvPr id="13" name="CuadroTexto 12">
+            <a:extLst>
+              <a:ext uri="{FF2B5EF4-FFF2-40B4-BE49-F238E27FC236}">
+                <a16:creationId xmlns:a16="http://schemas.microsoft.com/office/drawing/2014/main" id="{D7189874-AA59-E5CB-CDEB-464F69028F39}"/>
+              </a:ext>
+            </a:extLst>
+          </p:cNvPr>
+          <p:cNvSpPr txBox="1"/>
+          <p:nvPr/>
+        </p:nvSpPr>
+        <p:spPr>
+          <a:xfrm>
+            <a:off x="1007918" y="3492076"/>
+            <a:ext cx="5029200" cy="738664"/>
+          </a:xfrm>
+          <a:prstGeom prst="rect">
+            <a:avLst/>
+          </a:prstGeom>
+          <a:noFill/>
+        </p:spPr>
+        <p:txBody>
+          <a:bodyPr wrap="square">
+            <a:spAutoFit/>
+          </a:bodyPr>
+          <a:lstStyle/>
+          <a:p>
+            <a:r>
+              <a:rPr lang="es-MX" sz="1400" dirty="0"/>
+              <a:t>En este caso, se levantó la excepción </a:t>
+            </a:r>
+            <a:r>
+              <a:rPr lang="es-MX" sz="1400" dirty="0" err="1"/>
+              <a:t>ZeroDivisionError</a:t>
+            </a:r>
+            <a:r>
+              <a:rPr lang="es-MX" sz="1400" dirty="0"/>
+              <a:t> cuando se quiso hacer la división. Para evitar que se levante la excepción y se detenga la ejecución del programa, se utiliza el bloque try-</a:t>
+            </a:r>
+            <a:r>
+              <a:rPr lang="es-MX" sz="1400" dirty="0" err="1"/>
+              <a:t>except</a:t>
+            </a:r>
+            <a:r>
+              <a:rPr lang="es-MX" sz="1400" dirty="0"/>
+              <a:t>.</a:t>
+            </a:r>
+          </a:p>
+        </p:txBody>
+      </p:sp>
+      <p:pic>
+        <p:nvPicPr>
+          <p:cNvPr id="18" name="Imagen 17">
+            <a:extLst>
+              <a:ext uri="{FF2B5EF4-FFF2-40B4-BE49-F238E27FC236}">
+                <a16:creationId xmlns:a16="http://schemas.microsoft.com/office/drawing/2014/main" id="{595BC2E3-B9B2-340F-235E-DCDC39CAB0A6}"/>
+              </a:ext>
+            </a:extLst>
+          </p:cNvPr>
+          <p:cNvPicPr>
+            <a:picLocks noChangeAspect="1"/>
+          </p:cNvPicPr>
+          <p:nvPr/>
+        </p:nvPicPr>
+        <p:blipFill>
+          <a:blip r:embed="rId3"/>
+          <a:stretch>
+            <a:fillRect/>
+          </a:stretch>
+        </p:blipFill>
+        <p:spPr>
+          <a:xfrm>
+            <a:off x="1116734" y="4490203"/>
+            <a:ext cx="4533900" cy="1752600"/>
+          </a:xfrm>
+          <a:prstGeom prst="rect">
+            <a:avLst/>
+          </a:prstGeom>
+        </p:spPr>
+      </p:pic>
+      <p:sp>
+        <p:nvSpPr>
+          <p:cNvPr id="20" name="CuadroTexto 19">
+            <a:extLst>
+              <a:ext uri="{FF2B5EF4-FFF2-40B4-BE49-F238E27FC236}">
+                <a16:creationId xmlns:a16="http://schemas.microsoft.com/office/drawing/2014/main" id="{1F7A5CF9-32F1-72EF-3956-89CC1AD72467}"/>
+              </a:ext>
+            </a:extLst>
+          </p:cNvPr>
+          <p:cNvSpPr txBox="1"/>
+          <p:nvPr/>
+        </p:nvSpPr>
+        <p:spPr>
+          <a:xfrm>
+            <a:off x="6556665" y="1610591"/>
+            <a:ext cx="8842662" cy="523220"/>
+          </a:xfrm>
+          <a:prstGeom prst="rect">
+            <a:avLst/>
+          </a:prstGeom>
+          <a:noFill/>
+        </p:spPr>
+        <p:txBody>
+          <a:bodyPr wrap="square">
+            <a:spAutoFit/>
+          </a:bodyPr>
+          <a:lstStyle/>
+          <a:p>
+            <a:r>
+              <a:rPr lang="es-MX" sz="1400" dirty="0"/>
+              <a:t>No se permite la división por cero Dado que dentro de un mismo bloque try pueden producirse excepciones de distinto tipo, es posible utilizar varios bloques </a:t>
+            </a:r>
+            <a:r>
+              <a:rPr lang="es-MX" sz="1400" dirty="0" err="1"/>
+              <a:t>except</a:t>
+            </a:r>
+            <a:r>
+              <a:rPr lang="es-MX" sz="1400" dirty="0"/>
+              <a:t>, cada uno para capturar un tipo distinto de excepción.</a:t>
+            </a:r>
+          </a:p>
+        </p:txBody>
+      </p:sp>
+      <p:cxnSp>
+        <p:nvCxnSpPr>
+          <p:cNvPr id="22" name="Conector recto 21">
+            <a:extLst>
+              <a:ext uri="{FF2B5EF4-FFF2-40B4-BE49-F238E27FC236}">
+                <a16:creationId xmlns:a16="http://schemas.microsoft.com/office/drawing/2014/main" id="{17D576B9-2244-FF05-CA23-4A4664260635}"/>
+              </a:ext>
+            </a:extLst>
+          </p:cNvPr>
+          <p:cNvCxnSpPr/>
+          <p:nvPr/>
+        </p:nvCxnSpPr>
+        <p:spPr>
+          <a:xfrm>
+            <a:off x="6296891" y="1610591"/>
+            <a:ext cx="0" cy="4899472"/>
+          </a:xfrm>
+          <a:prstGeom prst="line">
+            <a:avLst/>
+          </a:prstGeom>
+        </p:spPr>
+        <p:style>
+          <a:lnRef idx="1">
+            <a:schemeClr val="accent1"/>
+          </a:lnRef>
+          <a:fillRef idx="0">
+            <a:schemeClr val="accent1"/>
+          </a:fillRef>
+          <a:effectRef idx="0">
+            <a:schemeClr val="accent1"/>
+          </a:effectRef>
+          <a:fontRef idx="minor">
+            <a:schemeClr val="tx1"/>
+          </a:fontRef>
+        </p:style>
+      </p:cxnSp>
+      <p:sp>
+        <p:nvSpPr>
+          <p:cNvPr id="24" name="CuadroTexto 23">
+            <a:extLst>
+              <a:ext uri="{FF2B5EF4-FFF2-40B4-BE49-F238E27FC236}">
+                <a16:creationId xmlns:a16="http://schemas.microsoft.com/office/drawing/2014/main" id="{3D1CF076-B724-BF5A-B6CB-73912B8A9217}"/>
+              </a:ext>
+            </a:extLst>
+          </p:cNvPr>
+          <p:cNvSpPr txBox="1"/>
+          <p:nvPr/>
+        </p:nvSpPr>
+        <p:spPr>
+          <a:xfrm>
+            <a:off x="6556664" y="2224156"/>
+            <a:ext cx="8977743" cy="954107"/>
+          </a:xfrm>
+          <a:prstGeom prst="rect">
+            <a:avLst/>
+          </a:prstGeom>
+          <a:noFill/>
+        </p:spPr>
+        <p:txBody>
+          <a:bodyPr wrap="square">
+            <a:spAutoFit/>
+          </a:bodyPr>
+          <a:lstStyle/>
+          <a:p>
+            <a:r>
+              <a:rPr lang="es-MX" sz="1400" dirty="0"/>
+              <a:t>Esto se hace especificando a continuación de la sentencia </a:t>
+            </a:r>
+            <a:r>
+              <a:rPr lang="es-MX" sz="1400" dirty="0" err="1"/>
+              <a:t>except</a:t>
+            </a:r>
+            <a:r>
+              <a:rPr lang="es-MX" sz="1400" dirty="0"/>
+              <a:t> el nombre de la excepción que se pretende capturar. Un mismo bloque </a:t>
+            </a:r>
+            <a:r>
+              <a:rPr lang="es-MX" sz="1400" dirty="0" err="1"/>
+              <a:t>except</a:t>
+            </a:r>
+            <a:r>
+              <a:rPr lang="es-MX" sz="1400" dirty="0"/>
+              <a:t> puede atrapar varios tipos de excepciones, lo cual se hace especificando los nombres de la excepciones separados por comas a continuación de la palabra </a:t>
+            </a:r>
+            <a:r>
+              <a:rPr lang="es-MX" sz="1400" dirty="0" err="1"/>
+              <a:t>except</a:t>
+            </a:r>
+            <a:r>
+              <a:rPr lang="es-MX" sz="1400" dirty="0"/>
+              <a:t>. Es importante destacar que si bien luego de un bloque try puede haber varios bloques </a:t>
+            </a:r>
+            <a:r>
+              <a:rPr lang="es-MX" sz="1400" dirty="0" err="1"/>
+              <a:t>except</a:t>
+            </a:r>
+            <a:r>
+              <a:rPr lang="es-MX" sz="1400" dirty="0"/>
+              <a:t>, se ejecutará, a lo sumo, uno de ellos. </a:t>
+            </a:r>
+          </a:p>
+        </p:txBody>
+      </p:sp>
+    </p:spTree>
+    <p:extLst>
+      <p:ext uri="{BB962C8B-B14F-4D97-AF65-F5344CB8AC3E}">
+        <p14:creationId xmlns:p14="http://schemas.microsoft.com/office/powerpoint/2010/main" val="2865848318"/>
+      </p:ext>
+    </p:extLst>
+  </p:cSld>
+  <p:clrMapOvr>
+    <a:masterClrMapping/>
+  </p:clrMapOvr>
+</p:sld>
+</file>
+
+<file path=ppt/slides/slide28.xml><?xml version="1.0" encoding="utf-8"?>
+<p:sld xmlns:a="http://schemas.openxmlformats.org/drawingml/2006/main" xmlns:r="http://schemas.openxmlformats.org/officeDocument/2006/relationships" xmlns:p="http://schemas.openxmlformats.org/presentationml/2006/main">
+  <p:cSld>
+    <p:spTree>
+      <p:nvGrpSpPr>
+        <p:cNvPr id="1" name=""/>
+        <p:cNvGrpSpPr/>
+        <p:nvPr/>
+      </p:nvGrpSpPr>
+      <p:grpSpPr>
+        <a:xfrm>
+          <a:off x="0" y="0"/>
+          <a:ext cx="0" cy="0"/>
+          <a:chOff x="0" y="0"/>
+          <a:chExt cx="0" cy="0"/>
+        </a:xfrm>
+      </p:grpSpPr>
+      <p:sp>
+        <p:nvSpPr>
+          <p:cNvPr id="17" name="Marcador de número de diapositiva 19">
+            <a:extLst>
+              <a:ext uri="{FF2B5EF4-FFF2-40B4-BE49-F238E27FC236}">
+                <a16:creationId xmlns:a16="http://schemas.microsoft.com/office/drawing/2014/main" id="{5C929FC2-CE12-1BD5-686A-E2CB55C0B797}"/>
+              </a:ext>
+            </a:extLst>
+          </p:cNvPr>
+          <p:cNvSpPr>
+            <a:spLocks noGrp="1"/>
+          </p:cNvSpPr>
+          <p:nvPr>
+            <p:ph type="sldNum" sz="quarter" idx="12"/>
+          </p:nvPr>
+        </p:nvSpPr>
+        <p:spPr>
+          <a:xfrm>
+            <a:off x="0" y="0"/>
+            <a:ext cx="568411" cy="620925"/>
+          </a:xfrm>
+          <a:solidFill>
+            <a:schemeClr val="accent1">
+              <a:lumMod val="75000"/>
+            </a:schemeClr>
+          </a:solidFill>
+        </p:spPr>
+        <p:txBody>
+          <a:bodyPr numCol="1"/>
+          <a:lstStyle/>
+          <a:p>
+            <a:pPr algn="ctr"/>
+            <a:fld id="{FE569E57-A1D0-47AE-A3E4-85DA6C503064}" type="slidenum">
+              <a:rPr lang="es-MX" sz="2800" smtClean="0"/>
+              <a:pPr algn="ctr"/>
+              <a:t>28</a:t>
+            </a:fld>
+            <a:endParaRPr lang="es-MX" sz="2800" dirty="0"/>
+          </a:p>
+        </p:txBody>
+      </p:sp>
+      <p:sp>
+        <p:nvSpPr>
+          <p:cNvPr id="2" name="Título 1">
+            <a:extLst>
+              <a:ext uri="{FF2B5EF4-FFF2-40B4-BE49-F238E27FC236}">
+                <a16:creationId xmlns:a16="http://schemas.microsoft.com/office/drawing/2014/main" id="{6F55C69E-1BF1-41EF-B645-FF25DE892C1C}"/>
+              </a:ext>
+            </a:extLst>
+          </p:cNvPr>
+          <p:cNvSpPr txBox="1">
+            <a:spLocks/>
+          </p:cNvSpPr>
+          <p:nvPr/>
+        </p:nvSpPr>
+        <p:spPr>
+          <a:xfrm rot="16200000">
+            <a:off x="-2769333" y="2914868"/>
+            <a:ext cx="6401774" cy="788616"/>
+          </a:xfrm>
+          <a:prstGeom prst="rect">
+            <a:avLst/>
+          </a:prstGeom>
+        </p:spPr>
+        <p:txBody>
+          <a:bodyPr vert="horz" lIns="91440" tIns="45720" rIns="91440" bIns="45720" rtlCol="0" anchor="t">
+            <a:noAutofit/>
+          </a:bodyPr>
+          <a:lstStyle>
+            <a:lvl1pPr algn="l" defTabSz="479969" rtl="0" eaLnBrk="1" latinLnBrk="0" hangingPunct="1">
+              <a:spcBef>
+                <a:spcPct val="0"/>
+              </a:spcBef>
+              <a:buNone/>
+              <a:defRPr sz="4409" b="0" i="0" kern="1200">
+                <a:solidFill>
+                  <a:schemeClr val="tx2"/>
+                </a:solidFill>
+                <a:latin typeface="+mj-lt"/>
+                <a:ea typeface="+mj-ea"/>
+                <a:cs typeface="+mj-cs"/>
+              </a:defRPr>
+            </a:lvl1pPr>
+            <a:lvl2pPr eaLnBrk="1" hangingPunct="1">
+              <a:defRPr>
+                <a:solidFill>
+                  <a:schemeClr val="tx2"/>
+                </a:solidFill>
+              </a:defRPr>
+            </a:lvl2pPr>
+            <a:lvl3pPr eaLnBrk="1" hangingPunct="1">
+              <a:defRPr>
+                <a:solidFill>
+                  <a:schemeClr val="tx2"/>
+                </a:solidFill>
+              </a:defRPr>
+            </a:lvl3pPr>
+            <a:lvl4pPr eaLnBrk="1" hangingPunct="1">
+              <a:defRPr>
+                <a:solidFill>
+                  <a:schemeClr val="tx2"/>
+                </a:solidFill>
+              </a:defRPr>
+            </a:lvl4pPr>
+            <a:lvl5pPr eaLnBrk="1" hangingPunct="1">
+              <a:defRPr>
+                <a:solidFill>
+                  <a:schemeClr val="tx2"/>
+                </a:solidFill>
+              </a:defRPr>
+            </a:lvl5pPr>
+            <a:lvl6pPr eaLnBrk="1" hangingPunct="1">
+              <a:defRPr>
+                <a:solidFill>
+                  <a:schemeClr val="tx2"/>
+                </a:solidFill>
+              </a:defRPr>
+            </a:lvl6pPr>
+            <a:lvl7pPr eaLnBrk="1" hangingPunct="1">
+              <a:defRPr>
+                <a:solidFill>
+                  <a:schemeClr val="tx2"/>
+                </a:solidFill>
+              </a:defRPr>
+            </a:lvl7pPr>
+            <a:lvl8pPr eaLnBrk="1" hangingPunct="1">
+              <a:defRPr>
+                <a:solidFill>
+                  <a:schemeClr val="tx2"/>
+                </a:solidFill>
+              </a:defRPr>
+            </a:lvl8pPr>
+            <a:lvl9pPr eaLnBrk="1" hangingPunct="1">
+              <a:defRPr>
+                <a:solidFill>
+                  <a:schemeClr val="tx2"/>
+                </a:solidFill>
+              </a:defRPr>
+            </a:lvl9pPr>
+          </a:lstStyle>
+          <a:p>
+            <a:pPr algn="ctr"/>
+            <a:r>
+              <a:rPr lang="es-MX" sz="3600" dirty="0"/>
+              <a:t>Entrada Estándar </a:t>
+            </a:r>
+            <a:r>
+              <a:rPr lang="es-MX" sz="3600" dirty="0" err="1"/>
+              <a:t>rawInput</a:t>
+            </a:r>
+            <a:endParaRPr lang="es-MX" sz="3600" dirty="0"/>
+          </a:p>
+        </p:txBody>
+      </p:sp>
+      <p:sp>
+        <p:nvSpPr>
+          <p:cNvPr id="6" name="CuadroTexto 5">
+            <a:extLst>
+              <a:ext uri="{FF2B5EF4-FFF2-40B4-BE49-F238E27FC236}">
+                <a16:creationId xmlns:a16="http://schemas.microsoft.com/office/drawing/2014/main" id="{57C80738-00A8-52F8-32DD-BC311F88E63D}"/>
+              </a:ext>
+            </a:extLst>
+          </p:cNvPr>
+          <p:cNvSpPr txBox="1"/>
+          <p:nvPr/>
+        </p:nvSpPr>
+        <p:spPr>
+          <a:xfrm>
+            <a:off x="825863" y="310462"/>
+            <a:ext cx="14656592" cy="523220"/>
+          </a:xfrm>
+          <a:prstGeom prst="rect">
+            <a:avLst/>
+          </a:prstGeom>
+          <a:noFill/>
+        </p:spPr>
+        <p:txBody>
+          <a:bodyPr wrap="square">
+            <a:spAutoFit/>
+          </a:bodyPr>
+          <a:lstStyle/>
+          <a:p>
+            <a:r>
+              <a:rPr lang="es-MX" sz="1400" dirty="0"/>
+              <a:t>Entrada de datos por teclado en Python </a:t>
+            </a:r>
+            <a:r>
+              <a:rPr lang="es-MX" sz="1400" dirty="0" err="1"/>
+              <a:t>Python</a:t>
+            </a:r>
+            <a:r>
+              <a:rPr lang="es-MX" sz="1400" dirty="0"/>
+              <a:t> proporciona dos funciones integradas para leer una línea de texto de la entrada estándar por teclado. Estas funciones son: </a:t>
+            </a:r>
+            <a:r>
+              <a:rPr lang="es-MX" sz="1400" dirty="0" err="1"/>
+              <a:t>raw_input</a:t>
+            </a:r>
+            <a:r>
+              <a:rPr lang="es-MX" sz="1400" dirty="0"/>
+              <a:t>() input() La función </a:t>
+            </a:r>
+            <a:r>
+              <a:rPr lang="es-MX" sz="1400" dirty="0" err="1"/>
+              <a:t>raw_input</a:t>
+            </a:r>
+            <a:r>
+              <a:rPr lang="es-MX" sz="1400" dirty="0"/>
+              <a:t> El </a:t>
+            </a:r>
+            <a:r>
+              <a:rPr lang="es-MX" sz="1400" dirty="0" err="1"/>
+              <a:t>raw_input</a:t>
+            </a:r>
+            <a:r>
+              <a:rPr lang="es-MX" sz="1400" dirty="0"/>
+              <a:t> ([</a:t>
+            </a:r>
+            <a:r>
+              <a:rPr lang="es-MX" sz="1400" dirty="0" err="1"/>
+              <a:t>indicacion</a:t>
+            </a:r>
+            <a:r>
+              <a:rPr lang="es-MX" sz="1400" dirty="0"/>
+              <a:t>]) función lee una línea de la entrada estándar y lo devuelve como una cadena (quitando el salto de línea final). Sintaxis : </a:t>
+            </a:r>
+            <a:r>
+              <a:rPr lang="es-MX" sz="1400" dirty="0" err="1"/>
+              <a:t>str</a:t>
+            </a:r>
+            <a:r>
+              <a:rPr lang="es-MX" sz="1400" dirty="0"/>
+              <a:t>= </a:t>
+            </a:r>
+            <a:r>
+              <a:rPr lang="es-MX" sz="1400" dirty="0" err="1"/>
+              <a:t>raw_input</a:t>
+            </a:r>
+            <a:r>
+              <a:rPr lang="es-MX" sz="1400" dirty="0"/>
+              <a:t>(‘</a:t>
+            </a:r>
+            <a:r>
+              <a:rPr lang="es-MX" sz="1400" dirty="0" err="1"/>
+              <a:t>interaccion</a:t>
+            </a:r>
+            <a:r>
+              <a:rPr lang="es-MX" sz="1400" dirty="0"/>
+              <a:t> ’)</a:t>
+            </a:r>
+          </a:p>
+        </p:txBody>
+      </p:sp>
+      <p:pic>
+        <p:nvPicPr>
+          <p:cNvPr id="8" name="Imagen 7">
+            <a:extLst>
+              <a:ext uri="{FF2B5EF4-FFF2-40B4-BE49-F238E27FC236}">
+                <a16:creationId xmlns:a16="http://schemas.microsoft.com/office/drawing/2014/main" id="{6982CB44-49F9-3E1E-F4C5-BBDFC912F96A}"/>
+              </a:ext>
+            </a:extLst>
+          </p:cNvPr>
+          <p:cNvPicPr>
+            <a:picLocks noChangeAspect="1"/>
+          </p:cNvPicPr>
+          <p:nvPr/>
+        </p:nvPicPr>
+        <p:blipFill>
+          <a:blip r:embed="rId2"/>
+          <a:stretch>
+            <a:fillRect/>
+          </a:stretch>
+        </p:blipFill>
+        <p:spPr>
+          <a:xfrm>
+            <a:off x="916420" y="833682"/>
+            <a:ext cx="5733762" cy="1104670"/>
+          </a:xfrm>
+          <a:prstGeom prst="rect">
+            <a:avLst/>
+          </a:prstGeom>
+        </p:spPr>
+      </p:pic>
+      <p:sp>
+        <p:nvSpPr>
+          <p:cNvPr id="10" name="CuadroTexto 9">
+            <a:extLst>
+              <a:ext uri="{FF2B5EF4-FFF2-40B4-BE49-F238E27FC236}">
+                <a16:creationId xmlns:a16="http://schemas.microsoft.com/office/drawing/2014/main" id="{5C335490-8FD4-5CC2-873C-448BE03E3865}"/>
+              </a:ext>
+            </a:extLst>
+          </p:cNvPr>
+          <p:cNvSpPr txBox="1"/>
+          <p:nvPr/>
+        </p:nvSpPr>
+        <p:spPr>
+          <a:xfrm>
+            <a:off x="825863" y="2120476"/>
+            <a:ext cx="5733762" cy="738664"/>
+          </a:xfrm>
+          <a:prstGeom prst="rect">
+            <a:avLst/>
+          </a:prstGeom>
+          <a:noFill/>
+        </p:spPr>
+        <p:txBody>
+          <a:bodyPr wrap="square">
+            <a:spAutoFit/>
+          </a:bodyPr>
+          <a:lstStyle/>
+          <a:p>
+            <a:r>
+              <a:rPr lang="es-MX" sz="1400" dirty="0"/>
+              <a:t>Cabe señalar que la función </a:t>
+            </a:r>
+            <a:r>
+              <a:rPr lang="es-MX" sz="1400" dirty="0" err="1"/>
+              <a:t>raw_input</a:t>
+            </a:r>
+            <a:r>
+              <a:rPr lang="es-MX" sz="1400" dirty="0"/>
+              <a:t>() recibe y procesa de forma literal lo ingresado por teclado, por ejemplo si ingresamos 1+2 +4 el intérprete lo maneja como texto y no lo procesa:</a:t>
+            </a:r>
+          </a:p>
+        </p:txBody>
+      </p:sp>
+      <p:sp>
+        <p:nvSpPr>
+          <p:cNvPr id="12" name="CuadroTexto 11">
+            <a:extLst>
+              <a:ext uri="{FF2B5EF4-FFF2-40B4-BE49-F238E27FC236}">
+                <a16:creationId xmlns:a16="http://schemas.microsoft.com/office/drawing/2014/main" id="{5E221C76-818E-F354-FE0C-EB326A40BE9B}"/>
+              </a:ext>
+            </a:extLst>
+          </p:cNvPr>
+          <p:cNvSpPr txBox="1"/>
+          <p:nvPr/>
+        </p:nvSpPr>
+        <p:spPr>
+          <a:xfrm>
+            <a:off x="825863" y="2825820"/>
+            <a:ext cx="8229600" cy="307777"/>
+          </a:xfrm>
+          <a:prstGeom prst="rect">
+            <a:avLst/>
+          </a:prstGeom>
+          <a:noFill/>
+        </p:spPr>
+        <p:txBody>
+          <a:bodyPr wrap="square">
+            <a:spAutoFit/>
+          </a:bodyPr>
+          <a:lstStyle/>
+          <a:p>
+            <a:r>
+              <a:rPr lang="es-MX" sz="1400" dirty="0"/>
+              <a:t>Ejemplo:</a:t>
+            </a:r>
+          </a:p>
+        </p:txBody>
+      </p:sp>
+      <p:pic>
+        <p:nvPicPr>
+          <p:cNvPr id="14" name="Imagen 13">
+            <a:extLst>
+              <a:ext uri="{FF2B5EF4-FFF2-40B4-BE49-F238E27FC236}">
+                <a16:creationId xmlns:a16="http://schemas.microsoft.com/office/drawing/2014/main" id="{8C2918C7-429C-F305-36DD-7FEDAE401E47}"/>
+              </a:ext>
+            </a:extLst>
+          </p:cNvPr>
+          <p:cNvPicPr>
+            <a:picLocks noChangeAspect="1"/>
+          </p:cNvPicPr>
+          <p:nvPr/>
+        </p:nvPicPr>
+        <p:blipFill>
+          <a:blip r:embed="rId3"/>
+          <a:stretch>
+            <a:fillRect/>
+          </a:stretch>
+        </p:blipFill>
+        <p:spPr>
+          <a:xfrm>
+            <a:off x="916420" y="3225145"/>
+            <a:ext cx="5650635" cy="1065369"/>
+          </a:xfrm>
+          <a:prstGeom prst="rect">
+            <a:avLst/>
+          </a:prstGeom>
+        </p:spPr>
+      </p:pic>
+      <p:sp>
+        <p:nvSpPr>
+          <p:cNvPr id="16" name="CuadroTexto 15">
+            <a:extLst>
+              <a:ext uri="{FF2B5EF4-FFF2-40B4-BE49-F238E27FC236}">
+                <a16:creationId xmlns:a16="http://schemas.microsoft.com/office/drawing/2014/main" id="{432EA376-85F4-BDC5-2993-AD8E65E67901}"/>
+              </a:ext>
+            </a:extLst>
+          </p:cNvPr>
+          <p:cNvSpPr txBox="1"/>
+          <p:nvPr/>
+        </p:nvSpPr>
+        <p:spPr>
+          <a:xfrm>
+            <a:off x="825863" y="4637164"/>
+            <a:ext cx="8229600" cy="369332"/>
+          </a:xfrm>
+          <a:prstGeom prst="rect">
+            <a:avLst/>
+          </a:prstGeom>
+          <a:noFill/>
+        </p:spPr>
+        <p:txBody>
+          <a:bodyPr wrap="square">
+            <a:spAutoFit/>
+          </a:bodyPr>
+          <a:lstStyle/>
+          <a:p>
+            <a:r>
+              <a:rPr lang="es-MX" dirty="0"/>
+              <a:t>La Función input </a:t>
+            </a:r>
+          </a:p>
+        </p:txBody>
+      </p:sp>
+      <p:sp>
+        <p:nvSpPr>
+          <p:cNvPr id="19" name="CuadroTexto 18">
+            <a:extLst>
+              <a:ext uri="{FF2B5EF4-FFF2-40B4-BE49-F238E27FC236}">
+                <a16:creationId xmlns:a16="http://schemas.microsoft.com/office/drawing/2014/main" id="{B8B45295-A949-751C-2D27-0EF5C17571AA}"/>
+              </a:ext>
+            </a:extLst>
+          </p:cNvPr>
+          <p:cNvSpPr txBox="1"/>
+          <p:nvPr/>
+        </p:nvSpPr>
+        <p:spPr>
+          <a:xfrm>
+            <a:off x="825863" y="5111948"/>
+            <a:ext cx="5741192" cy="523220"/>
+          </a:xfrm>
+          <a:prstGeom prst="rect">
+            <a:avLst/>
+          </a:prstGeom>
+          <a:noFill/>
+        </p:spPr>
+        <p:txBody>
+          <a:bodyPr wrap="square">
+            <a:spAutoFit/>
+          </a:bodyPr>
+          <a:lstStyle/>
+          <a:p>
+            <a:r>
+              <a:rPr lang="es-MX" sz="1400" dirty="0"/>
+              <a:t>La función input([</a:t>
+            </a:r>
+            <a:r>
+              <a:rPr lang="es-MX" sz="1400" dirty="0" err="1"/>
+              <a:t>indicacion</a:t>
+            </a:r>
+            <a:r>
+              <a:rPr lang="es-MX" sz="1400" dirty="0"/>
+              <a:t>]) es equivalente a </a:t>
+            </a:r>
+            <a:r>
+              <a:rPr lang="es-MX" sz="1400" dirty="0" err="1"/>
+              <a:t>raw_input</a:t>
+            </a:r>
+            <a:r>
+              <a:rPr lang="es-MX" sz="1400" dirty="0"/>
+              <a:t>, excepto que devuelve el resultado evaluado en su caso.</a:t>
+            </a:r>
+          </a:p>
+        </p:txBody>
+      </p:sp>
+      <p:pic>
+        <p:nvPicPr>
+          <p:cNvPr id="21" name="Imagen 20">
+            <a:extLst>
+              <a:ext uri="{FF2B5EF4-FFF2-40B4-BE49-F238E27FC236}">
+                <a16:creationId xmlns:a16="http://schemas.microsoft.com/office/drawing/2014/main" id="{A6A47D19-3DBA-13D4-22E9-B7B1C6444197}"/>
+              </a:ext>
+            </a:extLst>
+          </p:cNvPr>
+          <p:cNvPicPr>
+            <a:picLocks noChangeAspect="1"/>
+          </p:cNvPicPr>
+          <p:nvPr/>
+        </p:nvPicPr>
+        <p:blipFill>
+          <a:blip r:embed="rId4"/>
+          <a:stretch>
+            <a:fillRect/>
+          </a:stretch>
+        </p:blipFill>
+        <p:spPr>
+          <a:xfrm>
+            <a:off x="910396" y="5740620"/>
+            <a:ext cx="5656659" cy="1160340"/>
+          </a:xfrm>
+          <a:prstGeom prst="rect">
+            <a:avLst/>
+          </a:prstGeom>
+        </p:spPr>
+      </p:pic>
+      <p:sp>
+        <p:nvSpPr>
+          <p:cNvPr id="23" name="CuadroTexto 22">
+            <a:extLst>
+              <a:ext uri="{FF2B5EF4-FFF2-40B4-BE49-F238E27FC236}">
+                <a16:creationId xmlns:a16="http://schemas.microsoft.com/office/drawing/2014/main" id="{B1F055A1-5C46-6A5C-BE18-EC97EE8A5414}"/>
+              </a:ext>
+            </a:extLst>
+          </p:cNvPr>
+          <p:cNvSpPr txBox="1"/>
+          <p:nvPr/>
+        </p:nvSpPr>
+        <p:spPr>
+          <a:xfrm>
+            <a:off x="7585365" y="976293"/>
+            <a:ext cx="7325591" cy="738664"/>
+          </a:xfrm>
+          <a:prstGeom prst="rect">
+            <a:avLst/>
+          </a:prstGeom>
+          <a:noFill/>
+        </p:spPr>
+        <p:txBody>
+          <a:bodyPr wrap="square">
+            <a:spAutoFit/>
+          </a:bodyPr>
+          <a:lstStyle/>
+          <a:p>
+            <a:r>
+              <a:rPr lang="es-MX" sz="1400" dirty="0"/>
+              <a:t>Al recibir números, el intérprete los proceso ejecutándose como una operación matemática. Otro ejemplo tratando de mostrar la diferencia que existe entre la función input y </a:t>
+            </a:r>
+            <a:r>
+              <a:rPr lang="es-MX" sz="1400" dirty="0" err="1"/>
+              <a:t>raw_input</a:t>
+            </a:r>
+            <a:r>
+              <a:rPr lang="es-MX" sz="1400" dirty="0"/>
+              <a:t> es ingresando por ejemplo una dirección </a:t>
+            </a:r>
+            <a:r>
+              <a:rPr lang="es-MX" sz="1400" dirty="0" err="1"/>
+              <a:t>ip</a:t>
+            </a:r>
+            <a:r>
+              <a:rPr lang="es-MX" sz="1400" dirty="0"/>
+              <a:t>: </a:t>
+            </a:r>
+          </a:p>
+        </p:txBody>
+      </p:sp>
+      <p:cxnSp>
+        <p:nvCxnSpPr>
+          <p:cNvPr id="25" name="Conector recto 24">
+            <a:extLst>
+              <a:ext uri="{FF2B5EF4-FFF2-40B4-BE49-F238E27FC236}">
+                <a16:creationId xmlns:a16="http://schemas.microsoft.com/office/drawing/2014/main" id="{48C823FD-B744-7242-5FA6-030E16D1AE01}"/>
+              </a:ext>
+            </a:extLst>
+          </p:cNvPr>
+          <p:cNvCxnSpPr/>
+          <p:nvPr/>
+        </p:nvCxnSpPr>
+        <p:spPr>
+          <a:xfrm>
+            <a:off x="6941127" y="914400"/>
+            <a:ext cx="0" cy="5787736"/>
+          </a:xfrm>
+          <a:prstGeom prst="line">
+            <a:avLst/>
+          </a:prstGeom>
+        </p:spPr>
+        <p:style>
+          <a:lnRef idx="1">
+            <a:schemeClr val="accent1"/>
+          </a:lnRef>
+          <a:fillRef idx="0">
+            <a:schemeClr val="accent1"/>
+          </a:fillRef>
+          <a:effectRef idx="0">
+            <a:schemeClr val="accent1"/>
+          </a:effectRef>
+          <a:fontRef idx="minor">
+            <a:schemeClr val="tx1"/>
+          </a:fontRef>
+        </p:style>
+      </p:cxnSp>
+      <p:pic>
+        <p:nvPicPr>
+          <p:cNvPr id="27" name="Imagen 26">
+            <a:extLst>
+              <a:ext uri="{FF2B5EF4-FFF2-40B4-BE49-F238E27FC236}">
+                <a16:creationId xmlns:a16="http://schemas.microsoft.com/office/drawing/2014/main" id="{41F19804-2D7E-2B93-A9A1-9F611CFB8BE4}"/>
+              </a:ext>
+            </a:extLst>
+          </p:cNvPr>
+          <p:cNvPicPr>
+            <a:picLocks noChangeAspect="1"/>
+          </p:cNvPicPr>
+          <p:nvPr/>
+        </p:nvPicPr>
+        <p:blipFill>
+          <a:blip r:embed="rId5"/>
+          <a:stretch>
+            <a:fillRect/>
+          </a:stretch>
+        </p:blipFill>
+        <p:spPr>
+          <a:xfrm>
+            <a:off x="7604199" y="1857568"/>
+            <a:ext cx="5867400" cy="1733550"/>
+          </a:xfrm>
+          <a:prstGeom prst="rect">
+            <a:avLst/>
+          </a:prstGeom>
+        </p:spPr>
+      </p:pic>
+      <p:sp>
+        <p:nvSpPr>
+          <p:cNvPr id="29" name="CuadroTexto 28">
+            <a:extLst>
+              <a:ext uri="{FF2B5EF4-FFF2-40B4-BE49-F238E27FC236}">
+                <a16:creationId xmlns:a16="http://schemas.microsoft.com/office/drawing/2014/main" id="{4809A111-3792-F9A9-D84D-ECD91C26B44B}"/>
+              </a:ext>
+            </a:extLst>
+          </p:cNvPr>
+          <p:cNvSpPr txBox="1"/>
+          <p:nvPr/>
+        </p:nvSpPr>
+        <p:spPr>
+          <a:xfrm>
+            <a:off x="7585365" y="3808268"/>
+            <a:ext cx="8229600" cy="738664"/>
+          </a:xfrm>
+          <a:prstGeom prst="rect">
+            <a:avLst/>
+          </a:prstGeom>
+          <a:noFill/>
+        </p:spPr>
+        <p:txBody>
+          <a:bodyPr wrap="square">
+            <a:spAutoFit/>
+          </a:bodyPr>
+          <a:lstStyle/>
+          <a:p>
+            <a:r>
+              <a:rPr lang="es-MX" sz="1400" dirty="0"/>
+              <a:t>El intérprete al intentar procesar una dirección </a:t>
+            </a:r>
+            <a:r>
+              <a:rPr lang="es-MX" sz="1400" dirty="0" err="1"/>
+              <a:t>ip</a:t>
+            </a:r>
+            <a:r>
+              <a:rPr lang="es-MX" sz="1400" dirty="0"/>
+              <a:t>, se da cuanta que son números y los trabaja como tal, por lo que la función input, no sirve mucho para hacer nuestros programas, recomiendo utilizar casi siempre </a:t>
+            </a:r>
+            <a:r>
+              <a:rPr lang="es-MX" sz="1400" dirty="0" err="1"/>
+              <a:t>raw_input</a:t>
+            </a:r>
+            <a:r>
+              <a:rPr lang="es-MX" sz="1400" dirty="0"/>
+              <a:t>. </a:t>
+            </a:r>
+          </a:p>
+        </p:txBody>
+      </p:sp>
+    </p:spTree>
+    <p:extLst>
+      <p:ext uri="{BB962C8B-B14F-4D97-AF65-F5344CB8AC3E}">
+        <p14:creationId xmlns:p14="http://schemas.microsoft.com/office/powerpoint/2010/main" val="585717396"/>
+      </p:ext>
+    </p:extLst>
+  </p:cSld>
+  <p:clrMapOvr>
+    <a:masterClrMapping/>
+  </p:clrMapOvr>
+</p:sld>
+</file>
+
+<file path=ppt/slides/slide29.xml><?xml version="1.0" encoding="utf-8"?>
+<p:sld xmlns:a="http://schemas.openxmlformats.org/drawingml/2006/main" xmlns:r="http://schemas.openxmlformats.org/officeDocument/2006/relationships" xmlns:p="http://schemas.openxmlformats.org/presentationml/2006/main">
+  <p:cSld>
+    <p:spTree>
+      <p:nvGrpSpPr>
+        <p:cNvPr id="1" name=""/>
+        <p:cNvGrpSpPr/>
+        <p:nvPr/>
+      </p:nvGrpSpPr>
+      <p:grpSpPr>
+        <a:xfrm>
+          <a:off x="0" y="0"/>
+          <a:ext cx="0" cy="0"/>
+          <a:chOff x="0" y="0"/>
+          <a:chExt cx="0" cy="0"/>
+        </a:xfrm>
+      </p:grpSpPr>
+      <p:sp>
+        <p:nvSpPr>
+          <p:cNvPr id="17" name="Marcador de número de diapositiva 19">
+            <a:extLst>
+              <a:ext uri="{FF2B5EF4-FFF2-40B4-BE49-F238E27FC236}">
+                <a16:creationId xmlns:a16="http://schemas.microsoft.com/office/drawing/2014/main" id="{5C929FC2-CE12-1BD5-686A-E2CB55C0B797}"/>
+              </a:ext>
+            </a:extLst>
+          </p:cNvPr>
+          <p:cNvSpPr>
+            <a:spLocks noGrp="1"/>
+          </p:cNvSpPr>
+          <p:nvPr>
+            <p:ph type="sldNum" sz="quarter" idx="12"/>
+          </p:nvPr>
+        </p:nvSpPr>
+        <p:spPr>
+          <a:xfrm>
+            <a:off x="0" y="0"/>
+            <a:ext cx="568411" cy="620925"/>
+          </a:xfrm>
+          <a:solidFill>
+            <a:schemeClr val="accent1">
+              <a:lumMod val="75000"/>
+            </a:schemeClr>
+          </a:solidFill>
+        </p:spPr>
+        <p:txBody>
+          <a:bodyPr numCol="1"/>
+          <a:lstStyle/>
+          <a:p>
+            <a:pPr algn="ctr"/>
+            <a:fld id="{FE569E57-A1D0-47AE-A3E4-85DA6C503064}" type="slidenum">
+              <a:rPr lang="es-MX" sz="2800" smtClean="0"/>
+              <a:pPr algn="ctr"/>
+              <a:t>29</a:t>
+            </a:fld>
+            <a:endParaRPr lang="es-MX" sz="2800" dirty="0"/>
+          </a:p>
+        </p:txBody>
+      </p:sp>
+      <p:sp>
+        <p:nvSpPr>
+          <p:cNvPr id="2" name="Título 1">
+            <a:extLst>
+              <a:ext uri="{FF2B5EF4-FFF2-40B4-BE49-F238E27FC236}">
+                <a16:creationId xmlns:a16="http://schemas.microsoft.com/office/drawing/2014/main" id="{6F55C69E-1BF1-41EF-B645-FF25DE892C1C}"/>
+              </a:ext>
+            </a:extLst>
+          </p:cNvPr>
+          <p:cNvSpPr txBox="1">
+            <a:spLocks/>
+          </p:cNvSpPr>
+          <p:nvPr/>
+        </p:nvSpPr>
+        <p:spPr>
+          <a:xfrm rot="16200000">
+            <a:off x="-2769333" y="2914868"/>
+            <a:ext cx="6401774" cy="788616"/>
+          </a:xfrm>
+          <a:prstGeom prst="rect">
+            <a:avLst/>
+          </a:prstGeom>
+        </p:spPr>
+        <p:txBody>
+          <a:bodyPr vert="horz" lIns="91440" tIns="45720" rIns="91440" bIns="45720" rtlCol="0" anchor="t">
+            <a:noAutofit/>
+          </a:bodyPr>
+          <a:lstStyle>
+            <a:lvl1pPr algn="l" defTabSz="479969" rtl="0" eaLnBrk="1" latinLnBrk="0" hangingPunct="1">
+              <a:spcBef>
+                <a:spcPct val="0"/>
+              </a:spcBef>
+              <a:buNone/>
+              <a:defRPr sz="4409" b="0" i="0" kern="1200">
+                <a:solidFill>
+                  <a:schemeClr val="tx2"/>
+                </a:solidFill>
+                <a:latin typeface="+mj-lt"/>
+                <a:ea typeface="+mj-ea"/>
+                <a:cs typeface="+mj-cs"/>
+              </a:defRPr>
+            </a:lvl1pPr>
+            <a:lvl2pPr eaLnBrk="1" hangingPunct="1">
+              <a:defRPr>
+                <a:solidFill>
+                  <a:schemeClr val="tx2"/>
+                </a:solidFill>
+              </a:defRPr>
+            </a:lvl2pPr>
+            <a:lvl3pPr eaLnBrk="1" hangingPunct="1">
+              <a:defRPr>
+                <a:solidFill>
+                  <a:schemeClr val="tx2"/>
+                </a:solidFill>
+              </a:defRPr>
+            </a:lvl3pPr>
+            <a:lvl4pPr eaLnBrk="1" hangingPunct="1">
+              <a:defRPr>
+                <a:solidFill>
+                  <a:schemeClr val="tx2"/>
+                </a:solidFill>
+              </a:defRPr>
+            </a:lvl4pPr>
+            <a:lvl5pPr eaLnBrk="1" hangingPunct="1">
+              <a:defRPr>
+                <a:solidFill>
+                  <a:schemeClr val="tx2"/>
+                </a:solidFill>
+              </a:defRPr>
+            </a:lvl5pPr>
+            <a:lvl6pPr eaLnBrk="1" hangingPunct="1">
+              <a:defRPr>
+                <a:solidFill>
+                  <a:schemeClr val="tx2"/>
+                </a:solidFill>
+              </a:defRPr>
+            </a:lvl6pPr>
+            <a:lvl7pPr eaLnBrk="1" hangingPunct="1">
+              <a:defRPr>
+                <a:solidFill>
+                  <a:schemeClr val="tx2"/>
+                </a:solidFill>
+              </a:defRPr>
+            </a:lvl7pPr>
+            <a:lvl8pPr eaLnBrk="1" hangingPunct="1">
+              <a:defRPr>
+                <a:solidFill>
+                  <a:schemeClr val="tx2"/>
+                </a:solidFill>
+              </a:defRPr>
+            </a:lvl8pPr>
+            <a:lvl9pPr eaLnBrk="1" hangingPunct="1">
+              <a:defRPr>
+                <a:solidFill>
+                  <a:schemeClr val="tx2"/>
+                </a:solidFill>
+              </a:defRPr>
+            </a:lvl9pPr>
+          </a:lstStyle>
+          <a:p>
+            <a:pPr algn="ctr"/>
+            <a:r>
+              <a:rPr lang="es-MX" sz="3600" dirty="0"/>
+              <a:t>Módulos</a:t>
+            </a:r>
+          </a:p>
+        </p:txBody>
+      </p:sp>
+      <p:sp>
+        <p:nvSpPr>
+          <p:cNvPr id="4" name="CuadroTexto 3">
+            <a:extLst>
+              <a:ext uri="{FF2B5EF4-FFF2-40B4-BE49-F238E27FC236}">
+                <a16:creationId xmlns:a16="http://schemas.microsoft.com/office/drawing/2014/main" id="{B5C77A9D-EF00-AFA5-6884-6A77E433DEB7}"/>
+              </a:ext>
+            </a:extLst>
+          </p:cNvPr>
+          <p:cNvSpPr txBox="1"/>
+          <p:nvPr/>
+        </p:nvSpPr>
+        <p:spPr>
+          <a:xfrm>
+            <a:off x="863108" y="476716"/>
+            <a:ext cx="14931074" cy="738664"/>
+          </a:xfrm>
+          <a:prstGeom prst="rect">
+            <a:avLst/>
+          </a:prstGeom>
+          <a:noFill/>
+        </p:spPr>
+        <p:txBody>
+          <a:bodyPr wrap="square">
+            <a:spAutoFit/>
+          </a:bodyPr>
+          <a:lstStyle/>
+          <a:p>
+            <a:r>
+              <a:rPr lang="es-MX" sz="1400" dirty="0"/>
+              <a:t>Para facilitar el mantenimiento y la lectura los programas demasiado largos pueden dividirse en módulos, agrupando elementos relacionados. Los módulos son entidades que permiten una organización y división lógica de nuestro código. Los ficheros son su contrapartida física: cada archivo Python almacenado en disco equivale a un módulo. Vamos a crear nuestro primer módulo entonces creando un pequeño archivo modulo.py con el siguiente contenido: </a:t>
+            </a:r>
+          </a:p>
+        </p:txBody>
+      </p:sp>
+      <p:pic>
+        <p:nvPicPr>
+          <p:cNvPr id="6" name="Imagen 5">
+            <a:extLst>
+              <a:ext uri="{FF2B5EF4-FFF2-40B4-BE49-F238E27FC236}">
+                <a16:creationId xmlns:a16="http://schemas.microsoft.com/office/drawing/2014/main" id="{C9C6FF2E-02D1-705E-3067-D97F460A65F5}"/>
+              </a:ext>
+            </a:extLst>
+          </p:cNvPr>
+          <p:cNvPicPr>
+            <a:picLocks noChangeAspect="1"/>
+          </p:cNvPicPr>
+          <p:nvPr/>
+        </p:nvPicPr>
+        <p:blipFill>
+          <a:blip r:embed="rId2"/>
+          <a:stretch>
+            <a:fillRect/>
+          </a:stretch>
+        </p:blipFill>
+        <p:spPr>
+          <a:xfrm>
+            <a:off x="966499" y="1370806"/>
+            <a:ext cx="3638550" cy="2228850"/>
+          </a:xfrm>
+          <a:prstGeom prst="rect">
+            <a:avLst/>
+          </a:prstGeom>
+        </p:spPr>
+      </p:pic>
+      <p:sp>
+        <p:nvSpPr>
+          <p:cNvPr id="8" name="CuadroTexto 7">
+            <a:extLst>
+              <a:ext uri="{FF2B5EF4-FFF2-40B4-BE49-F238E27FC236}">
+                <a16:creationId xmlns:a16="http://schemas.microsoft.com/office/drawing/2014/main" id="{ED10894D-0C21-9507-7308-5DF17FB1EE26}"/>
+              </a:ext>
+            </a:extLst>
+          </p:cNvPr>
+          <p:cNvSpPr txBox="1"/>
+          <p:nvPr/>
+        </p:nvSpPr>
+        <p:spPr>
+          <a:xfrm>
+            <a:off x="863109" y="3755082"/>
+            <a:ext cx="4488210" cy="2031325"/>
+          </a:xfrm>
+          <a:prstGeom prst="rect">
+            <a:avLst/>
+          </a:prstGeom>
+          <a:noFill/>
+        </p:spPr>
+        <p:txBody>
+          <a:bodyPr wrap="square">
+            <a:spAutoFit/>
+          </a:bodyPr>
+          <a:lstStyle/>
+          <a:p>
+            <a:r>
+              <a:rPr lang="es-MX" sz="1400" dirty="0"/>
+              <a:t>Si quisiéramos utilizar la funcionalidad definida en este módulo en nuestro programa tendríamos que importarlo. Para importar un módulo se utiliza la palabra clave </a:t>
+            </a:r>
+            <a:r>
+              <a:rPr lang="es-MX" sz="1400" dirty="0" err="1"/>
+              <a:t>import</a:t>
+            </a:r>
+            <a:r>
+              <a:rPr lang="es-MX" sz="1400" dirty="0"/>
+              <a:t> seguida del nombre del módulo, que consiste en el nombre del archivo menos la extensión. Como ejemplo, creemos un archivo programa.py en el mismo directorio en el que guardamos el archivo del módulo (esto es importante, porque si no se encuentra en el mismo directorio Python no podrá encontrarlo), con el siguiente contenido: </a:t>
+            </a:r>
+          </a:p>
+        </p:txBody>
+      </p:sp>
+      <p:pic>
+        <p:nvPicPr>
+          <p:cNvPr id="10" name="Imagen 9">
+            <a:extLst>
+              <a:ext uri="{FF2B5EF4-FFF2-40B4-BE49-F238E27FC236}">
+                <a16:creationId xmlns:a16="http://schemas.microsoft.com/office/drawing/2014/main" id="{46ED98CF-294C-40E8-3101-392F45ECC018}"/>
+              </a:ext>
+            </a:extLst>
+          </p:cNvPr>
+          <p:cNvPicPr>
+            <a:picLocks noChangeAspect="1"/>
+          </p:cNvPicPr>
+          <p:nvPr/>
+        </p:nvPicPr>
+        <p:blipFill>
+          <a:blip r:embed="rId3"/>
+          <a:stretch>
+            <a:fillRect/>
+          </a:stretch>
+        </p:blipFill>
+        <p:spPr>
+          <a:xfrm>
+            <a:off x="966499" y="6005127"/>
+            <a:ext cx="2285856" cy="1009871"/>
+          </a:xfrm>
+          <a:prstGeom prst="rect">
+            <a:avLst/>
+          </a:prstGeom>
+        </p:spPr>
+      </p:pic>
+      <p:cxnSp>
+        <p:nvCxnSpPr>
+          <p:cNvPr id="12" name="Conector recto 11">
+            <a:extLst>
+              <a:ext uri="{FF2B5EF4-FFF2-40B4-BE49-F238E27FC236}">
+                <a16:creationId xmlns:a16="http://schemas.microsoft.com/office/drawing/2014/main" id="{E814229B-5B23-FA76-3951-89AF1E365CF3}"/>
+              </a:ext>
+            </a:extLst>
+          </p:cNvPr>
+          <p:cNvCxnSpPr/>
+          <p:nvPr/>
+        </p:nvCxnSpPr>
+        <p:spPr>
+          <a:xfrm>
+            <a:off x="5642263" y="1527464"/>
+            <a:ext cx="0" cy="4982599"/>
+          </a:xfrm>
+          <a:prstGeom prst="line">
+            <a:avLst/>
+          </a:prstGeom>
+        </p:spPr>
+        <p:style>
+          <a:lnRef idx="1">
+            <a:schemeClr val="accent1"/>
+          </a:lnRef>
+          <a:fillRef idx="0">
+            <a:schemeClr val="accent1"/>
+          </a:fillRef>
+          <a:effectRef idx="0">
+            <a:schemeClr val="accent1"/>
+          </a:effectRef>
+          <a:fontRef idx="minor">
+            <a:schemeClr val="tx1"/>
+          </a:fontRef>
+        </p:style>
+      </p:cxnSp>
+      <p:sp>
+        <p:nvSpPr>
+          <p:cNvPr id="14" name="CuadroTexto 13">
+            <a:extLst>
+              <a:ext uri="{FF2B5EF4-FFF2-40B4-BE49-F238E27FC236}">
+                <a16:creationId xmlns:a16="http://schemas.microsoft.com/office/drawing/2014/main" id="{C512C696-FBDB-8463-FDB7-928C6201A44A}"/>
+              </a:ext>
+            </a:extLst>
+          </p:cNvPr>
+          <p:cNvSpPr txBox="1"/>
+          <p:nvPr/>
+        </p:nvSpPr>
+        <p:spPr>
+          <a:xfrm>
+            <a:off x="6151418" y="1215380"/>
+            <a:ext cx="9933707" cy="1600438"/>
+          </a:xfrm>
+          <a:prstGeom prst="rect">
+            <a:avLst/>
+          </a:prstGeom>
+          <a:noFill/>
+        </p:spPr>
+        <p:txBody>
+          <a:bodyPr wrap="square">
+            <a:spAutoFit/>
+          </a:bodyPr>
+          <a:lstStyle/>
+          <a:p>
+            <a:r>
+              <a:rPr lang="es-MX" sz="1400" dirty="0"/>
+              <a:t>El </a:t>
+            </a:r>
+            <a:r>
+              <a:rPr lang="es-MX" sz="1400" dirty="0" err="1"/>
+              <a:t>import</a:t>
+            </a:r>
+            <a:r>
+              <a:rPr lang="es-MX" sz="1400" dirty="0"/>
+              <a:t> no solo hace que tengamos disponible todo lo definido dentro del módulo, sino que también ejecuta el código del módulo. Por esta razón nuestro programa, además de imprimir el texto “una función” al llamar a </a:t>
+            </a:r>
+            <a:r>
+              <a:rPr lang="es-MX" sz="1400" dirty="0" err="1"/>
+              <a:t>mi_funcion</a:t>
+            </a:r>
+            <a:r>
+              <a:rPr lang="es-MX" sz="1400" dirty="0"/>
+              <a:t>, también imprimiría el texto “un módulo”, debido al </a:t>
+            </a:r>
+            <a:r>
+              <a:rPr lang="es-MX" sz="1400" dirty="0" err="1"/>
+              <a:t>print</a:t>
+            </a:r>
+            <a:r>
+              <a:rPr lang="es-MX" sz="1400" dirty="0"/>
+              <a:t> del módulo importado. No se imprimiría, no obstante, el texto “una clase”, ya que lo que se hizo en el módulo fue tan solo definir de la clase, no instanciarla. La clausula </a:t>
+            </a:r>
+            <a:r>
+              <a:rPr lang="es-MX" sz="1400" dirty="0" err="1"/>
+              <a:t>import</a:t>
+            </a:r>
+            <a:r>
+              <a:rPr lang="es-MX" sz="1400" dirty="0"/>
+              <a:t> también permite importar varios módulos en la misma línea. En el siguiente ejemplo podemos ver cómo se importa con una sola clausula </a:t>
+            </a:r>
+            <a:r>
+              <a:rPr lang="es-MX" sz="1400" dirty="0" err="1"/>
+              <a:t>import</a:t>
+            </a:r>
+            <a:r>
+              <a:rPr lang="es-MX" sz="1400" dirty="0"/>
+              <a:t> los módulos de la distribución por defecto de Python os, que engloba funcionalidad relativa al sistema operativo; </a:t>
+            </a:r>
+            <a:r>
+              <a:rPr lang="es-MX" sz="1400" dirty="0" err="1"/>
+              <a:t>sys</a:t>
+            </a:r>
+            <a:r>
+              <a:rPr lang="es-MX" sz="1400" dirty="0"/>
+              <a:t>, con funcionalidad relacionada con el propio intérprete de Python y time, en el que se almacenan funciones para manipular fechas </a:t>
+            </a:r>
+            <a:r>
+              <a:rPr lang="es-MX" sz="1400" dirty="0" err="1"/>
+              <a:t>yhoras</a:t>
+            </a:r>
+            <a:r>
+              <a:rPr lang="es-MX" sz="1400" dirty="0"/>
+              <a:t>.</a:t>
+            </a:r>
+          </a:p>
+        </p:txBody>
+      </p:sp>
+    </p:spTree>
+    <p:extLst>
+      <p:ext uri="{BB962C8B-B14F-4D97-AF65-F5344CB8AC3E}">
+        <p14:creationId xmlns:p14="http://schemas.microsoft.com/office/powerpoint/2010/main" val="329161443"/>
       </p:ext>
     </p:extLst>
   </p:cSld>
